--- a/docs/presentation.pptx
+++ b/docs/presentation.pptx
@@ -22,7 +22,7 @@
     <p:sldId id="268" r:id="rId17"/>
   </p:sldIdLst>
   <p:sldSz cx="9144000" cy="6858000"/>
-  <p:notesSz cx="6858000" cy="9144000"/>
+  <p:notesSz cx="7559675" cy="10691812"/>
 </p:presentation>
 </file>
 
@@ -67,7 +67,7 @@
       </p:grpSpPr>
       <p:sp>
         <p:nvSpPr>
-          <p:cNvPr id="26" name="PlaceHolder 1"/>
+          <p:cNvPr id="25" name="PlaceHolder 1"/>
           <p:cNvSpPr>
             <a:spLocks noGrp="1"/>
           </p:cNvSpPr>
@@ -78,7 +78,7 @@
         <p:spPr>
           <a:xfrm>
             <a:off x="3044880" y="1925640"/>
-            <a:ext cx="3054240" cy="2049120"/>
+            <a:ext cx="3053880" cy="2048760"/>
           </a:xfrm>
           <a:prstGeom prst="rect">
             <a:avLst/>
@@ -87,18 +87,16 @@
         <p:txBody>
           <a:bodyPr lIns="0" rIns="0" tIns="0" bIns="0" anchor="ctr"/>
           <a:p>
-            <a:endParaRPr b="0" lang="en-US" sz="1400" spc="-1" strike="noStrike">
-              <a:solidFill>
-                <a:srgbClr val="000000"/>
-              </a:solidFill>
-              <a:latin typeface="Arial"/>
-            </a:endParaRPr>
-          </a:p>
-        </p:txBody>
-      </p:sp>
-      <p:sp>
-        <p:nvSpPr>
-          <p:cNvPr id="27" name="PlaceHolder 2"/>
+            <a:pPr algn="ctr"/>
+            <a:endParaRPr b="0" lang="en-US" sz="4400" spc="-1" strike="noStrike">
+              <a:latin typeface="Arial"/>
+            </a:endParaRPr>
+          </a:p>
+        </p:txBody>
+      </p:sp>
+      <p:sp>
+        <p:nvSpPr>
+          <p:cNvPr id="26" name="PlaceHolder 2"/>
           <p:cNvSpPr>
             <a:spLocks noGrp="1"/>
           </p:cNvSpPr>
@@ -120,18 +118,15 @@
             <a:normAutofit/>
           </a:bodyPr>
           <a:p>
-            <a:endParaRPr b="0" lang="en-US" sz="1400" spc="-1" strike="noStrike">
-              <a:solidFill>
-                <a:srgbClr val="000000"/>
-              </a:solidFill>
-              <a:latin typeface="Arial"/>
-            </a:endParaRPr>
-          </a:p>
-        </p:txBody>
-      </p:sp>
-      <p:sp>
-        <p:nvSpPr>
-          <p:cNvPr id="28" name="PlaceHolder 3"/>
+            <a:endParaRPr b="0" lang="en-US" sz="3200" spc="-1" strike="noStrike">
+              <a:latin typeface="Arial"/>
+            </a:endParaRPr>
+          </a:p>
+        </p:txBody>
+      </p:sp>
+      <p:sp>
+        <p:nvSpPr>
+          <p:cNvPr id="27" name="PlaceHolder 3"/>
           <p:cNvSpPr>
             <a:spLocks noGrp="1"/>
           </p:cNvSpPr>
@@ -153,10 +148,7 @@
             <a:normAutofit/>
           </a:bodyPr>
           <a:p>
-            <a:endParaRPr b="0" lang="en-US" sz="1400" spc="-1" strike="noStrike">
-              <a:solidFill>
-                <a:srgbClr val="000000"/>
-              </a:solidFill>
+            <a:endParaRPr b="0" lang="en-US" sz="3200" spc="-1" strike="noStrike">
               <a:latin typeface="Arial"/>
             </a:endParaRPr>
           </a:p>
@@ -186,7 +178,7 @@
       </p:grpSpPr>
       <p:sp>
         <p:nvSpPr>
-          <p:cNvPr id="29" name="PlaceHolder 1"/>
+          <p:cNvPr id="28" name="PlaceHolder 1"/>
           <p:cNvSpPr>
             <a:spLocks noGrp="1"/>
           </p:cNvSpPr>
@@ -197,7 +189,7 @@
         <p:spPr>
           <a:xfrm>
             <a:off x="3044880" y="1925640"/>
-            <a:ext cx="3054240" cy="2049120"/>
+            <a:ext cx="3053880" cy="2048760"/>
           </a:xfrm>
           <a:prstGeom prst="rect">
             <a:avLst/>
@@ -206,18 +198,16 @@
         <p:txBody>
           <a:bodyPr lIns="0" rIns="0" tIns="0" bIns="0" anchor="ctr"/>
           <a:p>
-            <a:endParaRPr b="0" lang="en-US" sz="1400" spc="-1" strike="noStrike">
-              <a:solidFill>
-                <a:srgbClr val="000000"/>
-              </a:solidFill>
-              <a:latin typeface="Arial"/>
-            </a:endParaRPr>
-          </a:p>
-        </p:txBody>
-      </p:sp>
-      <p:sp>
-        <p:nvSpPr>
-          <p:cNvPr id="30" name="PlaceHolder 2"/>
+            <a:pPr algn="ctr"/>
+            <a:endParaRPr b="0" lang="en-US" sz="4400" spc="-1" strike="noStrike">
+              <a:latin typeface="Arial"/>
+            </a:endParaRPr>
+          </a:p>
+        </p:txBody>
+      </p:sp>
+      <p:sp>
+        <p:nvSpPr>
+          <p:cNvPr id="29" name="PlaceHolder 2"/>
           <p:cNvSpPr>
             <a:spLocks noGrp="1"/>
           </p:cNvSpPr>
@@ -239,18 +229,15 @@
             <a:normAutofit/>
           </a:bodyPr>
           <a:p>
-            <a:endParaRPr b="0" lang="en-US" sz="1400" spc="-1" strike="noStrike">
-              <a:solidFill>
-                <a:srgbClr val="000000"/>
-              </a:solidFill>
-              <a:latin typeface="Arial"/>
-            </a:endParaRPr>
-          </a:p>
-        </p:txBody>
-      </p:sp>
-      <p:sp>
-        <p:nvSpPr>
-          <p:cNvPr id="31" name="PlaceHolder 3"/>
+            <a:endParaRPr b="0" lang="en-US" sz="3200" spc="-1" strike="noStrike">
+              <a:latin typeface="Arial"/>
+            </a:endParaRPr>
+          </a:p>
+        </p:txBody>
+      </p:sp>
+      <p:sp>
+        <p:nvSpPr>
+          <p:cNvPr id="30" name="PlaceHolder 3"/>
           <p:cNvSpPr>
             <a:spLocks noGrp="1"/>
           </p:cNvSpPr>
@@ -272,18 +259,15 @@
             <a:normAutofit/>
           </a:bodyPr>
           <a:p>
-            <a:endParaRPr b="0" lang="en-US" sz="1400" spc="-1" strike="noStrike">
-              <a:solidFill>
-                <a:srgbClr val="000000"/>
-              </a:solidFill>
-              <a:latin typeface="Arial"/>
-            </a:endParaRPr>
-          </a:p>
-        </p:txBody>
-      </p:sp>
-      <p:sp>
-        <p:nvSpPr>
-          <p:cNvPr id="32" name="PlaceHolder 4"/>
+            <a:endParaRPr b="0" lang="en-US" sz="3200" spc="-1" strike="noStrike">
+              <a:latin typeface="Arial"/>
+            </a:endParaRPr>
+          </a:p>
+        </p:txBody>
+      </p:sp>
+      <p:sp>
+        <p:nvSpPr>
+          <p:cNvPr id="31" name="PlaceHolder 4"/>
           <p:cNvSpPr>
             <a:spLocks noGrp="1"/>
           </p:cNvSpPr>
@@ -305,18 +289,15 @@
             <a:normAutofit/>
           </a:bodyPr>
           <a:p>
-            <a:endParaRPr b="0" lang="en-US" sz="1400" spc="-1" strike="noStrike">
-              <a:solidFill>
-                <a:srgbClr val="000000"/>
-              </a:solidFill>
-              <a:latin typeface="Arial"/>
-            </a:endParaRPr>
-          </a:p>
-        </p:txBody>
-      </p:sp>
-      <p:sp>
-        <p:nvSpPr>
-          <p:cNvPr id="33" name="PlaceHolder 5"/>
+            <a:endParaRPr b="0" lang="en-US" sz="3200" spc="-1" strike="noStrike">
+              <a:latin typeface="Arial"/>
+            </a:endParaRPr>
+          </a:p>
+        </p:txBody>
+      </p:sp>
+      <p:sp>
+        <p:nvSpPr>
+          <p:cNvPr id="32" name="PlaceHolder 5"/>
           <p:cNvSpPr>
             <a:spLocks noGrp="1"/>
           </p:cNvSpPr>
@@ -338,10 +319,7 @@
             <a:normAutofit/>
           </a:bodyPr>
           <a:p>
-            <a:endParaRPr b="0" lang="en-US" sz="1400" spc="-1" strike="noStrike">
-              <a:solidFill>
-                <a:srgbClr val="000000"/>
-              </a:solidFill>
+            <a:endParaRPr b="0" lang="en-US" sz="3200" spc="-1" strike="noStrike">
               <a:latin typeface="Arial"/>
             </a:endParaRPr>
           </a:p>
@@ -371,7 +349,7 @@
       </p:grpSpPr>
       <p:sp>
         <p:nvSpPr>
-          <p:cNvPr id="34" name="PlaceHolder 1"/>
+          <p:cNvPr id="33" name="PlaceHolder 1"/>
           <p:cNvSpPr>
             <a:spLocks noGrp="1"/>
           </p:cNvSpPr>
@@ -382,7 +360,7 @@
         <p:spPr>
           <a:xfrm>
             <a:off x="3044880" y="1925640"/>
-            <a:ext cx="3054240" cy="2049120"/>
+            <a:ext cx="3053880" cy="2048760"/>
           </a:xfrm>
           <a:prstGeom prst="rect">
             <a:avLst/>
@@ -391,18 +369,16 @@
         <p:txBody>
           <a:bodyPr lIns="0" rIns="0" tIns="0" bIns="0" anchor="ctr"/>
           <a:p>
-            <a:endParaRPr b="0" lang="en-US" sz="1400" spc="-1" strike="noStrike">
-              <a:solidFill>
-                <a:srgbClr val="000000"/>
-              </a:solidFill>
-              <a:latin typeface="Arial"/>
-            </a:endParaRPr>
-          </a:p>
-        </p:txBody>
-      </p:sp>
-      <p:sp>
-        <p:nvSpPr>
-          <p:cNvPr id="35" name="PlaceHolder 2"/>
+            <a:pPr algn="ctr"/>
+            <a:endParaRPr b="0" lang="en-US" sz="4400" spc="-1" strike="noStrike">
+              <a:latin typeface="Arial"/>
+            </a:endParaRPr>
+          </a:p>
+        </p:txBody>
+      </p:sp>
+      <p:sp>
+        <p:nvSpPr>
+          <p:cNvPr id="34" name="PlaceHolder 2"/>
           <p:cNvSpPr>
             <a:spLocks noGrp="1"/>
           </p:cNvSpPr>
@@ -424,18 +400,15 @@
             <a:normAutofit/>
           </a:bodyPr>
           <a:p>
-            <a:endParaRPr b="0" lang="en-US" sz="1400" spc="-1" strike="noStrike">
-              <a:solidFill>
-                <a:srgbClr val="000000"/>
-              </a:solidFill>
-              <a:latin typeface="Arial"/>
-            </a:endParaRPr>
-          </a:p>
-        </p:txBody>
-      </p:sp>
-      <p:sp>
-        <p:nvSpPr>
-          <p:cNvPr id="36" name="PlaceHolder 3"/>
+            <a:endParaRPr b="0" lang="en-US" sz="3200" spc="-1" strike="noStrike">
+              <a:latin typeface="Arial"/>
+            </a:endParaRPr>
+          </a:p>
+        </p:txBody>
+      </p:sp>
+      <p:sp>
+        <p:nvSpPr>
+          <p:cNvPr id="35" name="PlaceHolder 3"/>
           <p:cNvSpPr>
             <a:spLocks noGrp="1"/>
           </p:cNvSpPr>
@@ -457,18 +430,15 @@
             <a:normAutofit/>
           </a:bodyPr>
           <a:p>
-            <a:endParaRPr b="0" lang="en-US" sz="1400" spc="-1" strike="noStrike">
-              <a:solidFill>
-                <a:srgbClr val="000000"/>
-              </a:solidFill>
-              <a:latin typeface="Arial"/>
-            </a:endParaRPr>
-          </a:p>
-        </p:txBody>
-      </p:sp>
-      <p:sp>
-        <p:nvSpPr>
-          <p:cNvPr id="37" name="PlaceHolder 4"/>
+            <a:endParaRPr b="0" lang="en-US" sz="3200" spc="-1" strike="noStrike">
+              <a:latin typeface="Arial"/>
+            </a:endParaRPr>
+          </a:p>
+        </p:txBody>
+      </p:sp>
+      <p:sp>
+        <p:nvSpPr>
+          <p:cNvPr id="36" name="PlaceHolder 4"/>
           <p:cNvSpPr>
             <a:spLocks noGrp="1"/>
           </p:cNvSpPr>
@@ -490,18 +460,15 @@
             <a:normAutofit/>
           </a:bodyPr>
           <a:p>
-            <a:endParaRPr b="0" lang="en-US" sz="1400" spc="-1" strike="noStrike">
-              <a:solidFill>
-                <a:srgbClr val="000000"/>
-              </a:solidFill>
-              <a:latin typeface="Arial"/>
-            </a:endParaRPr>
-          </a:p>
-        </p:txBody>
-      </p:sp>
-      <p:sp>
-        <p:nvSpPr>
-          <p:cNvPr id="38" name="PlaceHolder 5"/>
+            <a:endParaRPr b="0" lang="en-US" sz="3200" spc="-1" strike="noStrike">
+              <a:latin typeface="Arial"/>
+            </a:endParaRPr>
+          </a:p>
+        </p:txBody>
+      </p:sp>
+      <p:sp>
+        <p:nvSpPr>
+          <p:cNvPr id="37" name="PlaceHolder 5"/>
           <p:cNvSpPr>
             <a:spLocks noGrp="1"/>
           </p:cNvSpPr>
@@ -523,18 +490,15 @@
             <a:normAutofit/>
           </a:bodyPr>
           <a:p>
-            <a:endParaRPr b="0" lang="en-US" sz="1400" spc="-1" strike="noStrike">
-              <a:solidFill>
-                <a:srgbClr val="000000"/>
-              </a:solidFill>
-              <a:latin typeface="Arial"/>
-            </a:endParaRPr>
-          </a:p>
-        </p:txBody>
-      </p:sp>
-      <p:sp>
-        <p:nvSpPr>
-          <p:cNvPr id="39" name="PlaceHolder 6"/>
+            <a:endParaRPr b="0" lang="en-US" sz="3200" spc="-1" strike="noStrike">
+              <a:latin typeface="Arial"/>
+            </a:endParaRPr>
+          </a:p>
+        </p:txBody>
+      </p:sp>
+      <p:sp>
+        <p:nvSpPr>
+          <p:cNvPr id="38" name="PlaceHolder 6"/>
           <p:cNvSpPr>
             <a:spLocks noGrp="1"/>
           </p:cNvSpPr>
@@ -556,18 +520,15 @@
             <a:normAutofit/>
           </a:bodyPr>
           <a:p>
-            <a:endParaRPr b="0" lang="en-US" sz="1400" spc="-1" strike="noStrike">
-              <a:solidFill>
-                <a:srgbClr val="000000"/>
-              </a:solidFill>
-              <a:latin typeface="Arial"/>
-            </a:endParaRPr>
-          </a:p>
-        </p:txBody>
-      </p:sp>
-      <p:sp>
-        <p:nvSpPr>
-          <p:cNvPr id="40" name="PlaceHolder 7"/>
+            <a:endParaRPr b="0" lang="en-US" sz="3200" spc="-1" strike="noStrike">
+              <a:latin typeface="Arial"/>
+            </a:endParaRPr>
+          </a:p>
+        </p:txBody>
+      </p:sp>
+      <p:sp>
+        <p:nvSpPr>
+          <p:cNvPr id="39" name="PlaceHolder 7"/>
           <p:cNvSpPr>
             <a:spLocks noGrp="1"/>
           </p:cNvSpPr>
@@ -589,10 +550,7 @@
             <a:normAutofit/>
           </a:bodyPr>
           <a:p>
-            <a:endParaRPr b="0" lang="en-US" sz="1400" spc="-1" strike="noStrike">
-              <a:solidFill>
-                <a:srgbClr val="000000"/>
-              </a:solidFill>
+            <a:endParaRPr b="0" lang="en-US" sz="3200" spc="-1" strike="noStrike">
               <a:latin typeface="Arial"/>
             </a:endParaRPr>
           </a:p>
@@ -644,7 +602,7 @@
       </p:grpSpPr>
       <p:sp>
         <p:nvSpPr>
-          <p:cNvPr id="46" name="PlaceHolder 1"/>
+          <p:cNvPr id="44" name="PlaceHolder 1"/>
           <p:cNvSpPr>
             <a:spLocks noGrp="1"/>
           </p:cNvSpPr>
@@ -655,7 +613,7 @@
         <p:spPr>
           <a:xfrm>
             <a:off x="3044880" y="1925640"/>
-            <a:ext cx="3054240" cy="2049120"/>
+            <a:ext cx="3053880" cy="2048760"/>
           </a:xfrm>
           <a:prstGeom prst="rect">
             <a:avLst/>
@@ -664,18 +622,16 @@
         <p:txBody>
           <a:bodyPr lIns="0" rIns="0" tIns="0" bIns="0" anchor="ctr"/>
           <a:p>
-            <a:endParaRPr b="0" lang="en-US" sz="1400" spc="-1" strike="noStrike">
-              <a:solidFill>
-                <a:srgbClr val="000000"/>
-              </a:solidFill>
-              <a:latin typeface="Arial"/>
-            </a:endParaRPr>
-          </a:p>
-        </p:txBody>
-      </p:sp>
-      <p:sp>
-        <p:nvSpPr>
-          <p:cNvPr id="47" name="PlaceHolder 2"/>
+            <a:pPr algn="ctr"/>
+            <a:endParaRPr b="0" lang="en-US" sz="4400" spc="-1" strike="noStrike">
+              <a:latin typeface="Arial"/>
+            </a:endParaRPr>
+          </a:p>
+        </p:txBody>
+      </p:sp>
+      <p:sp>
+        <p:nvSpPr>
+          <p:cNvPr id="45" name="PlaceHolder 2"/>
           <p:cNvSpPr>
             <a:spLocks noGrp="1"/>
           </p:cNvSpPr>
@@ -726,7 +682,7 @@
       </p:grpSpPr>
       <p:sp>
         <p:nvSpPr>
-          <p:cNvPr id="48" name="PlaceHolder 1"/>
+          <p:cNvPr id="46" name="PlaceHolder 1"/>
           <p:cNvSpPr>
             <a:spLocks noGrp="1"/>
           </p:cNvSpPr>
@@ -737,7 +693,7 @@
         <p:spPr>
           <a:xfrm>
             <a:off x="3044880" y="1925640"/>
-            <a:ext cx="3054240" cy="2049120"/>
+            <a:ext cx="3053880" cy="2048760"/>
           </a:xfrm>
           <a:prstGeom prst="rect">
             <a:avLst/>
@@ -746,18 +702,16 @@
         <p:txBody>
           <a:bodyPr lIns="0" rIns="0" tIns="0" bIns="0" anchor="ctr"/>
           <a:p>
-            <a:endParaRPr b="0" lang="en-US" sz="1400" spc="-1" strike="noStrike">
-              <a:solidFill>
-                <a:srgbClr val="000000"/>
-              </a:solidFill>
-              <a:latin typeface="Arial"/>
-            </a:endParaRPr>
-          </a:p>
-        </p:txBody>
-      </p:sp>
-      <p:sp>
-        <p:nvSpPr>
-          <p:cNvPr id="49" name="PlaceHolder 2"/>
+            <a:pPr algn="ctr"/>
+            <a:endParaRPr b="0" lang="en-US" sz="4400" spc="-1" strike="noStrike">
+              <a:latin typeface="Arial"/>
+            </a:endParaRPr>
+          </a:p>
+        </p:txBody>
+      </p:sp>
+      <p:sp>
+        <p:nvSpPr>
+          <p:cNvPr id="47" name="PlaceHolder 2"/>
           <p:cNvSpPr>
             <a:spLocks noGrp="1"/>
           </p:cNvSpPr>
@@ -779,10 +733,7 @@
             <a:normAutofit/>
           </a:bodyPr>
           <a:p>
-            <a:endParaRPr b="0" lang="en-US" sz="1400" spc="-1" strike="noStrike">
-              <a:solidFill>
-                <a:srgbClr val="000000"/>
-              </a:solidFill>
+            <a:endParaRPr b="0" lang="en-US" sz="3200" spc="-1" strike="noStrike">
               <a:latin typeface="Arial"/>
             </a:endParaRPr>
           </a:p>
@@ -812,7 +763,7 @@
       </p:grpSpPr>
       <p:sp>
         <p:nvSpPr>
-          <p:cNvPr id="50" name="PlaceHolder 1"/>
+          <p:cNvPr id="48" name="PlaceHolder 1"/>
           <p:cNvSpPr>
             <a:spLocks noGrp="1"/>
           </p:cNvSpPr>
@@ -823,7 +774,7 @@
         <p:spPr>
           <a:xfrm>
             <a:off x="3044880" y="1925640"/>
-            <a:ext cx="3054240" cy="2049120"/>
+            <a:ext cx="3053880" cy="2048760"/>
           </a:xfrm>
           <a:prstGeom prst="rect">
             <a:avLst/>
@@ -832,18 +783,16 @@
         <p:txBody>
           <a:bodyPr lIns="0" rIns="0" tIns="0" bIns="0" anchor="ctr"/>
           <a:p>
-            <a:endParaRPr b="0" lang="en-US" sz="1400" spc="-1" strike="noStrike">
-              <a:solidFill>
-                <a:srgbClr val="000000"/>
-              </a:solidFill>
-              <a:latin typeface="Arial"/>
-            </a:endParaRPr>
-          </a:p>
-        </p:txBody>
-      </p:sp>
-      <p:sp>
-        <p:nvSpPr>
-          <p:cNvPr id="51" name="PlaceHolder 2"/>
+            <a:pPr algn="ctr"/>
+            <a:endParaRPr b="0" lang="en-US" sz="4400" spc="-1" strike="noStrike">
+              <a:latin typeface="Arial"/>
+            </a:endParaRPr>
+          </a:p>
+        </p:txBody>
+      </p:sp>
+      <p:sp>
+        <p:nvSpPr>
+          <p:cNvPr id="49" name="PlaceHolder 2"/>
           <p:cNvSpPr>
             <a:spLocks noGrp="1"/>
           </p:cNvSpPr>
@@ -865,18 +814,15 @@
             <a:normAutofit/>
           </a:bodyPr>
           <a:p>
-            <a:endParaRPr b="0" lang="en-US" sz="1400" spc="-1" strike="noStrike">
-              <a:solidFill>
-                <a:srgbClr val="000000"/>
-              </a:solidFill>
-              <a:latin typeface="Arial"/>
-            </a:endParaRPr>
-          </a:p>
-        </p:txBody>
-      </p:sp>
-      <p:sp>
-        <p:nvSpPr>
-          <p:cNvPr id="52" name="PlaceHolder 3"/>
+            <a:endParaRPr b="0" lang="en-US" sz="3200" spc="-1" strike="noStrike">
+              <a:latin typeface="Arial"/>
+            </a:endParaRPr>
+          </a:p>
+        </p:txBody>
+      </p:sp>
+      <p:sp>
+        <p:nvSpPr>
+          <p:cNvPr id="50" name="PlaceHolder 3"/>
           <p:cNvSpPr>
             <a:spLocks noGrp="1"/>
           </p:cNvSpPr>
@@ -898,10 +844,7 @@
             <a:normAutofit/>
           </a:bodyPr>
           <a:p>
-            <a:endParaRPr b="0" lang="en-US" sz="1400" spc="-1" strike="noStrike">
-              <a:solidFill>
-                <a:srgbClr val="000000"/>
-              </a:solidFill>
+            <a:endParaRPr b="0" lang="en-US" sz="3200" spc="-1" strike="noStrike">
               <a:latin typeface="Arial"/>
             </a:endParaRPr>
           </a:p>
@@ -931,7 +874,7 @@
       </p:grpSpPr>
       <p:sp>
         <p:nvSpPr>
-          <p:cNvPr id="53" name="PlaceHolder 1"/>
+          <p:cNvPr id="51" name="PlaceHolder 1"/>
           <p:cNvSpPr>
             <a:spLocks noGrp="1"/>
           </p:cNvSpPr>
@@ -942,7 +885,7 @@
         <p:spPr>
           <a:xfrm>
             <a:off x="3044880" y="1925640"/>
-            <a:ext cx="3054240" cy="2049120"/>
+            <a:ext cx="3053880" cy="2048760"/>
           </a:xfrm>
           <a:prstGeom prst="rect">
             <a:avLst/>
@@ -951,10 +894,8 @@
         <p:txBody>
           <a:bodyPr lIns="0" rIns="0" tIns="0" bIns="0" anchor="ctr"/>
           <a:p>
-            <a:endParaRPr b="0" lang="en-US" sz="1400" spc="-1" strike="noStrike">
-              <a:solidFill>
-                <a:srgbClr val="000000"/>
-              </a:solidFill>
+            <a:pPr algn="ctr"/>
+            <a:endParaRPr b="0" lang="en-US" sz="4400" spc="-1" strike="noStrike">
               <a:latin typeface="Arial"/>
             </a:endParaRPr>
           </a:p>
@@ -984,7 +925,7 @@
       </p:grpSpPr>
       <p:sp>
         <p:nvSpPr>
-          <p:cNvPr id="54" name="PlaceHolder 1"/>
+          <p:cNvPr id="52" name="PlaceHolder 1"/>
           <p:cNvSpPr>
             <a:spLocks noGrp="1"/>
           </p:cNvSpPr>
@@ -995,7 +936,7 @@
         <p:spPr>
           <a:xfrm>
             <a:off x="3044880" y="1925640"/>
-            <a:ext cx="3054240" cy="9499680"/>
+            <a:ext cx="3053880" cy="9498240"/>
           </a:xfrm>
           <a:prstGeom prst="rect">
             <a:avLst/>
@@ -1035,7 +976,7 @@
       </p:grpSpPr>
       <p:sp>
         <p:nvSpPr>
-          <p:cNvPr id="55" name="PlaceHolder 1"/>
+          <p:cNvPr id="53" name="PlaceHolder 1"/>
           <p:cNvSpPr>
             <a:spLocks noGrp="1"/>
           </p:cNvSpPr>
@@ -1046,7 +987,7 @@
         <p:spPr>
           <a:xfrm>
             <a:off x="3044880" y="1925640"/>
-            <a:ext cx="3054240" cy="2049120"/>
+            <a:ext cx="3053880" cy="2048760"/>
           </a:xfrm>
           <a:prstGeom prst="rect">
             <a:avLst/>
@@ -1055,18 +996,16 @@
         <p:txBody>
           <a:bodyPr lIns="0" rIns="0" tIns="0" bIns="0" anchor="ctr"/>
           <a:p>
-            <a:endParaRPr b="0" lang="en-US" sz="1400" spc="-1" strike="noStrike">
-              <a:solidFill>
-                <a:srgbClr val="000000"/>
-              </a:solidFill>
-              <a:latin typeface="Arial"/>
-            </a:endParaRPr>
-          </a:p>
-        </p:txBody>
-      </p:sp>
-      <p:sp>
-        <p:nvSpPr>
-          <p:cNvPr id="56" name="PlaceHolder 2"/>
+            <a:pPr algn="ctr"/>
+            <a:endParaRPr b="0" lang="en-US" sz="4400" spc="-1" strike="noStrike">
+              <a:latin typeface="Arial"/>
+            </a:endParaRPr>
+          </a:p>
+        </p:txBody>
+      </p:sp>
+      <p:sp>
+        <p:nvSpPr>
+          <p:cNvPr id="54" name="PlaceHolder 2"/>
           <p:cNvSpPr>
             <a:spLocks noGrp="1"/>
           </p:cNvSpPr>
@@ -1088,18 +1027,15 @@
             <a:normAutofit/>
           </a:bodyPr>
           <a:p>
-            <a:endParaRPr b="0" lang="en-US" sz="1400" spc="-1" strike="noStrike">
-              <a:solidFill>
-                <a:srgbClr val="000000"/>
-              </a:solidFill>
-              <a:latin typeface="Arial"/>
-            </a:endParaRPr>
-          </a:p>
-        </p:txBody>
-      </p:sp>
-      <p:sp>
-        <p:nvSpPr>
-          <p:cNvPr id="57" name="PlaceHolder 3"/>
+            <a:endParaRPr b="0" lang="en-US" sz="3200" spc="-1" strike="noStrike">
+              <a:latin typeface="Arial"/>
+            </a:endParaRPr>
+          </a:p>
+        </p:txBody>
+      </p:sp>
+      <p:sp>
+        <p:nvSpPr>
+          <p:cNvPr id="55" name="PlaceHolder 3"/>
           <p:cNvSpPr>
             <a:spLocks noGrp="1"/>
           </p:cNvSpPr>
@@ -1121,18 +1057,15 @@
             <a:normAutofit/>
           </a:bodyPr>
           <a:p>
-            <a:endParaRPr b="0" lang="en-US" sz="1400" spc="-1" strike="noStrike">
-              <a:solidFill>
-                <a:srgbClr val="000000"/>
-              </a:solidFill>
-              <a:latin typeface="Arial"/>
-            </a:endParaRPr>
-          </a:p>
-        </p:txBody>
-      </p:sp>
-      <p:sp>
-        <p:nvSpPr>
-          <p:cNvPr id="58" name="PlaceHolder 4"/>
+            <a:endParaRPr b="0" lang="en-US" sz="3200" spc="-1" strike="noStrike">
+              <a:latin typeface="Arial"/>
+            </a:endParaRPr>
+          </a:p>
+        </p:txBody>
+      </p:sp>
+      <p:sp>
+        <p:nvSpPr>
+          <p:cNvPr id="56" name="PlaceHolder 4"/>
           <p:cNvSpPr>
             <a:spLocks noGrp="1"/>
           </p:cNvSpPr>
@@ -1154,10 +1087,7 @@
             <a:normAutofit/>
           </a:bodyPr>
           <a:p>
-            <a:endParaRPr b="0" lang="en-US" sz="1400" spc="-1" strike="noStrike">
-              <a:solidFill>
-                <a:srgbClr val="000000"/>
-              </a:solidFill>
+            <a:endParaRPr b="0" lang="en-US" sz="3200" spc="-1" strike="noStrike">
               <a:latin typeface="Arial"/>
             </a:endParaRPr>
           </a:p>
@@ -1187,7 +1117,7 @@
       </p:grpSpPr>
       <p:sp>
         <p:nvSpPr>
-          <p:cNvPr id="5" name="PlaceHolder 1"/>
+          <p:cNvPr id="4" name="PlaceHolder 1"/>
           <p:cNvSpPr>
             <a:spLocks noGrp="1"/>
           </p:cNvSpPr>
@@ -1198,7 +1128,7 @@
         <p:spPr>
           <a:xfrm>
             <a:off x="3044880" y="1925640"/>
-            <a:ext cx="3054240" cy="2049120"/>
+            <a:ext cx="3053880" cy="2048760"/>
           </a:xfrm>
           <a:prstGeom prst="rect">
             <a:avLst/>
@@ -1207,18 +1137,16 @@
         <p:txBody>
           <a:bodyPr lIns="0" rIns="0" tIns="0" bIns="0" anchor="ctr"/>
           <a:p>
-            <a:endParaRPr b="0" lang="en-US" sz="1400" spc="-1" strike="noStrike">
-              <a:solidFill>
-                <a:srgbClr val="000000"/>
-              </a:solidFill>
-              <a:latin typeface="Arial"/>
-            </a:endParaRPr>
-          </a:p>
-        </p:txBody>
-      </p:sp>
-      <p:sp>
-        <p:nvSpPr>
-          <p:cNvPr id="6" name="PlaceHolder 2"/>
+            <a:pPr algn="ctr"/>
+            <a:endParaRPr b="0" lang="en-US" sz="4400" spc="-1" strike="noStrike">
+              <a:latin typeface="Arial"/>
+            </a:endParaRPr>
+          </a:p>
+        </p:txBody>
+      </p:sp>
+      <p:sp>
+        <p:nvSpPr>
+          <p:cNvPr id="5" name="PlaceHolder 2"/>
           <p:cNvSpPr>
             <a:spLocks noGrp="1"/>
           </p:cNvSpPr>
@@ -1269,7 +1197,7 @@
       </p:grpSpPr>
       <p:sp>
         <p:nvSpPr>
-          <p:cNvPr id="59" name="PlaceHolder 1"/>
+          <p:cNvPr id="57" name="PlaceHolder 1"/>
           <p:cNvSpPr>
             <a:spLocks noGrp="1"/>
           </p:cNvSpPr>
@@ -1280,7 +1208,7 @@
         <p:spPr>
           <a:xfrm>
             <a:off x="3044880" y="1925640"/>
-            <a:ext cx="3054240" cy="2049120"/>
+            <a:ext cx="3053880" cy="2048760"/>
           </a:xfrm>
           <a:prstGeom prst="rect">
             <a:avLst/>
@@ -1289,18 +1217,16 @@
         <p:txBody>
           <a:bodyPr lIns="0" rIns="0" tIns="0" bIns="0" anchor="ctr"/>
           <a:p>
-            <a:endParaRPr b="0" lang="en-US" sz="1400" spc="-1" strike="noStrike">
-              <a:solidFill>
-                <a:srgbClr val="000000"/>
-              </a:solidFill>
-              <a:latin typeface="Arial"/>
-            </a:endParaRPr>
-          </a:p>
-        </p:txBody>
-      </p:sp>
-      <p:sp>
-        <p:nvSpPr>
-          <p:cNvPr id="60" name="PlaceHolder 2"/>
+            <a:pPr algn="ctr"/>
+            <a:endParaRPr b="0" lang="en-US" sz="4400" spc="-1" strike="noStrike">
+              <a:latin typeface="Arial"/>
+            </a:endParaRPr>
+          </a:p>
+        </p:txBody>
+      </p:sp>
+      <p:sp>
+        <p:nvSpPr>
+          <p:cNvPr id="58" name="PlaceHolder 2"/>
           <p:cNvSpPr>
             <a:spLocks noGrp="1"/>
           </p:cNvSpPr>
@@ -1322,18 +1248,15 @@
             <a:normAutofit/>
           </a:bodyPr>
           <a:p>
-            <a:endParaRPr b="0" lang="en-US" sz="1400" spc="-1" strike="noStrike">
-              <a:solidFill>
-                <a:srgbClr val="000000"/>
-              </a:solidFill>
-              <a:latin typeface="Arial"/>
-            </a:endParaRPr>
-          </a:p>
-        </p:txBody>
-      </p:sp>
-      <p:sp>
-        <p:nvSpPr>
-          <p:cNvPr id="61" name="PlaceHolder 3"/>
+            <a:endParaRPr b="0" lang="en-US" sz="3200" spc="-1" strike="noStrike">
+              <a:latin typeface="Arial"/>
+            </a:endParaRPr>
+          </a:p>
+        </p:txBody>
+      </p:sp>
+      <p:sp>
+        <p:nvSpPr>
+          <p:cNvPr id="59" name="PlaceHolder 3"/>
           <p:cNvSpPr>
             <a:spLocks noGrp="1"/>
           </p:cNvSpPr>
@@ -1355,18 +1278,15 @@
             <a:normAutofit/>
           </a:bodyPr>
           <a:p>
-            <a:endParaRPr b="0" lang="en-US" sz="1400" spc="-1" strike="noStrike">
-              <a:solidFill>
-                <a:srgbClr val="000000"/>
-              </a:solidFill>
-              <a:latin typeface="Arial"/>
-            </a:endParaRPr>
-          </a:p>
-        </p:txBody>
-      </p:sp>
-      <p:sp>
-        <p:nvSpPr>
-          <p:cNvPr id="62" name="PlaceHolder 4"/>
+            <a:endParaRPr b="0" lang="en-US" sz="3200" spc="-1" strike="noStrike">
+              <a:latin typeface="Arial"/>
+            </a:endParaRPr>
+          </a:p>
+        </p:txBody>
+      </p:sp>
+      <p:sp>
+        <p:nvSpPr>
+          <p:cNvPr id="60" name="PlaceHolder 4"/>
           <p:cNvSpPr>
             <a:spLocks noGrp="1"/>
           </p:cNvSpPr>
@@ -1388,10 +1308,7 @@
             <a:normAutofit/>
           </a:bodyPr>
           <a:p>
-            <a:endParaRPr b="0" lang="en-US" sz="1400" spc="-1" strike="noStrike">
-              <a:solidFill>
-                <a:srgbClr val="000000"/>
-              </a:solidFill>
+            <a:endParaRPr b="0" lang="en-US" sz="3200" spc="-1" strike="noStrike">
               <a:latin typeface="Arial"/>
             </a:endParaRPr>
           </a:p>
@@ -1421,7 +1338,7 @@
       </p:grpSpPr>
       <p:sp>
         <p:nvSpPr>
-          <p:cNvPr id="63" name="PlaceHolder 1"/>
+          <p:cNvPr id="61" name="PlaceHolder 1"/>
           <p:cNvSpPr>
             <a:spLocks noGrp="1"/>
           </p:cNvSpPr>
@@ -1432,7 +1349,7 @@
         <p:spPr>
           <a:xfrm>
             <a:off x="3044880" y="1925640"/>
-            <a:ext cx="3054240" cy="2049120"/>
+            <a:ext cx="3053880" cy="2048760"/>
           </a:xfrm>
           <a:prstGeom prst="rect">
             <a:avLst/>
@@ -1441,18 +1358,16 @@
         <p:txBody>
           <a:bodyPr lIns="0" rIns="0" tIns="0" bIns="0" anchor="ctr"/>
           <a:p>
-            <a:endParaRPr b="0" lang="en-US" sz="1400" spc="-1" strike="noStrike">
-              <a:solidFill>
-                <a:srgbClr val="000000"/>
-              </a:solidFill>
-              <a:latin typeface="Arial"/>
-            </a:endParaRPr>
-          </a:p>
-        </p:txBody>
-      </p:sp>
-      <p:sp>
-        <p:nvSpPr>
-          <p:cNvPr id="64" name="PlaceHolder 2"/>
+            <a:pPr algn="ctr"/>
+            <a:endParaRPr b="0" lang="en-US" sz="4400" spc="-1" strike="noStrike">
+              <a:latin typeface="Arial"/>
+            </a:endParaRPr>
+          </a:p>
+        </p:txBody>
+      </p:sp>
+      <p:sp>
+        <p:nvSpPr>
+          <p:cNvPr id="62" name="PlaceHolder 2"/>
           <p:cNvSpPr>
             <a:spLocks noGrp="1"/>
           </p:cNvSpPr>
@@ -1474,18 +1389,15 @@
             <a:normAutofit/>
           </a:bodyPr>
           <a:p>
-            <a:endParaRPr b="0" lang="en-US" sz="1400" spc="-1" strike="noStrike">
-              <a:solidFill>
-                <a:srgbClr val="000000"/>
-              </a:solidFill>
-              <a:latin typeface="Arial"/>
-            </a:endParaRPr>
-          </a:p>
-        </p:txBody>
-      </p:sp>
-      <p:sp>
-        <p:nvSpPr>
-          <p:cNvPr id="65" name="PlaceHolder 3"/>
+            <a:endParaRPr b="0" lang="en-US" sz="3200" spc="-1" strike="noStrike">
+              <a:latin typeface="Arial"/>
+            </a:endParaRPr>
+          </a:p>
+        </p:txBody>
+      </p:sp>
+      <p:sp>
+        <p:nvSpPr>
+          <p:cNvPr id="63" name="PlaceHolder 3"/>
           <p:cNvSpPr>
             <a:spLocks noGrp="1"/>
           </p:cNvSpPr>
@@ -1507,18 +1419,15 @@
             <a:normAutofit/>
           </a:bodyPr>
           <a:p>
-            <a:endParaRPr b="0" lang="en-US" sz="1400" spc="-1" strike="noStrike">
-              <a:solidFill>
-                <a:srgbClr val="000000"/>
-              </a:solidFill>
-              <a:latin typeface="Arial"/>
-            </a:endParaRPr>
-          </a:p>
-        </p:txBody>
-      </p:sp>
-      <p:sp>
-        <p:nvSpPr>
-          <p:cNvPr id="66" name="PlaceHolder 4"/>
+            <a:endParaRPr b="0" lang="en-US" sz="3200" spc="-1" strike="noStrike">
+              <a:latin typeface="Arial"/>
+            </a:endParaRPr>
+          </a:p>
+        </p:txBody>
+      </p:sp>
+      <p:sp>
+        <p:nvSpPr>
+          <p:cNvPr id="64" name="PlaceHolder 4"/>
           <p:cNvSpPr>
             <a:spLocks noGrp="1"/>
           </p:cNvSpPr>
@@ -1540,10 +1449,7 @@
             <a:normAutofit/>
           </a:bodyPr>
           <a:p>
-            <a:endParaRPr b="0" lang="en-US" sz="1400" spc="-1" strike="noStrike">
-              <a:solidFill>
-                <a:srgbClr val="000000"/>
-              </a:solidFill>
+            <a:endParaRPr b="0" lang="en-US" sz="3200" spc="-1" strike="noStrike">
               <a:latin typeface="Arial"/>
             </a:endParaRPr>
           </a:p>
@@ -1573,7 +1479,7 @@
       </p:grpSpPr>
       <p:sp>
         <p:nvSpPr>
-          <p:cNvPr id="67" name="PlaceHolder 1"/>
+          <p:cNvPr id="65" name="PlaceHolder 1"/>
           <p:cNvSpPr>
             <a:spLocks noGrp="1"/>
           </p:cNvSpPr>
@@ -1584,7 +1490,7 @@
         <p:spPr>
           <a:xfrm>
             <a:off x="3044880" y="1925640"/>
-            <a:ext cx="3054240" cy="2049120"/>
+            <a:ext cx="3053880" cy="2048760"/>
           </a:xfrm>
           <a:prstGeom prst="rect">
             <a:avLst/>
@@ -1593,18 +1499,16 @@
         <p:txBody>
           <a:bodyPr lIns="0" rIns="0" tIns="0" bIns="0" anchor="ctr"/>
           <a:p>
-            <a:endParaRPr b="0" lang="en-US" sz="1400" spc="-1" strike="noStrike">
-              <a:solidFill>
-                <a:srgbClr val="000000"/>
-              </a:solidFill>
-              <a:latin typeface="Arial"/>
-            </a:endParaRPr>
-          </a:p>
-        </p:txBody>
-      </p:sp>
-      <p:sp>
-        <p:nvSpPr>
-          <p:cNvPr id="68" name="PlaceHolder 2"/>
+            <a:pPr algn="ctr"/>
+            <a:endParaRPr b="0" lang="en-US" sz="4400" spc="-1" strike="noStrike">
+              <a:latin typeface="Arial"/>
+            </a:endParaRPr>
+          </a:p>
+        </p:txBody>
+      </p:sp>
+      <p:sp>
+        <p:nvSpPr>
+          <p:cNvPr id="66" name="PlaceHolder 2"/>
           <p:cNvSpPr>
             <a:spLocks noGrp="1"/>
           </p:cNvSpPr>
@@ -1626,18 +1530,15 @@
             <a:normAutofit/>
           </a:bodyPr>
           <a:p>
-            <a:endParaRPr b="0" lang="en-US" sz="1400" spc="-1" strike="noStrike">
-              <a:solidFill>
-                <a:srgbClr val="000000"/>
-              </a:solidFill>
-              <a:latin typeface="Arial"/>
-            </a:endParaRPr>
-          </a:p>
-        </p:txBody>
-      </p:sp>
-      <p:sp>
-        <p:nvSpPr>
-          <p:cNvPr id="69" name="PlaceHolder 3"/>
+            <a:endParaRPr b="0" lang="en-US" sz="3200" spc="-1" strike="noStrike">
+              <a:latin typeface="Arial"/>
+            </a:endParaRPr>
+          </a:p>
+        </p:txBody>
+      </p:sp>
+      <p:sp>
+        <p:nvSpPr>
+          <p:cNvPr id="67" name="PlaceHolder 3"/>
           <p:cNvSpPr>
             <a:spLocks noGrp="1"/>
           </p:cNvSpPr>
@@ -1659,10 +1560,7 @@
             <a:normAutofit/>
           </a:bodyPr>
           <a:p>
-            <a:endParaRPr b="0" lang="en-US" sz="1400" spc="-1" strike="noStrike">
-              <a:solidFill>
-                <a:srgbClr val="000000"/>
-              </a:solidFill>
+            <a:endParaRPr b="0" lang="en-US" sz="3200" spc="-1" strike="noStrike">
               <a:latin typeface="Arial"/>
             </a:endParaRPr>
           </a:p>
@@ -1692,7 +1590,7 @@
       </p:grpSpPr>
       <p:sp>
         <p:nvSpPr>
-          <p:cNvPr id="70" name="PlaceHolder 1"/>
+          <p:cNvPr id="68" name="PlaceHolder 1"/>
           <p:cNvSpPr>
             <a:spLocks noGrp="1"/>
           </p:cNvSpPr>
@@ -1703,7 +1601,7 @@
         <p:spPr>
           <a:xfrm>
             <a:off x="3044880" y="1925640"/>
-            <a:ext cx="3054240" cy="2049120"/>
+            <a:ext cx="3053880" cy="2048760"/>
           </a:xfrm>
           <a:prstGeom prst="rect">
             <a:avLst/>
@@ -1712,18 +1610,16 @@
         <p:txBody>
           <a:bodyPr lIns="0" rIns="0" tIns="0" bIns="0" anchor="ctr"/>
           <a:p>
-            <a:endParaRPr b="0" lang="en-US" sz="1400" spc="-1" strike="noStrike">
-              <a:solidFill>
-                <a:srgbClr val="000000"/>
-              </a:solidFill>
-              <a:latin typeface="Arial"/>
-            </a:endParaRPr>
-          </a:p>
-        </p:txBody>
-      </p:sp>
-      <p:sp>
-        <p:nvSpPr>
-          <p:cNvPr id="71" name="PlaceHolder 2"/>
+            <a:pPr algn="ctr"/>
+            <a:endParaRPr b="0" lang="en-US" sz="4400" spc="-1" strike="noStrike">
+              <a:latin typeface="Arial"/>
+            </a:endParaRPr>
+          </a:p>
+        </p:txBody>
+      </p:sp>
+      <p:sp>
+        <p:nvSpPr>
+          <p:cNvPr id="69" name="PlaceHolder 2"/>
           <p:cNvSpPr>
             <a:spLocks noGrp="1"/>
           </p:cNvSpPr>
@@ -1745,18 +1641,15 @@
             <a:normAutofit/>
           </a:bodyPr>
           <a:p>
-            <a:endParaRPr b="0" lang="en-US" sz="1400" spc="-1" strike="noStrike">
-              <a:solidFill>
-                <a:srgbClr val="000000"/>
-              </a:solidFill>
-              <a:latin typeface="Arial"/>
-            </a:endParaRPr>
-          </a:p>
-        </p:txBody>
-      </p:sp>
-      <p:sp>
-        <p:nvSpPr>
-          <p:cNvPr id="72" name="PlaceHolder 3"/>
+            <a:endParaRPr b="0" lang="en-US" sz="3200" spc="-1" strike="noStrike">
+              <a:latin typeface="Arial"/>
+            </a:endParaRPr>
+          </a:p>
+        </p:txBody>
+      </p:sp>
+      <p:sp>
+        <p:nvSpPr>
+          <p:cNvPr id="70" name="PlaceHolder 3"/>
           <p:cNvSpPr>
             <a:spLocks noGrp="1"/>
           </p:cNvSpPr>
@@ -1778,18 +1671,15 @@
             <a:normAutofit/>
           </a:bodyPr>
           <a:p>
-            <a:endParaRPr b="0" lang="en-US" sz="1400" spc="-1" strike="noStrike">
-              <a:solidFill>
-                <a:srgbClr val="000000"/>
-              </a:solidFill>
-              <a:latin typeface="Arial"/>
-            </a:endParaRPr>
-          </a:p>
-        </p:txBody>
-      </p:sp>
-      <p:sp>
-        <p:nvSpPr>
-          <p:cNvPr id="73" name="PlaceHolder 4"/>
+            <a:endParaRPr b="0" lang="en-US" sz="3200" spc="-1" strike="noStrike">
+              <a:latin typeface="Arial"/>
+            </a:endParaRPr>
+          </a:p>
+        </p:txBody>
+      </p:sp>
+      <p:sp>
+        <p:nvSpPr>
+          <p:cNvPr id="71" name="PlaceHolder 4"/>
           <p:cNvSpPr>
             <a:spLocks noGrp="1"/>
           </p:cNvSpPr>
@@ -1811,18 +1701,15 @@
             <a:normAutofit/>
           </a:bodyPr>
           <a:p>
-            <a:endParaRPr b="0" lang="en-US" sz="1400" spc="-1" strike="noStrike">
-              <a:solidFill>
-                <a:srgbClr val="000000"/>
-              </a:solidFill>
-              <a:latin typeface="Arial"/>
-            </a:endParaRPr>
-          </a:p>
-        </p:txBody>
-      </p:sp>
-      <p:sp>
-        <p:nvSpPr>
-          <p:cNvPr id="74" name="PlaceHolder 5"/>
+            <a:endParaRPr b="0" lang="en-US" sz="3200" spc="-1" strike="noStrike">
+              <a:latin typeface="Arial"/>
+            </a:endParaRPr>
+          </a:p>
+        </p:txBody>
+      </p:sp>
+      <p:sp>
+        <p:nvSpPr>
+          <p:cNvPr id="72" name="PlaceHolder 5"/>
           <p:cNvSpPr>
             <a:spLocks noGrp="1"/>
           </p:cNvSpPr>
@@ -1844,10 +1731,7 @@
             <a:normAutofit/>
           </a:bodyPr>
           <a:p>
-            <a:endParaRPr b="0" lang="en-US" sz="1400" spc="-1" strike="noStrike">
-              <a:solidFill>
-                <a:srgbClr val="000000"/>
-              </a:solidFill>
+            <a:endParaRPr b="0" lang="en-US" sz="3200" spc="-1" strike="noStrike">
               <a:latin typeface="Arial"/>
             </a:endParaRPr>
           </a:p>
@@ -1877,7 +1761,7 @@
       </p:grpSpPr>
       <p:sp>
         <p:nvSpPr>
-          <p:cNvPr id="75" name="PlaceHolder 1"/>
+          <p:cNvPr id="73" name="PlaceHolder 1"/>
           <p:cNvSpPr>
             <a:spLocks noGrp="1"/>
           </p:cNvSpPr>
@@ -1888,7 +1772,7 @@
         <p:spPr>
           <a:xfrm>
             <a:off x="3044880" y="1925640"/>
-            <a:ext cx="3054240" cy="2049120"/>
+            <a:ext cx="3053880" cy="2048760"/>
           </a:xfrm>
           <a:prstGeom prst="rect">
             <a:avLst/>
@@ -1897,18 +1781,16 @@
         <p:txBody>
           <a:bodyPr lIns="0" rIns="0" tIns="0" bIns="0" anchor="ctr"/>
           <a:p>
-            <a:endParaRPr b="0" lang="en-US" sz="1400" spc="-1" strike="noStrike">
-              <a:solidFill>
-                <a:srgbClr val="000000"/>
-              </a:solidFill>
-              <a:latin typeface="Arial"/>
-            </a:endParaRPr>
-          </a:p>
-        </p:txBody>
-      </p:sp>
-      <p:sp>
-        <p:nvSpPr>
-          <p:cNvPr id="76" name="PlaceHolder 2"/>
+            <a:pPr algn="ctr"/>
+            <a:endParaRPr b="0" lang="en-US" sz="4400" spc="-1" strike="noStrike">
+              <a:latin typeface="Arial"/>
+            </a:endParaRPr>
+          </a:p>
+        </p:txBody>
+      </p:sp>
+      <p:sp>
+        <p:nvSpPr>
+          <p:cNvPr id="74" name="PlaceHolder 2"/>
           <p:cNvSpPr>
             <a:spLocks noGrp="1"/>
           </p:cNvSpPr>
@@ -1930,18 +1812,15 @@
             <a:normAutofit/>
           </a:bodyPr>
           <a:p>
-            <a:endParaRPr b="0" lang="en-US" sz="1400" spc="-1" strike="noStrike">
-              <a:solidFill>
-                <a:srgbClr val="000000"/>
-              </a:solidFill>
-              <a:latin typeface="Arial"/>
-            </a:endParaRPr>
-          </a:p>
-        </p:txBody>
-      </p:sp>
-      <p:sp>
-        <p:nvSpPr>
-          <p:cNvPr id="77" name="PlaceHolder 3"/>
+            <a:endParaRPr b="0" lang="en-US" sz="3200" spc="-1" strike="noStrike">
+              <a:latin typeface="Arial"/>
+            </a:endParaRPr>
+          </a:p>
+        </p:txBody>
+      </p:sp>
+      <p:sp>
+        <p:nvSpPr>
+          <p:cNvPr id="75" name="PlaceHolder 3"/>
           <p:cNvSpPr>
             <a:spLocks noGrp="1"/>
           </p:cNvSpPr>
@@ -1963,18 +1842,15 @@
             <a:normAutofit/>
           </a:bodyPr>
           <a:p>
-            <a:endParaRPr b="0" lang="en-US" sz="1400" spc="-1" strike="noStrike">
-              <a:solidFill>
-                <a:srgbClr val="000000"/>
-              </a:solidFill>
-              <a:latin typeface="Arial"/>
-            </a:endParaRPr>
-          </a:p>
-        </p:txBody>
-      </p:sp>
-      <p:sp>
-        <p:nvSpPr>
-          <p:cNvPr id="78" name="PlaceHolder 4"/>
+            <a:endParaRPr b="0" lang="en-US" sz="3200" spc="-1" strike="noStrike">
+              <a:latin typeface="Arial"/>
+            </a:endParaRPr>
+          </a:p>
+        </p:txBody>
+      </p:sp>
+      <p:sp>
+        <p:nvSpPr>
+          <p:cNvPr id="76" name="PlaceHolder 4"/>
           <p:cNvSpPr>
             <a:spLocks noGrp="1"/>
           </p:cNvSpPr>
@@ -1996,18 +1872,15 @@
             <a:normAutofit/>
           </a:bodyPr>
           <a:p>
-            <a:endParaRPr b="0" lang="en-US" sz="1400" spc="-1" strike="noStrike">
-              <a:solidFill>
-                <a:srgbClr val="000000"/>
-              </a:solidFill>
-              <a:latin typeface="Arial"/>
-            </a:endParaRPr>
-          </a:p>
-        </p:txBody>
-      </p:sp>
-      <p:sp>
-        <p:nvSpPr>
-          <p:cNvPr id="79" name="PlaceHolder 5"/>
+            <a:endParaRPr b="0" lang="en-US" sz="3200" spc="-1" strike="noStrike">
+              <a:latin typeface="Arial"/>
+            </a:endParaRPr>
+          </a:p>
+        </p:txBody>
+      </p:sp>
+      <p:sp>
+        <p:nvSpPr>
+          <p:cNvPr id="77" name="PlaceHolder 5"/>
           <p:cNvSpPr>
             <a:spLocks noGrp="1"/>
           </p:cNvSpPr>
@@ -2029,18 +1902,15 @@
             <a:normAutofit/>
           </a:bodyPr>
           <a:p>
-            <a:endParaRPr b="0" lang="en-US" sz="1400" spc="-1" strike="noStrike">
-              <a:solidFill>
-                <a:srgbClr val="000000"/>
-              </a:solidFill>
-              <a:latin typeface="Arial"/>
-            </a:endParaRPr>
-          </a:p>
-        </p:txBody>
-      </p:sp>
-      <p:sp>
-        <p:nvSpPr>
-          <p:cNvPr id="80" name="PlaceHolder 6"/>
+            <a:endParaRPr b="0" lang="en-US" sz="3200" spc="-1" strike="noStrike">
+              <a:latin typeface="Arial"/>
+            </a:endParaRPr>
+          </a:p>
+        </p:txBody>
+      </p:sp>
+      <p:sp>
+        <p:nvSpPr>
+          <p:cNvPr id="78" name="PlaceHolder 6"/>
           <p:cNvSpPr>
             <a:spLocks noGrp="1"/>
           </p:cNvSpPr>
@@ -2062,18 +1932,15 @@
             <a:normAutofit/>
           </a:bodyPr>
           <a:p>
-            <a:endParaRPr b="0" lang="en-US" sz="1400" spc="-1" strike="noStrike">
-              <a:solidFill>
-                <a:srgbClr val="000000"/>
-              </a:solidFill>
-              <a:latin typeface="Arial"/>
-            </a:endParaRPr>
-          </a:p>
-        </p:txBody>
-      </p:sp>
-      <p:sp>
-        <p:nvSpPr>
-          <p:cNvPr id="81" name="PlaceHolder 7"/>
+            <a:endParaRPr b="0" lang="en-US" sz="3200" spc="-1" strike="noStrike">
+              <a:latin typeface="Arial"/>
+            </a:endParaRPr>
+          </a:p>
+        </p:txBody>
+      </p:sp>
+      <p:sp>
+        <p:nvSpPr>
+          <p:cNvPr id="79" name="PlaceHolder 7"/>
           <p:cNvSpPr>
             <a:spLocks noGrp="1"/>
           </p:cNvSpPr>
@@ -2095,10 +1962,7 @@
             <a:normAutofit/>
           </a:bodyPr>
           <a:p>
-            <a:endParaRPr b="0" lang="en-US" sz="1400" spc="-1" strike="noStrike">
-              <a:solidFill>
-                <a:srgbClr val="000000"/>
-              </a:solidFill>
+            <a:endParaRPr b="0" lang="en-US" sz="3200" spc="-1" strike="noStrike">
               <a:latin typeface="Arial"/>
             </a:endParaRPr>
           </a:p>
@@ -2150,7 +2014,7 @@
       </p:grpSpPr>
       <p:sp>
         <p:nvSpPr>
-          <p:cNvPr id="86" name="PlaceHolder 1"/>
+          <p:cNvPr id="83" name="PlaceHolder 1"/>
           <p:cNvSpPr>
             <a:spLocks noGrp="1"/>
           </p:cNvSpPr>
@@ -2161,7 +2025,7 @@
         <p:spPr>
           <a:xfrm>
             <a:off x="3044880" y="1925640"/>
-            <a:ext cx="3054240" cy="2049120"/>
+            <a:ext cx="3053880" cy="2048760"/>
           </a:xfrm>
           <a:prstGeom prst="rect">
             <a:avLst/>
@@ -2170,18 +2034,16 @@
         <p:txBody>
           <a:bodyPr lIns="0" rIns="0" tIns="0" bIns="0" anchor="ctr"/>
           <a:p>
-            <a:endParaRPr b="0" lang="en-US" sz="1400" spc="-1" strike="noStrike">
-              <a:solidFill>
-                <a:srgbClr val="000000"/>
-              </a:solidFill>
-              <a:latin typeface="Arial"/>
-            </a:endParaRPr>
-          </a:p>
-        </p:txBody>
-      </p:sp>
-      <p:sp>
-        <p:nvSpPr>
-          <p:cNvPr id="87" name="PlaceHolder 2"/>
+            <a:pPr algn="ctr"/>
+            <a:endParaRPr b="0" lang="en-US" sz="4400" spc="-1" strike="noStrike">
+              <a:latin typeface="Arial"/>
+            </a:endParaRPr>
+          </a:p>
+        </p:txBody>
+      </p:sp>
+      <p:sp>
+        <p:nvSpPr>
+          <p:cNvPr id="84" name="PlaceHolder 2"/>
           <p:cNvSpPr>
             <a:spLocks noGrp="1"/>
           </p:cNvSpPr>
@@ -2232,7 +2094,7 @@
       </p:grpSpPr>
       <p:sp>
         <p:nvSpPr>
-          <p:cNvPr id="88" name="PlaceHolder 1"/>
+          <p:cNvPr id="85" name="PlaceHolder 1"/>
           <p:cNvSpPr>
             <a:spLocks noGrp="1"/>
           </p:cNvSpPr>
@@ -2243,7 +2105,7 @@
         <p:spPr>
           <a:xfrm>
             <a:off x="3044880" y="1925640"/>
-            <a:ext cx="3054240" cy="2049120"/>
+            <a:ext cx="3053880" cy="2048760"/>
           </a:xfrm>
           <a:prstGeom prst="rect">
             <a:avLst/>
@@ -2252,18 +2114,16 @@
         <p:txBody>
           <a:bodyPr lIns="0" rIns="0" tIns="0" bIns="0" anchor="ctr"/>
           <a:p>
-            <a:endParaRPr b="0" lang="en-US" sz="1400" spc="-1" strike="noStrike">
-              <a:solidFill>
-                <a:srgbClr val="000000"/>
-              </a:solidFill>
-              <a:latin typeface="Arial"/>
-            </a:endParaRPr>
-          </a:p>
-        </p:txBody>
-      </p:sp>
-      <p:sp>
-        <p:nvSpPr>
-          <p:cNvPr id="89" name="PlaceHolder 2"/>
+            <a:pPr algn="ctr"/>
+            <a:endParaRPr b="0" lang="en-US" sz="4400" spc="-1" strike="noStrike">
+              <a:latin typeface="Arial"/>
+            </a:endParaRPr>
+          </a:p>
+        </p:txBody>
+      </p:sp>
+      <p:sp>
+        <p:nvSpPr>
+          <p:cNvPr id="86" name="PlaceHolder 2"/>
           <p:cNvSpPr>
             <a:spLocks noGrp="1"/>
           </p:cNvSpPr>
@@ -2285,10 +2145,7 @@
             <a:normAutofit/>
           </a:bodyPr>
           <a:p>
-            <a:endParaRPr b="0" lang="en-US" sz="1400" spc="-1" strike="noStrike">
-              <a:solidFill>
-                <a:srgbClr val="000000"/>
-              </a:solidFill>
+            <a:endParaRPr b="0" lang="en-US" sz="3200" spc="-1" strike="noStrike">
               <a:latin typeface="Arial"/>
             </a:endParaRPr>
           </a:p>
@@ -2318,7 +2175,7 @@
       </p:grpSpPr>
       <p:sp>
         <p:nvSpPr>
-          <p:cNvPr id="90" name="PlaceHolder 1"/>
+          <p:cNvPr id="87" name="PlaceHolder 1"/>
           <p:cNvSpPr>
             <a:spLocks noGrp="1"/>
           </p:cNvSpPr>
@@ -2329,7 +2186,7 @@
         <p:spPr>
           <a:xfrm>
             <a:off x="3044880" y="1925640"/>
-            <a:ext cx="3054240" cy="2049120"/>
+            <a:ext cx="3053880" cy="2048760"/>
           </a:xfrm>
           <a:prstGeom prst="rect">
             <a:avLst/>
@@ -2338,18 +2195,16 @@
         <p:txBody>
           <a:bodyPr lIns="0" rIns="0" tIns="0" bIns="0" anchor="ctr"/>
           <a:p>
-            <a:endParaRPr b="0" lang="en-US" sz="1400" spc="-1" strike="noStrike">
-              <a:solidFill>
-                <a:srgbClr val="000000"/>
-              </a:solidFill>
-              <a:latin typeface="Arial"/>
-            </a:endParaRPr>
-          </a:p>
-        </p:txBody>
-      </p:sp>
-      <p:sp>
-        <p:nvSpPr>
-          <p:cNvPr id="91" name="PlaceHolder 2"/>
+            <a:pPr algn="ctr"/>
+            <a:endParaRPr b="0" lang="en-US" sz="4400" spc="-1" strike="noStrike">
+              <a:latin typeface="Arial"/>
+            </a:endParaRPr>
+          </a:p>
+        </p:txBody>
+      </p:sp>
+      <p:sp>
+        <p:nvSpPr>
+          <p:cNvPr id="88" name="PlaceHolder 2"/>
           <p:cNvSpPr>
             <a:spLocks noGrp="1"/>
           </p:cNvSpPr>
@@ -2371,18 +2226,15 @@
             <a:normAutofit/>
           </a:bodyPr>
           <a:p>
-            <a:endParaRPr b="0" lang="en-US" sz="1400" spc="-1" strike="noStrike">
-              <a:solidFill>
-                <a:srgbClr val="000000"/>
-              </a:solidFill>
-              <a:latin typeface="Arial"/>
-            </a:endParaRPr>
-          </a:p>
-        </p:txBody>
-      </p:sp>
-      <p:sp>
-        <p:nvSpPr>
-          <p:cNvPr id="92" name="PlaceHolder 3"/>
+            <a:endParaRPr b="0" lang="en-US" sz="3200" spc="-1" strike="noStrike">
+              <a:latin typeface="Arial"/>
+            </a:endParaRPr>
+          </a:p>
+        </p:txBody>
+      </p:sp>
+      <p:sp>
+        <p:nvSpPr>
+          <p:cNvPr id="89" name="PlaceHolder 3"/>
           <p:cNvSpPr>
             <a:spLocks noGrp="1"/>
           </p:cNvSpPr>
@@ -2404,10 +2256,7 @@
             <a:normAutofit/>
           </a:bodyPr>
           <a:p>
-            <a:endParaRPr b="0" lang="en-US" sz="1400" spc="-1" strike="noStrike">
-              <a:solidFill>
-                <a:srgbClr val="000000"/>
-              </a:solidFill>
+            <a:endParaRPr b="0" lang="en-US" sz="3200" spc="-1" strike="noStrike">
               <a:latin typeface="Arial"/>
             </a:endParaRPr>
           </a:p>
@@ -2437,7 +2286,7 @@
       </p:grpSpPr>
       <p:sp>
         <p:nvSpPr>
-          <p:cNvPr id="93" name="PlaceHolder 1"/>
+          <p:cNvPr id="90" name="PlaceHolder 1"/>
           <p:cNvSpPr>
             <a:spLocks noGrp="1"/>
           </p:cNvSpPr>
@@ -2448,7 +2297,7 @@
         <p:spPr>
           <a:xfrm>
             <a:off x="3044880" y="1925640"/>
-            <a:ext cx="3054240" cy="2049120"/>
+            <a:ext cx="3053880" cy="2048760"/>
           </a:xfrm>
           <a:prstGeom prst="rect">
             <a:avLst/>
@@ -2457,10 +2306,8 @@
         <p:txBody>
           <a:bodyPr lIns="0" rIns="0" tIns="0" bIns="0" anchor="ctr"/>
           <a:p>
-            <a:endParaRPr b="0" lang="en-US" sz="1400" spc="-1" strike="noStrike">
-              <a:solidFill>
-                <a:srgbClr val="000000"/>
-              </a:solidFill>
+            <a:pPr algn="ctr"/>
+            <a:endParaRPr b="0" lang="en-US" sz="4400" spc="-1" strike="noStrike">
               <a:latin typeface="Arial"/>
             </a:endParaRPr>
           </a:p>
@@ -2490,7 +2337,7 @@
       </p:grpSpPr>
       <p:sp>
         <p:nvSpPr>
-          <p:cNvPr id="7" name="PlaceHolder 1"/>
+          <p:cNvPr id="6" name="PlaceHolder 1"/>
           <p:cNvSpPr>
             <a:spLocks noGrp="1"/>
           </p:cNvSpPr>
@@ -2501,7 +2348,7 @@
         <p:spPr>
           <a:xfrm>
             <a:off x="3044880" y="1925640"/>
-            <a:ext cx="3054240" cy="2049120"/>
+            <a:ext cx="3053880" cy="2048760"/>
           </a:xfrm>
           <a:prstGeom prst="rect">
             <a:avLst/>
@@ -2510,18 +2357,16 @@
         <p:txBody>
           <a:bodyPr lIns="0" rIns="0" tIns="0" bIns="0" anchor="ctr"/>
           <a:p>
-            <a:endParaRPr b="0" lang="en-US" sz="1400" spc="-1" strike="noStrike">
-              <a:solidFill>
-                <a:srgbClr val="000000"/>
-              </a:solidFill>
-              <a:latin typeface="Arial"/>
-            </a:endParaRPr>
-          </a:p>
-        </p:txBody>
-      </p:sp>
-      <p:sp>
-        <p:nvSpPr>
-          <p:cNvPr id="8" name="PlaceHolder 2"/>
+            <a:pPr algn="ctr"/>
+            <a:endParaRPr b="0" lang="en-US" sz="4400" spc="-1" strike="noStrike">
+              <a:latin typeface="Arial"/>
+            </a:endParaRPr>
+          </a:p>
+        </p:txBody>
+      </p:sp>
+      <p:sp>
+        <p:nvSpPr>
+          <p:cNvPr id="7" name="PlaceHolder 2"/>
           <p:cNvSpPr>
             <a:spLocks noGrp="1"/>
           </p:cNvSpPr>
@@ -2543,10 +2388,7 @@
             <a:normAutofit/>
           </a:bodyPr>
           <a:p>
-            <a:endParaRPr b="0" lang="en-US" sz="1400" spc="-1" strike="noStrike">
-              <a:solidFill>
-                <a:srgbClr val="000000"/>
-              </a:solidFill>
+            <a:endParaRPr b="0" lang="en-US" sz="3200" spc="-1" strike="noStrike">
               <a:latin typeface="Arial"/>
             </a:endParaRPr>
           </a:p>
@@ -2576,7 +2418,7 @@
       </p:grpSpPr>
       <p:sp>
         <p:nvSpPr>
-          <p:cNvPr id="94" name="PlaceHolder 1"/>
+          <p:cNvPr id="91" name="PlaceHolder 1"/>
           <p:cNvSpPr>
             <a:spLocks noGrp="1"/>
           </p:cNvSpPr>
@@ -2587,7 +2429,7 @@
         <p:spPr>
           <a:xfrm>
             <a:off x="3044880" y="1925640"/>
-            <a:ext cx="3054240" cy="9499680"/>
+            <a:ext cx="3053880" cy="9498240"/>
           </a:xfrm>
           <a:prstGeom prst="rect">
             <a:avLst/>
@@ -2627,7 +2469,7 @@
       </p:grpSpPr>
       <p:sp>
         <p:nvSpPr>
-          <p:cNvPr id="95" name="PlaceHolder 1"/>
+          <p:cNvPr id="92" name="PlaceHolder 1"/>
           <p:cNvSpPr>
             <a:spLocks noGrp="1"/>
           </p:cNvSpPr>
@@ -2638,7 +2480,7 @@
         <p:spPr>
           <a:xfrm>
             <a:off x="3044880" y="1925640"/>
-            <a:ext cx="3054240" cy="2049120"/>
+            <a:ext cx="3053880" cy="2048760"/>
           </a:xfrm>
           <a:prstGeom prst="rect">
             <a:avLst/>
@@ -2647,18 +2489,16 @@
         <p:txBody>
           <a:bodyPr lIns="0" rIns="0" tIns="0" bIns="0" anchor="ctr"/>
           <a:p>
-            <a:endParaRPr b="0" lang="en-US" sz="1400" spc="-1" strike="noStrike">
-              <a:solidFill>
-                <a:srgbClr val="000000"/>
-              </a:solidFill>
-              <a:latin typeface="Arial"/>
-            </a:endParaRPr>
-          </a:p>
-        </p:txBody>
-      </p:sp>
-      <p:sp>
-        <p:nvSpPr>
-          <p:cNvPr id="96" name="PlaceHolder 2"/>
+            <a:pPr algn="ctr"/>
+            <a:endParaRPr b="0" lang="en-US" sz="4400" spc="-1" strike="noStrike">
+              <a:latin typeface="Arial"/>
+            </a:endParaRPr>
+          </a:p>
+        </p:txBody>
+      </p:sp>
+      <p:sp>
+        <p:nvSpPr>
+          <p:cNvPr id="93" name="PlaceHolder 2"/>
           <p:cNvSpPr>
             <a:spLocks noGrp="1"/>
           </p:cNvSpPr>
@@ -2680,18 +2520,15 @@
             <a:normAutofit/>
           </a:bodyPr>
           <a:p>
-            <a:endParaRPr b="0" lang="en-US" sz="1400" spc="-1" strike="noStrike">
-              <a:solidFill>
-                <a:srgbClr val="000000"/>
-              </a:solidFill>
-              <a:latin typeface="Arial"/>
-            </a:endParaRPr>
-          </a:p>
-        </p:txBody>
-      </p:sp>
-      <p:sp>
-        <p:nvSpPr>
-          <p:cNvPr id="97" name="PlaceHolder 3"/>
+            <a:endParaRPr b="0" lang="en-US" sz="3200" spc="-1" strike="noStrike">
+              <a:latin typeface="Arial"/>
+            </a:endParaRPr>
+          </a:p>
+        </p:txBody>
+      </p:sp>
+      <p:sp>
+        <p:nvSpPr>
+          <p:cNvPr id="94" name="PlaceHolder 3"/>
           <p:cNvSpPr>
             <a:spLocks noGrp="1"/>
           </p:cNvSpPr>
@@ -2713,18 +2550,15 @@
             <a:normAutofit/>
           </a:bodyPr>
           <a:p>
-            <a:endParaRPr b="0" lang="en-US" sz="1400" spc="-1" strike="noStrike">
-              <a:solidFill>
-                <a:srgbClr val="000000"/>
-              </a:solidFill>
-              <a:latin typeface="Arial"/>
-            </a:endParaRPr>
-          </a:p>
-        </p:txBody>
-      </p:sp>
-      <p:sp>
-        <p:nvSpPr>
-          <p:cNvPr id="98" name="PlaceHolder 4"/>
+            <a:endParaRPr b="0" lang="en-US" sz="3200" spc="-1" strike="noStrike">
+              <a:latin typeface="Arial"/>
+            </a:endParaRPr>
+          </a:p>
+        </p:txBody>
+      </p:sp>
+      <p:sp>
+        <p:nvSpPr>
+          <p:cNvPr id="95" name="PlaceHolder 4"/>
           <p:cNvSpPr>
             <a:spLocks noGrp="1"/>
           </p:cNvSpPr>
@@ -2746,10 +2580,7 @@
             <a:normAutofit/>
           </a:bodyPr>
           <a:p>
-            <a:endParaRPr b="0" lang="en-US" sz="1400" spc="-1" strike="noStrike">
-              <a:solidFill>
-                <a:srgbClr val="000000"/>
-              </a:solidFill>
+            <a:endParaRPr b="0" lang="en-US" sz="3200" spc="-1" strike="noStrike">
               <a:latin typeface="Arial"/>
             </a:endParaRPr>
           </a:p>
@@ -2779,7 +2610,7 @@
       </p:grpSpPr>
       <p:sp>
         <p:nvSpPr>
-          <p:cNvPr id="99" name="PlaceHolder 1"/>
+          <p:cNvPr id="96" name="PlaceHolder 1"/>
           <p:cNvSpPr>
             <a:spLocks noGrp="1"/>
           </p:cNvSpPr>
@@ -2790,7 +2621,7 @@
         <p:spPr>
           <a:xfrm>
             <a:off x="3044880" y="1925640"/>
-            <a:ext cx="3054240" cy="2049120"/>
+            <a:ext cx="3053880" cy="2048760"/>
           </a:xfrm>
           <a:prstGeom prst="rect">
             <a:avLst/>
@@ -2799,18 +2630,16 @@
         <p:txBody>
           <a:bodyPr lIns="0" rIns="0" tIns="0" bIns="0" anchor="ctr"/>
           <a:p>
-            <a:endParaRPr b="0" lang="en-US" sz="1400" spc="-1" strike="noStrike">
-              <a:solidFill>
-                <a:srgbClr val="000000"/>
-              </a:solidFill>
-              <a:latin typeface="Arial"/>
-            </a:endParaRPr>
-          </a:p>
-        </p:txBody>
-      </p:sp>
-      <p:sp>
-        <p:nvSpPr>
-          <p:cNvPr id="100" name="PlaceHolder 2"/>
+            <a:pPr algn="ctr"/>
+            <a:endParaRPr b="0" lang="en-US" sz="4400" spc="-1" strike="noStrike">
+              <a:latin typeface="Arial"/>
+            </a:endParaRPr>
+          </a:p>
+        </p:txBody>
+      </p:sp>
+      <p:sp>
+        <p:nvSpPr>
+          <p:cNvPr id="97" name="PlaceHolder 2"/>
           <p:cNvSpPr>
             <a:spLocks noGrp="1"/>
           </p:cNvSpPr>
@@ -2832,18 +2661,15 @@
             <a:normAutofit/>
           </a:bodyPr>
           <a:p>
-            <a:endParaRPr b="0" lang="en-US" sz="1400" spc="-1" strike="noStrike">
-              <a:solidFill>
-                <a:srgbClr val="000000"/>
-              </a:solidFill>
-              <a:latin typeface="Arial"/>
-            </a:endParaRPr>
-          </a:p>
-        </p:txBody>
-      </p:sp>
-      <p:sp>
-        <p:nvSpPr>
-          <p:cNvPr id="101" name="PlaceHolder 3"/>
+            <a:endParaRPr b="0" lang="en-US" sz="3200" spc="-1" strike="noStrike">
+              <a:latin typeface="Arial"/>
+            </a:endParaRPr>
+          </a:p>
+        </p:txBody>
+      </p:sp>
+      <p:sp>
+        <p:nvSpPr>
+          <p:cNvPr id="98" name="PlaceHolder 3"/>
           <p:cNvSpPr>
             <a:spLocks noGrp="1"/>
           </p:cNvSpPr>
@@ -2865,18 +2691,15 @@
             <a:normAutofit/>
           </a:bodyPr>
           <a:p>
-            <a:endParaRPr b="0" lang="en-US" sz="1400" spc="-1" strike="noStrike">
-              <a:solidFill>
-                <a:srgbClr val="000000"/>
-              </a:solidFill>
-              <a:latin typeface="Arial"/>
-            </a:endParaRPr>
-          </a:p>
-        </p:txBody>
-      </p:sp>
-      <p:sp>
-        <p:nvSpPr>
-          <p:cNvPr id="102" name="PlaceHolder 4"/>
+            <a:endParaRPr b="0" lang="en-US" sz="3200" spc="-1" strike="noStrike">
+              <a:latin typeface="Arial"/>
+            </a:endParaRPr>
+          </a:p>
+        </p:txBody>
+      </p:sp>
+      <p:sp>
+        <p:nvSpPr>
+          <p:cNvPr id="99" name="PlaceHolder 4"/>
           <p:cNvSpPr>
             <a:spLocks noGrp="1"/>
           </p:cNvSpPr>
@@ -2898,10 +2721,7 @@
             <a:normAutofit/>
           </a:bodyPr>
           <a:p>
-            <a:endParaRPr b="0" lang="en-US" sz="1400" spc="-1" strike="noStrike">
-              <a:solidFill>
-                <a:srgbClr val="000000"/>
-              </a:solidFill>
+            <a:endParaRPr b="0" lang="en-US" sz="3200" spc="-1" strike="noStrike">
               <a:latin typeface="Arial"/>
             </a:endParaRPr>
           </a:p>
@@ -2931,7 +2751,7 @@
       </p:grpSpPr>
       <p:sp>
         <p:nvSpPr>
-          <p:cNvPr id="103" name="PlaceHolder 1"/>
+          <p:cNvPr id="100" name="PlaceHolder 1"/>
           <p:cNvSpPr>
             <a:spLocks noGrp="1"/>
           </p:cNvSpPr>
@@ -2942,7 +2762,7 @@
         <p:spPr>
           <a:xfrm>
             <a:off x="3044880" y="1925640"/>
-            <a:ext cx="3054240" cy="2049120"/>
+            <a:ext cx="3053880" cy="2048760"/>
           </a:xfrm>
           <a:prstGeom prst="rect">
             <a:avLst/>
@@ -2951,18 +2771,16 @@
         <p:txBody>
           <a:bodyPr lIns="0" rIns="0" tIns="0" bIns="0" anchor="ctr"/>
           <a:p>
-            <a:endParaRPr b="0" lang="en-US" sz="1400" spc="-1" strike="noStrike">
-              <a:solidFill>
-                <a:srgbClr val="000000"/>
-              </a:solidFill>
-              <a:latin typeface="Arial"/>
-            </a:endParaRPr>
-          </a:p>
-        </p:txBody>
-      </p:sp>
-      <p:sp>
-        <p:nvSpPr>
-          <p:cNvPr id="104" name="PlaceHolder 2"/>
+            <a:pPr algn="ctr"/>
+            <a:endParaRPr b="0" lang="en-US" sz="4400" spc="-1" strike="noStrike">
+              <a:latin typeface="Arial"/>
+            </a:endParaRPr>
+          </a:p>
+        </p:txBody>
+      </p:sp>
+      <p:sp>
+        <p:nvSpPr>
+          <p:cNvPr id="101" name="PlaceHolder 2"/>
           <p:cNvSpPr>
             <a:spLocks noGrp="1"/>
           </p:cNvSpPr>
@@ -2984,18 +2802,15 @@
             <a:normAutofit/>
           </a:bodyPr>
           <a:p>
-            <a:endParaRPr b="0" lang="en-US" sz="1400" spc="-1" strike="noStrike">
-              <a:solidFill>
-                <a:srgbClr val="000000"/>
-              </a:solidFill>
-              <a:latin typeface="Arial"/>
-            </a:endParaRPr>
-          </a:p>
-        </p:txBody>
-      </p:sp>
-      <p:sp>
-        <p:nvSpPr>
-          <p:cNvPr id="105" name="PlaceHolder 3"/>
+            <a:endParaRPr b="0" lang="en-US" sz="3200" spc="-1" strike="noStrike">
+              <a:latin typeface="Arial"/>
+            </a:endParaRPr>
+          </a:p>
+        </p:txBody>
+      </p:sp>
+      <p:sp>
+        <p:nvSpPr>
+          <p:cNvPr id="102" name="PlaceHolder 3"/>
           <p:cNvSpPr>
             <a:spLocks noGrp="1"/>
           </p:cNvSpPr>
@@ -3017,18 +2832,15 @@
             <a:normAutofit/>
           </a:bodyPr>
           <a:p>
-            <a:endParaRPr b="0" lang="en-US" sz="1400" spc="-1" strike="noStrike">
-              <a:solidFill>
-                <a:srgbClr val="000000"/>
-              </a:solidFill>
-              <a:latin typeface="Arial"/>
-            </a:endParaRPr>
-          </a:p>
-        </p:txBody>
-      </p:sp>
-      <p:sp>
-        <p:nvSpPr>
-          <p:cNvPr id="106" name="PlaceHolder 4"/>
+            <a:endParaRPr b="0" lang="en-US" sz="3200" spc="-1" strike="noStrike">
+              <a:latin typeface="Arial"/>
+            </a:endParaRPr>
+          </a:p>
+        </p:txBody>
+      </p:sp>
+      <p:sp>
+        <p:nvSpPr>
+          <p:cNvPr id="103" name="PlaceHolder 4"/>
           <p:cNvSpPr>
             <a:spLocks noGrp="1"/>
           </p:cNvSpPr>
@@ -3050,10 +2862,7 @@
             <a:normAutofit/>
           </a:bodyPr>
           <a:p>
-            <a:endParaRPr b="0" lang="en-US" sz="1400" spc="-1" strike="noStrike">
-              <a:solidFill>
-                <a:srgbClr val="000000"/>
-              </a:solidFill>
+            <a:endParaRPr b="0" lang="en-US" sz="3200" spc="-1" strike="noStrike">
               <a:latin typeface="Arial"/>
             </a:endParaRPr>
           </a:p>
@@ -3083,7 +2892,7 @@
       </p:grpSpPr>
       <p:sp>
         <p:nvSpPr>
-          <p:cNvPr id="107" name="PlaceHolder 1"/>
+          <p:cNvPr id="104" name="PlaceHolder 1"/>
           <p:cNvSpPr>
             <a:spLocks noGrp="1"/>
           </p:cNvSpPr>
@@ -3094,7 +2903,7 @@
         <p:spPr>
           <a:xfrm>
             <a:off x="3044880" y="1925640"/>
-            <a:ext cx="3054240" cy="2049120"/>
+            <a:ext cx="3053880" cy="2048760"/>
           </a:xfrm>
           <a:prstGeom prst="rect">
             <a:avLst/>
@@ -3103,18 +2912,16 @@
         <p:txBody>
           <a:bodyPr lIns="0" rIns="0" tIns="0" bIns="0" anchor="ctr"/>
           <a:p>
-            <a:endParaRPr b="0" lang="en-US" sz="1400" spc="-1" strike="noStrike">
-              <a:solidFill>
-                <a:srgbClr val="000000"/>
-              </a:solidFill>
-              <a:latin typeface="Arial"/>
-            </a:endParaRPr>
-          </a:p>
-        </p:txBody>
-      </p:sp>
-      <p:sp>
-        <p:nvSpPr>
-          <p:cNvPr id="108" name="PlaceHolder 2"/>
+            <a:pPr algn="ctr"/>
+            <a:endParaRPr b="0" lang="en-US" sz="4400" spc="-1" strike="noStrike">
+              <a:latin typeface="Arial"/>
+            </a:endParaRPr>
+          </a:p>
+        </p:txBody>
+      </p:sp>
+      <p:sp>
+        <p:nvSpPr>
+          <p:cNvPr id="105" name="PlaceHolder 2"/>
           <p:cNvSpPr>
             <a:spLocks noGrp="1"/>
           </p:cNvSpPr>
@@ -3136,18 +2943,15 @@
             <a:normAutofit/>
           </a:bodyPr>
           <a:p>
-            <a:endParaRPr b="0" lang="en-US" sz="1400" spc="-1" strike="noStrike">
-              <a:solidFill>
-                <a:srgbClr val="000000"/>
-              </a:solidFill>
-              <a:latin typeface="Arial"/>
-            </a:endParaRPr>
-          </a:p>
-        </p:txBody>
-      </p:sp>
-      <p:sp>
-        <p:nvSpPr>
-          <p:cNvPr id="109" name="PlaceHolder 3"/>
+            <a:endParaRPr b="0" lang="en-US" sz="3200" spc="-1" strike="noStrike">
+              <a:latin typeface="Arial"/>
+            </a:endParaRPr>
+          </a:p>
+        </p:txBody>
+      </p:sp>
+      <p:sp>
+        <p:nvSpPr>
+          <p:cNvPr id="106" name="PlaceHolder 3"/>
           <p:cNvSpPr>
             <a:spLocks noGrp="1"/>
           </p:cNvSpPr>
@@ -3169,10 +2973,7 @@
             <a:normAutofit/>
           </a:bodyPr>
           <a:p>
-            <a:endParaRPr b="0" lang="en-US" sz="1400" spc="-1" strike="noStrike">
-              <a:solidFill>
-                <a:srgbClr val="000000"/>
-              </a:solidFill>
+            <a:endParaRPr b="0" lang="en-US" sz="3200" spc="-1" strike="noStrike">
               <a:latin typeface="Arial"/>
             </a:endParaRPr>
           </a:p>
@@ -3202,7 +3003,7 @@
       </p:grpSpPr>
       <p:sp>
         <p:nvSpPr>
-          <p:cNvPr id="110" name="PlaceHolder 1"/>
+          <p:cNvPr id="107" name="PlaceHolder 1"/>
           <p:cNvSpPr>
             <a:spLocks noGrp="1"/>
           </p:cNvSpPr>
@@ -3213,7 +3014,7 @@
         <p:spPr>
           <a:xfrm>
             <a:off x="3044880" y="1925640"/>
-            <a:ext cx="3054240" cy="2049120"/>
+            <a:ext cx="3053880" cy="2048760"/>
           </a:xfrm>
           <a:prstGeom prst="rect">
             <a:avLst/>
@@ -3222,18 +3023,16 @@
         <p:txBody>
           <a:bodyPr lIns="0" rIns="0" tIns="0" bIns="0" anchor="ctr"/>
           <a:p>
-            <a:endParaRPr b="0" lang="en-US" sz="1400" spc="-1" strike="noStrike">
-              <a:solidFill>
-                <a:srgbClr val="000000"/>
-              </a:solidFill>
-              <a:latin typeface="Arial"/>
-            </a:endParaRPr>
-          </a:p>
-        </p:txBody>
-      </p:sp>
-      <p:sp>
-        <p:nvSpPr>
-          <p:cNvPr id="111" name="PlaceHolder 2"/>
+            <a:pPr algn="ctr"/>
+            <a:endParaRPr b="0" lang="en-US" sz="4400" spc="-1" strike="noStrike">
+              <a:latin typeface="Arial"/>
+            </a:endParaRPr>
+          </a:p>
+        </p:txBody>
+      </p:sp>
+      <p:sp>
+        <p:nvSpPr>
+          <p:cNvPr id="108" name="PlaceHolder 2"/>
           <p:cNvSpPr>
             <a:spLocks noGrp="1"/>
           </p:cNvSpPr>
@@ -3255,18 +3054,15 @@
             <a:normAutofit/>
           </a:bodyPr>
           <a:p>
-            <a:endParaRPr b="0" lang="en-US" sz="1400" spc="-1" strike="noStrike">
-              <a:solidFill>
-                <a:srgbClr val="000000"/>
-              </a:solidFill>
-              <a:latin typeface="Arial"/>
-            </a:endParaRPr>
-          </a:p>
-        </p:txBody>
-      </p:sp>
-      <p:sp>
-        <p:nvSpPr>
-          <p:cNvPr id="112" name="PlaceHolder 3"/>
+            <a:endParaRPr b="0" lang="en-US" sz="3200" spc="-1" strike="noStrike">
+              <a:latin typeface="Arial"/>
+            </a:endParaRPr>
+          </a:p>
+        </p:txBody>
+      </p:sp>
+      <p:sp>
+        <p:nvSpPr>
+          <p:cNvPr id="109" name="PlaceHolder 3"/>
           <p:cNvSpPr>
             <a:spLocks noGrp="1"/>
           </p:cNvSpPr>
@@ -3288,18 +3084,15 @@
             <a:normAutofit/>
           </a:bodyPr>
           <a:p>
-            <a:endParaRPr b="0" lang="en-US" sz="1400" spc="-1" strike="noStrike">
-              <a:solidFill>
-                <a:srgbClr val="000000"/>
-              </a:solidFill>
-              <a:latin typeface="Arial"/>
-            </a:endParaRPr>
-          </a:p>
-        </p:txBody>
-      </p:sp>
-      <p:sp>
-        <p:nvSpPr>
-          <p:cNvPr id="113" name="PlaceHolder 4"/>
+            <a:endParaRPr b="0" lang="en-US" sz="3200" spc="-1" strike="noStrike">
+              <a:latin typeface="Arial"/>
+            </a:endParaRPr>
+          </a:p>
+        </p:txBody>
+      </p:sp>
+      <p:sp>
+        <p:nvSpPr>
+          <p:cNvPr id="110" name="PlaceHolder 4"/>
           <p:cNvSpPr>
             <a:spLocks noGrp="1"/>
           </p:cNvSpPr>
@@ -3321,18 +3114,15 @@
             <a:normAutofit/>
           </a:bodyPr>
           <a:p>
-            <a:endParaRPr b="0" lang="en-US" sz="1400" spc="-1" strike="noStrike">
-              <a:solidFill>
-                <a:srgbClr val="000000"/>
-              </a:solidFill>
-              <a:latin typeface="Arial"/>
-            </a:endParaRPr>
-          </a:p>
-        </p:txBody>
-      </p:sp>
-      <p:sp>
-        <p:nvSpPr>
-          <p:cNvPr id="114" name="PlaceHolder 5"/>
+            <a:endParaRPr b="0" lang="en-US" sz="3200" spc="-1" strike="noStrike">
+              <a:latin typeface="Arial"/>
+            </a:endParaRPr>
+          </a:p>
+        </p:txBody>
+      </p:sp>
+      <p:sp>
+        <p:nvSpPr>
+          <p:cNvPr id="111" name="PlaceHolder 5"/>
           <p:cNvSpPr>
             <a:spLocks noGrp="1"/>
           </p:cNvSpPr>
@@ -3354,10 +3144,7 @@
             <a:normAutofit/>
           </a:bodyPr>
           <a:p>
-            <a:endParaRPr b="0" lang="en-US" sz="1400" spc="-1" strike="noStrike">
-              <a:solidFill>
-                <a:srgbClr val="000000"/>
-              </a:solidFill>
+            <a:endParaRPr b="0" lang="en-US" sz="3200" spc="-1" strike="noStrike">
               <a:latin typeface="Arial"/>
             </a:endParaRPr>
           </a:p>
@@ -3387,7 +3174,7 @@
       </p:grpSpPr>
       <p:sp>
         <p:nvSpPr>
-          <p:cNvPr id="115" name="PlaceHolder 1"/>
+          <p:cNvPr id="112" name="PlaceHolder 1"/>
           <p:cNvSpPr>
             <a:spLocks noGrp="1"/>
           </p:cNvSpPr>
@@ -3398,7 +3185,7 @@
         <p:spPr>
           <a:xfrm>
             <a:off x="3044880" y="1925640"/>
-            <a:ext cx="3054240" cy="2049120"/>
+            <a:ext cx="3053880" cy="2048760"/>
           </a:xfrm>
           <a:prstGeom prst="rect">
             <a:avLst/>
@@ -3407,18 +3194,16 @@
         <p:txBody>
           <a:bodyPr lIns="0" rIns="0" tIns="0" bIns="0" anchor="ctr"/>
           <a:p>
-            <a:endParaRPr b="0" lang="en-US" sz="1400" spc="-1" strike="noStrike">
-              <a:solidFill>
-                <a:srgbClr val="000000"/>
-              </a:solidFill>
-              <a:latin typeface="Arial"/>
-            </a:endParaRPr>
-          </a:p>
-        </p:txBody>
-      </p:sp>
-      <p:sp>
-        <p:nvSpPr>
-          <p:cNvPr id="116" name="PlaceHolder 2"/>
+            <a:pPr algn="ctr"/>
+            <a:endParaRPr b="0" lang="en-US" sz="4400" spc="-1" strike="noStrike">
+              <a:latin typeface="Arial"/>
+            </a:endParaRPr>
+          </a:p>
+        </p:txBody>
+      </p:sp>
+      <p:sp>
+        <p:nvSpPr>
+          <p:cNvPr id="113" name="PlaceHolder 2"/>
           <p:cNvSpPr>
             <a:spLocks noGrp="1"/>
           </p:cNvSpPr>
@@ -3440,18 +3225,15 @@
             <a:normAutofit/>
           </a:bodyPr>
           <a:p>
-            <a:endParaRPr b="0" lang="en-US" sz="1400" spc="-1" strike="noStrike">
-              <a:solidFill>
-                <a:srgbClr val="000000"/>
-              </a:solidFill>
-              <a:latin typeface="Arial"/>
-            </a:endParaRPr>
-          </a:p>
-        </p:txBody>
-      </p:sp>
-      <p:sp>
-        <p:nvSpPr>
-          <p:cNvPr id="117" name="PlaceHolder 3"/>
+            <a:endParaRPr b="0" lang="en-US" sz="3200" spc="-1" strike="noStrike">
+              <a:latin typeface="Arial"/>
+            </a:endParaRPr>
+          </a:p>
+        </p:txBody>
+      </p:sp>
+      <p:sp>
+        <p:nvSpPr>
+          <p:cNvPr id="114" name="PlaceHolder 3"/>
           <p:cNvSpPr>
             <a:spLocks noGrp="1"/>
           </p:cNvSpPr>
@@ -3473,18 +3255,15 @@
             <a:normAutofit/>
           </a:bodyPr>
           <a:p>
-            <a:endParaRPr b="0" lang="en-US" sz="1400" spc="-1" strike="noStrike">
-              <a:solidFill>
-                <a:srgbClr val="000000"/>
-              </a:solidFill>
-              <a:latin typeface="Arial"/>
-            </a:endParaRPr>
-          </a:p>
-        </p:txBody>
-      </p:sp>
-      <p:sp>
-        <p:nvSpPr>
-          <p:cNvPr id="118" name="PlaceHolder 4"/>
+            <a:endParaRPr b="0" lang="en-US" sz="3200" spc="-1" strike="noStrike">
+              <a:latin typeface="Arial"/>
+            </a:endParaRPr>
+          </a:p>
+        </p:txBody>
+      </p:sp>
+      <p:sp>
+        <p:nvSpPr>
+          <p:cNvPr id="115" name="PlaceHolder 4"/>
           <p:cNvSpPr>
             <a:spLocks noGrp="1"/>
           </p:cNvSpPr>
@@ -3506,18 +3285,15 @@
             <a:normAutofit/>
           </a:bodyPr>
           <a:p>
-            <a:endParaRPr b="0" lang="en-US" sz="1400" spc="-1" strike="noStrike">
-              <a:solidFill>
-                <a:srgbClr val="000000"/>
-              </a:solidFill>
-              <a:latin typeface="Arial"/>
-            </a:endParaRPr>
-          </a:p>
-        </p:txBody>
-      </p:sp>
-      <p:sp>
-        <p:nvSpPr>
-          <p:cNvPr id="119" name="PlaceHolder 5"/>
+            <a:endParaRPr b="0" lang="en-US" sz="3200" spc="-1" strike="noStrike">
+              <a:latin typeface="Arial"/>
+            </a:endParaRPr>
+          </a:p>
+        </p:txBody>
+      </p:sp>
+      <p:sp>
+        <p:nvSpPr>
+          <p:cNvPr id="116" name="PlaceHolder 5"/>
           <p:cNvSpPr>
             <a:spLocks noGrp="1"/>
           </p:cNvSpPr>
@@ -3539,18 +3315,15 @@
             <a:normAutofit/>
           </a:bodyPr>
           <a:p>
-            <a:endParaRPr b="0" lang="en-US" sz="1400" spc="-1" strike="noStrike">
-              <a:solidFill>
-                <a:srgbClr val="000000"/>
-              </a:solidFill>
-              <a:latin typeface="Arial"/>
-            </a:endParaRPr>
-          </a:p>
-        </p:txBody>
-      </p:sp>
-      <p:sp>
-        <p:nvSpPr>
-          <p:cNvPr id="120" name="PlaceHolder 6"/>
+            <a:endParaRPr b="0" lang="en-US" sz="3200" spc="-1" strike="noStrike">
+              <a:latin typeface="Arial"/>
+            </a:endParaRPr>
+          </a:p>
+        </p:txBody>
+      </p:sp>
+      <p:sp>
+        <p:nvSpPr>
+          <p:cNvPr id="117" name="PlaceHolder 6"/>
           <p:cNvSpPr>
             <a:spLocks noGrp="1"/>
           </p:cNvSpPr>
@@ -3572,18 +3345,15 @@
             <a:normAutofit/>
           </a:bodyPr>
           <a:p>
-            <a:endParaRPr b="0" lang="en-US" sz="1400" spc="-1" strike="noStrike">
-              <a:solidFill>
-                <a:srgbClr val="000000"/>
-              </a:solidFill>
-              <a:latin typeface="Arial"/>
-            </a:endParaRPr>
-          </a:p>
-        </p:txBody>
-      </p:sp>
-      <p:sp>
-        <p:nvSpPr>
-          <p:cNvPr id="121" name="PlaceHolder 7"/>
+            <a:endParaRPr b="0" lang="en-US" sz="3200" spc="-1" strike="noStrike">
+              <a:latin typeface="Arial"/>
+            </a:endParaRPr>
+          </a:p>
+        </p:txBody>
+      </p:sp>
+      <p:sp>
+        <p:nvSpPr>
+          <p:cNvPr id="118" name="PlaceHolder 7"/>
           <p:cNvSpPr>
             <a:spLocks noGrp="1"/>
           </p:cNvSpPr>
@@ -3605,10 +3375,7 @@
             <a:normAutofit/>
           </a:bodyPr>
           <a:p>
-            <a:endParaRPr b="0" lang="en-US" sz="1400" spc="-1" strike="noStrike">
-              <a:solidFill>
-                <a:srgbClr val="000000"/>
-              </a:solidFill>
+            <a:endParaRPr b="0" lang="en-US" sz="3200" spc="-1" strike="noStrike">
               <a:latin typeface="Arial"/>
             </a:endParaRPr>
           </a:p>
@@ -3638,7 +3405,7 @@
       </p:grpSpPr>
       <p:sp>
         <p:nvSpPr>
-          <p:cNvPr id="9" name="PlaceHolder 1"/>
+          <p:cNvPr id="8" name="PlaceHolder 1"/>
           <p:cNvSpPr>
             <a:spLocks noGrp="1"/>
           </p:cNvSpPr>
@@ -3649,7 +3416,7 @@
         <p:spPr>
           <a:xfrm>
             <a:off x="3044880" y="1925640"/>
-            <a:ext cx="3054240" cy="2049120"/>
+            <a:ext cx="3053880" cy="2048760"/>
           </a:xfrm>
           <a:prstGeom prst="rect">
             <a:avLst/>
@@ -3658,18 +3425,16 @@
         <p:txBody>
           <a:bodyPr lIns="0" rIns="0" tIns="0" bIns="0" anchor="ctr"/>
           <a:p>
-            <a:endParaRPr b="0" lang="en-US" sz="1400" spc="-1" strike="noStrike">
-              <a:solidFill>
-                <a:srgbClr val="000000"/>
-              </a:solidFill>
-              <a:latin typeface="Arial"/>
-            </a:endParaRPr>
-          </a:p>
-        </p:txBody>
-      </p:sp>
-      <p:sp>
-        <p:nvSpPr>
-          <p:cNvPr id="10" name="PlaceHolder 2"/>
+            <a:pPr algn="ctr"/>
+            <a:endParaRPr b="0" lang="en-US" sz="4400" spc="-1" strike="noStrike">
+              <a:latin typeface="Arial"/>
+            </a:endParaRPr>
+          </a:p>
+        </p:txBody>
+      </p:sp>
+      <p:sp>
+        <p:nvSpPr>
+          <p:cNvPr id="9" name="PlaceHolder 2"/>
           <p:cNvSpPr>
             <a:spLocks noGrp="1"/>
           </p:cNvSpPr>
@@ -3691,18 +3456,15 @@
             <a:normAutofit/>
           </a:bodyPr>
           <a:p>
-            <a:endParaRPr b="0" lang="en-US" sz="1400" spc="-1" strike="noStrike">
-              <a:solidFill>
-                <a:srgbClr val="000000"/>
-              </a:solidFill>
-              <a:latin typeface="Arial"/>
-            </a:endParaRPr>
-          </a:p>
-        </p:txBody>
-      </p:sp>
-      <p:sp>
-        <p:nvSpPr>
-          <p:cNvPr id="11" name="PlaceHolder 3"/>
+            <a:endParaRPr b="0" lang="en-US" sz="3200" spc="-1" strike="noStrike">
+              <a:latin typeface="Arial"/>
+            </a:endParaRPr>
+          </a:p>
+        </p:txBody>
+      </p:sp>
+      <p:sp>
+        <p:nvSpPr>
+          <p:cNvPr id="10" name="PlaceHolder 3"/>
           <p:cNvSpPr>
             <a:spLocks noGrp="1"/>
           </p:cNvSpPr>
@@ -3724,10 +3486,7 @@
             <a:normAutofit/>
           </a:bodyPr>
           <a:p>
-            <a:endParaRPr b="0" lang="en-US" sz="1400" spc="-1" strike="noStrike">
-              <a:solidFill>
-                <a:srgbClr val="000000"/>
-              </a:solidFill>
+            <a:endParaRPr b="0" lang="en-US" sz="3200" spc="-1" strike="noStrike">
               <a:latin typeface="Arial"/>
             </a:endParaRPr>
           </a:p>
@@ -3757,7 +3516,7 @@
       </p:grpSpPr>
       <p:sp>
         <p:nvSpPr>
-          <p:cNvPr id="12" name="PlaceHolder 1"/>
+          <p:cNvPr id="11" name="PlaceHolder 1"/>
           <p:cNvSpPr>
             <a:spLocks noGrp="1"/>
           </p:cNvSpPr>
@@ -3768,7 +3527,7 @@
         <p:spPr>
           <a:xfrm>
             <a:off x="3044880" y="1925640"/>
-            <a:ext cx="3054240" cy="2049120"/>
+            <a:ext cx="3053880" cy="2048760"/>
           </a:xfrm>
           <a:prstGeom prst="rect">
             <a:avLst/>
@@ -3777,10 +3536,8 @@
         <p:txBody>
           <a:bodyPr lIns="0" rIns="0" tIns="0" bIns="0" anchor="ctr"/>
           <a:p>
-            <a:endParaRPr b="0" lang="en-US" sz="1400" spc="-1" strike="noStrike">
-              <a:solidFill>
-                <a:srgbClr val="000000"/>
-              </a:solidFill>
+            <a:pPr algn="ctr"/>
+            <a:endParaRPr b="0" lang="en-US" sz="4400" spc="-1" strike="noStrike">
               <a:latin typeface="Arial"/>
             </a:endParaRPr>
           </a:p>
@@ -3810,7 +3567,7 @@
       </p:grpSpPr>
       <p:sp>
         <p:nvSpPr>
-          <p:cNvPr id="13" name="PlaceHolder 1"/>
+          <p:cNvPr id="12" name="PlaceHolder 1"/>
           <p:cNvSpPr>
             <a:spLocks noGrp="1"/>
           </p:cNvSpPr>
@@ -3821,7 +3578,7 @@
         <p:spPr>
           <a:xfrm>
             <a:off x="3044880" y="1925640"/>
-            <a:ext cx="3054240" cy="9499680"/>
+            <a:ext cx="3053880" cy="9498240"/>
           </a:xfrm>
           <a:prstGeom prst="rect">
             <a:avLst/>
@@ -3861,7 +3618,7 @@
       </p:grpSpPr>
       <p:sp>
         <p:nvSpPr>
-          <p:cNvPr id="14" name="PlaceHolder 1"/>
+          <p:cNvPr id="13" name="PlaceHolder 1"/>
           <p:cNvSpPr>
             <a:spLocks noGrp="1"/>
           </p:cNvSpPr>
@@ -3872,7 +3629,7 @@
         <p:spPr>
           <a:xfrm>
             <a:off x="3044880" y="1925640"/>
-            <a:ext cx="3054240" cy="2049120"/>
+            <a:ext cx="3053880" cy="2048760"/>
           </a:xfrm>
           <a:prstGeom prst="rect">
             <a:avLst/>
@@ -3881,18 +3638,16 @@
         <p:txBody>
           <a:bodyPr lIns="0" rIns="0" tIns="0" bIns="0" anchor="ctr"/>
           <a:p>
-            <a:endParaRPr b="0" lang="en-US" sz="1400" spc="-1" strike="noStrike">
-              <a:solidFill>
-                <a:srgbClr val="000000"/>
-              </a:solidFill>
-              <a:latin typeface="Arial"/>
-            </a:endParaRPr>
-          </a:p>
-        </p:txBody>
-      </p:sp>
-      <p:sp>
-        <p:nvSpPr>
-          <p:cNvPr id="15" name="PlaceHolder 2"/>
+            <a:pPr algn="ctr"/>
+            <a:endParaRPr b="0" lang="en-US" sz="4400" spc="-1" strike="noStrike">
+              <a:latin typeface="Arial"/>
+            </a:endParaRPr>
+          </a:p>
+        </p:txBody>
+      </p:sp>
+      <p:sp>
+        <p:nvSpPr>
+          <p:cNvPr id="14" name="PlaceHolder 2"/>
           <p:cNvSpPr>
             <a:spLocks noGrp="1"/>
           </p:cNvSpPr>
@@ -3914,18 +3669,15 @@
             <a:normAutofit/>
           </a:bodyPr>
           <a:p>
-            <a:endParaRPr b="0" lang="en-US" sz="1400" spc="-1" strike="noStrike">
-              <a:solidFill>
-                <a:srgbClr val="000000"/>
-              </a:solidFill>
-              <a:latin typeface="Arial"/>
-            </a:endParaRPr>
-          </a:p>
-        </p:txBody>
-      </p:sp>
-      <p:sp>
-        <p:nvSpPr>
-          <p:cNvPr id="16" name="PlaceHolder 3"/>
+            <a:endParaRPr b="0" lang="en-US" sz="3200" spc="-1" strike="noStrike">
+              <a:latin typeface="Arial"/>
+            </a:endParaRPr>
+          </a:p>
+        </p:txBody>
+      </p:sp>
+      <p:sp>
+        <p:nvSpPr>
+          <p:cNvPr id="15" name="PlaceHolder 3"/>
           <p:cNvSpPr>
             <a:spLocks noGrp="1"/>
           </p:cNvSpPr>
@@ -3947,18 +3699,15 @@
             <a:normAutofit/>
           </a:bodyPr>
           <a:p>
-            <a:endParaRPr b="0" lang="en-US" sz="1400" spc="-1" strike="noStrike">
-              <a:solidFill>
-                <a:srgbClr val="000000"/>
-              </a:solidFill>
-              <a:latin typeface="Arial"/>
-            </a:endParaRPr>
-          </a:p>
-        </p:txBody>
-      </p:sp>
-      <p:sp>
-        <p:nvSpPr>
-          <p:cNvPr id="17" name="PlaceHolder 4"/>
+            <a:endParaRPr b="0" lang="en-US" sz="3200" spc="-1" strike="noStrike">
+              <a:latin typeface="Arial"/>
+            </a:endParaRPr>
+          </a:p>
+        </p:txBody>
+      </p:sp>
+      <p:sp>
+        <p:nvSpPr>
+          <p:cNvPr id="16" name="PlaceHolder 4"/>
           <p:cNvSpPr>
             <a:spLocks noGrp="1"/>
           </p:cNvSpPr>
@@ -3980,10 +3729,7 @@
             <a:normAutofit/>
           </a:bodyPr>
           <a:p>
-            <a:endParaRPr b="0" lang="en-US" sz="1400" spc="-1" strike="noStrike">
-              <a:solidFill>
-                <a:srgbClr val="000000"/>
-              </a:solidFill>
+            <a:endParaRPr b="0" lang="en-US" sz="3200" spc="-1" strike="noStrike">
               <a:latin typeface="Arial"/>
             </a:endParaRPr>
           </a:p>
@@ -4013,7 +3759,7 @@
       </p:grpSpPr>
       <p:sp>
         <p:nvSpPr>
-          <p:cNvPr id="18" name="PlaceHolder 1"/>
+          <p:cNvPr id="17" name="PlaceHolder 1"/>
           <p:cNvSpPr>
             <a:spLocks noGrp="1"/>
           </p:cNvSpPr>
@@ -4024,7 +3770,7 @@
         <p:spPr>
           <a:xfrm>
             <a:off x="3044880" y="1925640"/>
-            <a:ext cx="3054240" cy="2049120"/>
+            <a:ext cx="3053880" cy="2048760"/>
           </a:xfrm>
           <a:prstGeom prst="rect">
             <a:avLst/>
@@ -4033,18 +3779,16 @@
         <p:txBody>
           <a:bodyPr lIns="0" rIns="0" tIns="0" bIns="0" anchor="ctr"/>
           <a:p>
-            <a:endParaRPr b="0" lang="en-US" sz="1400" spc="-1" strike="noStrike">
-              <a:solidFill>
-                <a:srgbClr val="000000"/>
-              </a:solidFill>
-              <a:latin typeface="Arial"/>
-            </a:endParaRPr>
-          </a:p>
-        </p:txBody>
-      </p:sp>
-      <p:sp>
-        <p:nvSpPr>
-          <p:cNvPr id="19" name="PlaceHolder 2"/>
+            <a:pPr algn="ctr"/>
+            <a:endParaRPr b="0" lang="en-US" sz="4400" spc="-1" strike="noStrike">
+              <a:latin typeface="Arial"/>
+            </a:endParaRPr>
+          </a:p>
+        </p:txBody>
+      </p:sp>
+      <p:sp>
+        <p:nvSpPr>
+          <p:cNvPr id="18" name="PlaceHolder 2"/>
           <p:cNvSpPr>
             <a:spLocks noGrp="1"/>
           </p:cNvSpPr>
@@ -4066,18 +3810,15 @@
             <a:normAutofit/>
           </a:bodyPr>
           <a:p>
-            <a:endParaRPr b="0" lang="en-US" sz="1400" spc="-1" strike="noStrike">
-              <a:solidFill>
-                <a:srgbClr val="000000"/>
-              </a:solidFill>
-              <a:latin typeface="Arial"/>
-            </a:endParaRPr>
-          </a:p>
-        </p:txBody>
-      </p:sp>
-      <p:sp>
-        <p:nvSpPr>
-          <p:cNvPr id="20" name="PlaceHolder 3"/>
+            <a:endParaRPr b="0" lang="en-US" sz="3200" spc="-1" strike="noStrike">
+              <a:latin typeface="Arial"/>
+            </a:endParaRPr>
+          </a:p>
+        </p:txBody>
+      </p:sp>
+      <p:sp>
+        <p:nvSpPr>
+          <p:cNvPr id="19" name="PlaceHolder 3"/>
           <p:cNvSpPr>
             <a:spLocks noGrp="1"/>
           </p:cNvSpPr>
@@ -4099,18 +3840,15 @@
             <a:normAutofit/>
           </a:bodyPr>
           <a:p>
-            <a:endParaRPr b="0" lang="en-US" sz="1400" spc="-1" strike="noStrike">
-              <a:solidFill>
-                <a:srgbClr val="000000"/>
-              </a:solidFill>
-              <a:latin typeface="Arial"/>
-            </a:endParaRPr>
-          </a:p>
-        </p:txBody>
-      </p:sp>
-      <p:sp>
-        <p:nvSpPr>
-          <p:cNvPr id="21" name="PlaceHolder 4"/>
+            <a:endParaRPr b="0" lang="en-US" sz="3200" spc="-1" strike="noStrike">
+              <a:latin typeface="Arial"/>
+            </a:endParaRPr>
+          </a:p>
+        </p:txBody>
+      </p:sp>
+      <p:sp>
+        <p:nvSpPr>
+          <p:cNvPr id="20" name="PlaceHolder 4"/>
           <p:cNvSpPr>
             <a:spLocks noGrp="1"/>
           </p:cNvSpPr>
@@ -4132,10 +3870,7 @@
             <a:normAutofit/>
           </a:bodyPr>
           <a:p>
-            <a:endParaRPr b="0" lang="en-US" sz="1400" spc="-1" strike="noStrike">
-              <a:solidFill>
-                <a:srgbClr val="000000"/>
-              </a:solidFill>
+            <a:endParaRPr b="0" lang="en-US" sz="3200" spc="-1" strike="noStrike">
               <a:latin typeface="Arial"/>
             </a:endParaRPr>
           </a:p>
@@ -4165,7 +3900,7 @@
       </p:grpSpPr>
       <p:sp>
         <p:nvSpPr>
-          <p:cNvPr id="22" name="PlaceHolder 1"/>
+          <p:cNvPr id="21" name="PlaceHolder 1"/>
           <p:cNvSpPr>
             <a:spLocks noGrp="1"/>
           </p:cNvSpPr>
@@ -4176,7 +3911,7 @@
         <p:spPr>
           <a:xfrm>
             <a:off x="3044880" y="1925640"/>
-            <a:ext cx="3054240" cy="2049120"/>
+            <a:ext cx="3053880" cy="2048760"/>
           </a:xfrm>
           <a:prstGeom prst="rect">
             <a:avLst/>
@@ -4185,18 +3920,16 @@
         <p:txBody>
           <a:bodyPr lIns="0" rIns="0" tIns="0" bIns="0" anchor="ctr"/>
           <a:p>
-            <a:endParaRPr b="0" lang="en-US" sz="1400" spc="-1" strike="noStrike">
-              <a:solidFill>
-                <a:srgbClr val="000000"/>
-              </a:solidFill>
-              <a:latin typeface="Arial"/>
-            </a:endParaRPr>
-          </a:p>
-        </p:txBody>
-      </p:sp>
-      <p:sp>
-        <p:nvSpPr>
-          <p:cNvPr id="23" name="PlaceHolder 2"/>
+            <a:pPr algn="ctr"/>
+            <a:endParaRPr b="0" lang="en-US" sz="4400" spc="-1" strike="noStrike">
+              <a:latin typeface="Arial"/>
+            </a:endParaRPr>
+          </a:p>
+        </p:txBody>
+      </p:sp>
+      <p:sp>
+        <p:nvSpPr>
+          <p:cNvPr id="22" name="PlaceHolder 2"/>
           <p:cNvSpPr>
             <a:spLocks noGrp="1"/>
           </p:cNvSpPr>
@@ -4218,18 +3951,15 @@
             <a:normAutofit/>
           </a:bodyPr>
           <a:p>
-            <a:endParaRPr b="0" lang="en-US" sz="1400" spc="-1" strike="noStrike">
-              <a:solidFill>
-                <a:srgbClr val="000000"/>
-              </a:solidFill>
-              <a:latin typeface="Arial"/>
-            </a:endParaRPr>
-          </a:p>
-        </p:txBody>
-      </p:sp>
-      <p:sp>
-        <p:nvSpPr>
-          <p:cNvPr id="24" name="PlaceHolder 3"/>
+            <a:endParaRPr b="0" lang="en-US" sz="3200" spc="-1" strike="noStrike">
+              <a:latin typeface="Arial"/>
+            </a:endParaRPr>
+          </a:p>
+        </p:txBody>
+      </p:sp>
+      <p:sp>
+        <p:nvSpPr>
+          <p:cNvPr id="23" name="PlaceHolder 3"/>
           <p:cNvSpPr>
             <a:spLocks noGrp="1"/>
           </p:cNvSpPr>
@@ -4251,18 +3981,15 @@
             <a:normAutofit/>
           </a:bodyPr>
           <a:p>
-            <a:endParaRPr b="0" lang="en-US" sz="1400" spc="-1" strike="noStrike">
-              <a:solidFill>
-                <a:srgbClr val="000000"/>
-              </a:solidFill>
-              <a:latin typeface="Arial"/>
-            </a:endParaRPr>
-          </a:p>
-        </p:txBody>
-      </p:sp>
-      <p:sp>
-        <p:nvSpPr>
-          <p:cNvPr id="25" name="PlaceHolder 4"/>
+            <a:endParaRPr b="0" lang="en-US" sz="3200" spc="-1" strike="noStrike">
+              <a:latin typeface="Arial"/>
+            </a:endParaRPr>
+          </a:p>
+        </p:txBody>
+      </p:sp>
+      <p:sp>
+        <p:nvSpPr>
+          <p:cNvPr id="24" name="PlaceHolder 4"/>
           <p:cNvSpPr>
             <a:spLocks noGrp="1"/>
           </p:cNvSpPr>
@@ -4284,10 +4011,7 @@
             <a:normAutofit/>
           </a:bodyPr>
           <a:p>
-            <a:endParaRPr b="0" lang="en-US" sz="1400" spc="-1" strike="noStrike">
-              <a:solidFill>
-                <a:srgbClr val="000000"/>
-              </a:solidFill>
+            <a:endParaRPr b="0" lang="en-US" sz="3200" spc="-1" strike="noStrike">
               <a:latin typeface="Arial"/>
             </a:endParaRPr>
           </a:p>
@@ -4331,7 +4055,7 @@
         <p:spPr>
           <a:xfrm>
             <a:off x="2743920" y="1009080"/>
-            <a:ext cx="1081440" cy="1499400"/>
+            <a:ext cx="1081080" cy="1499040"/>
           </a:xfrm>
           <a:custGeom>
             <a:avLst/>
@@ -4375,8 +4099,8 @@
         </p:nvSpPr>
         <p:spPr>
           <a:xfrm rot="10800000">
-            <a:off x="6400080" y="5855400"/>
-            <a:ext cx="1081440" cy="1499400"/>
+            <a:off x="7481520" y="7354800"/>
+            <a:ext cx="1081080" cy="1499040"/>
           </a:xfrm>
           <a:custGeom>
             <a:avLst/>
@@ -4425,46 +4149,22 @@
         <p:spPr>
           <a:xfrm>
             <a:off x="3044880" y="1925640"/>
-            <a:ext cx="3054240" cy="2049120"/>
-          </a:xfrm>
-          <a:prstGeom prst="rect">
-            <a:avLst/>
-          </a:prstGeom>
-        </p:spPr>
-        <p:txBody>
-          <a:bodyPr tIns="91440" bIns="91440" anchor="b"/>
-          <a:p>
-            <a:r>
-              <a:rPr b="0" lang="en-US" sz="4200" spc="-1" strike="noStrike">
-                <a:solidFill>
-                  <a:srgbClr val="000000"/>
-                </a:solidFill>
-                <a:latin typeface="Arial"/>
-              </a:rPr>
-              <a:t>Click to edit </a:t>
-            </a:r>
-            <a:r>
-              <a:rPr b="0" lang="en-US" sz="4200" spc="-1" strike="noStrike">
-                <a:solidFill>
-                  <a:srgbClr val="000000"/>
-                </a:solidFill>
-                <a:latin typeface="Arial"/>
-              </a:rPr>
-              <a:t>the title text </a:t>
-            </a:r>
-            <a:r>
-              <a:rPr b="0" lang="en-US" sz="4200" spc="-1" strike="noStrike">
-                <a:solidFill>
-                  <a:srgbClr val="000000"/>
-                </a:solidFill>
-                <a:latin typeface="Arial"/>
-              </a:rPr>
-              <a:t>format</a:t>
-            </a:r>
-            <a:endParaRPr b="0" lang="en-US" sz="4200" spc="-1" strike="noStrike">
-              <a:solidFill>
-                <a:srgbClr val="000000"/>
-              </a:solidFill>
+            <a:ext cx="3053880" cy="2048760"/>
+          </a:xfrm>
+          <a:prstGeom prst="rect">
+            <a:avLst/>
+          </a:prstGeom>
+        </p:spPr>
+        <p:txBody>
+          <a:bodyPr lIns="0" rIns="0" tIns="0" bIns="0" anchor="ctr"/>
+          <a:p>
+            <a:r>
+              <a:rPr b="0" lang="en-US" sz="1800" spc="-1" strike="noStrike">
+                <a:latin typeface="Arial"/>
+              </a:rPr>
+              <a:t>Click to edit the title text format</a:t>
+            </a:r>
+            <a:endParaRPr b="0" lang="en-US" sz="1800" spc="-1" strike="noStrike">
               <a:latin typeface="Arial"/>
             </a:endParaRPr>
           </a:p>
@@ -4473,49 +4173,6 @@
       <p:sp>
         <p:nvSpPr>
           <p:cNvPr id="3" name="PlaceHolder 4"/>
-          <p:cNvSpPr>
-            <a:spLocks noGrp="1"/>
-          </p:cNvSpPr>
-          <p:nvPr>
-            <p:ph type="sldNum"/>
-          </p:nvPr>
-        </p:nvSpPr>
-        <p:spPr>
-          <a:xfrm>
-            <a:off x="8472600" y="6217560"/>
-            <a:ext cx="548280" cy="524520"/>
-          </a:xfrm>
-          <a:prstGeom prst="rect">
-            <a:avLst/>
-          </a:prstGeom>
-        </p:spPr>
-        <p:txBody>
-          <a:bodyPr tIns="91440" bIns="91440" anchor="ctr"/>
-          <a:p>
-            <a:pPr algn="r">
-              <a:lnSpc>
-                <a:spcPct val="100000"/>
-              </a:lnSpc>
-            </a:pPr>
-            <a:fld id="{7A4D4AAC-EDA7-4FA5-91A2-3CBCF6EE42FF}" type="slidenum">
-              <a:rPr b="0" lang="en-US" sz="1000" spc="-1" strike="noStrike">
-                <a:solidFill>
-                  <a:srgbClr val="000000"/>
-                </a:solidFill>
-                <a:latin typeface="Economica"/>
-                <a:ea typeface="Economica"/>
-              </a:rPr>
-              <a:t>&lt;number&gt;</a:t>
-            </a:fld>
-            <a:endParaRPr b="0" lang="en-US" sz="1000" spc="-1" strike="noStrike">
-              <a:latin typeface="Times New Roman"/>
-            </a:endParaRPr>
-          </a:p>
-        </p:txBody>
-      </p:sp>
-      <p:sp>
-        <p:nvSpPr>
-          <p:cNvPr id="4" name="PlaceHolder 5"/>
           <p:cNvSpPr>
             <a:spLocks noGrp="1"/>
           </p:cNvSpPr>
@@ -4549,18 +4206,12 @@
               <a:buChar char=""/>
             </a:pPr>
             <a:r>
-              <a:rPr b="0" lang="en-US" sz="1400" spc="-1" strike="noStrike">
-                <a:solidFill>
-                  <a:srgbClr val="000000"/>
-                </a:solidFill>
+              <a:rPr b="0" lang="en-US" sz="3200" spc="-1" strike="noStrike">
                 <a:latin typeface="Arial"/>
               </a:rPr>
               <a:t>Click to edit the outline text format</a:t>
             </a:r>
-            <a:endParaRPr b="0" lang="en-US" sz="1400" spc="-1" strike="noStrike">
-              <a:solidFill>
-                <a:srgbClr val="000000"/>
-              </a:solidFill>
+            <a:endParaRPr b="0" lang="en-US" sz="3200" spc="-1" strike="noStrike">
               <a:latin typeface="Arial"/>
             </a:endParaRPr>
           </a:p>
@@ -4577,18 +4228,12 @@
               <a:buChar char=""/>
             </a:pPr>
             <a:r>
-              <a:rPr b="0" lang="en-US" sz="1400" spc="-1" strike="noStrike">
-                <a:solidFill>
-                  <a:srgbClr val="000000"/>
-                </a:solidFill>
+              <a:rPr b="0" lang="en-US" sz="2800" spc="-1" strike="noStrike">
                 <a:latin typeface="Arial"/>
               </a:rPr>
               <a:t>Second Outline Level</a:t>
             </a:r>
-            <a:endParaRPr b="0" lang="en-US" sz="1400" spc="-1" strike="noStrike">
-              <a:solidFill>
-                <a:srgbClr val="000000"/>
-              </a:solidFill>
+            <a:endParaRPr b="0" lang="en-US" sz="2800" spc="-1" strike="noStrike">
               <a:latin typeface="Arial"/>
             </a:endParaRPr>
           </a:p>
@@ -4605,18 +4250,12 @@
               <a:buChar char=""/>
             </a:pPr>
             <a:r>
-              <a:rPr b="0" lang="en-US" sz="1400" spc="-1" strike="noStrike">
-                <a:solidFill>
-                  <a:srgbClr val="000000"/>
-                </a:solidFill>
+              <a:rPr b="0" lang="en-US" sz="2400" spc="-1" strike="noStrike">
                 <a:latin typeface="Arial"/>
               </a:rPr>
               <a:t>Third Outline Level</a:t>
             </a:r>
-            <a:endParaRPr b="0" lang="en-US" sz="1400" spc="-1" strike="noStrike">
-              <a:solidFill>
-                <a:srgbClr val="000000"/>
-              </a:solidFill>
+            <a:endParaRPr b="0" lang="en-US" sz="2400" spc="-1" strike="noStrike">
               <a:latin typeface="Arial"/>
             </a:endParaRPr>
           </a:p>
@@ -4633,18 +4272,12 @@
               <a:buChar char=""/>
             </a:pPr>
             <a:r>
-              <a:rPr b="0" lang="en-US" sz="1400" spc="-1" strike="noStrike">
-                <a:solidFill>
-                  <a:srgbClr val="000000"/>
-                </a:solidFill>
+              <a:rPr b="0" lang="en-US" sz="2000" spc="-1" strike="noStrike">
                 <a:latin typeface="Arial"/>
               </a:rPr>
               <a:t>Fourth Outline Level</a:t>
             </a:r>
-            <a:endParaRPr b="0" lang="en-US" sz="1400" spc="-1" strike="noStrike">
-              <a:solidFill>
-                <a:srgbClr val="000000"/>
-              </a:solidFill>
+            <a:endParaRPr b="0" lang="en-US" sz="2000" spc="-1" strike="noStrike">
               <a:latin typeface="Arial"/>
             </a:endParaRPr>
           </a:p>
@@ -4662,17 +4295,11 @@
             </a:pPr>
             <a:r>
               <a:rPr b="0" lang="en-US" sz="2000" spc="-1" strike="noStrike">
-                <a:solidFill>
-                  <a:srgbClr val="000000"/>
-                </a:solidFill>
                 <a:latin typeface="Arial"/>
               </a:rPr>
               <a:t>Fifth Outline Level</a:t>
             </a:r>
             <a:endParaRPr b="0" lang="en-US" sz="2000" spc="-1" strike="noStrike">
-              <a:solidFill>
-                <a:srgbClr val="000000"/>
-              </a:solidFill>
               <a:latin typeface="Arial"/>
             </a:endParaRPr>
           </a:p>
@@ -4690,17 +4317,11 @@
             </a:pPr>
             <a:r>
               <a:rPr b="0" lang="en-US" sz="2000" spc="-1" strike="noStrike">
-                <a:solidFill>
-                  <a:srgbClr val="000000"/>
-                </a:solidFill>
                 <a:latin typeface="Arial"/>
               </a:rPr>
               <a:t>Sixth Outline Level</a:t>
             </a:r>
             <a:endParaRPr b="0" lang="en-US" sz="2000" spc="-1" strike="noStrike">
-              <a:solidFill>
-                <a:srgbClr val="000000"/>
-              </a:solidFill>
               <a:latin typeface="Arial"/>
             </a:endParaRPr>
           </a:p>
@@ -4718,17 +4339,11 @@
             </a:pPr>
             <a:r>
               <a:rPr b="0" lang="en-US" sz="2000" spc="-1" strike="noStrike">
-                <a:solidFill>
-                  <a:srgbClr val="000000"/>
-                </a:solidFill>
                 <a:latin typeface="Arial"/>
               </a:rPr>
               <a:t>Seventh Outline Level</a:t>
             </a:r>
             <a:endParaRPr b="0" lang="en-US" sz="2000" spc="-1" strike="noStrike">
-              <a:solidFill>
-                <a:srgbClr val="000000"/>
-              </a:solidFill>
               <a:latin typeface="Arial"/>
             </a:endParaRPr>
           </a:p>
@@ -4780,14 +4395,14 @@
       </p:grpSpPr>
       <p:sp>
         <p:nvSpPr>
-          <p:cNvPr id="41" name="CustomShape 1"/>
+          <p:cNvPr id="40" name="CustomShape 1"/>
           <p:cNvSpPr/>
           <p:nvPr/>
         </p:nvSpPr>
         <p:spPr>
           <a:xfrm flipH="1">
-            <a:off x="7596000" y="613800"/>
-            <a:ext cx="1081440" cy="1499400"/>
+            <a:off x="7595280" y="613800"/>
+            <a:ext cx="1081080" cy="1499040"/>
           </a:xfrm>
           <a:custGeom>
             <a:avLst/>
@@ -4825,14 +4440,14 @@
       </p:sp>
       <p:sp>
         <p:nvSpPr>
-          <p:cNvPr id="42" name="CustomShape 2"/>
+          <p:cNvPr id="41" name="CustomShape 2"/>
           <p:cNvSpPr/>
           <p:nvPr/>
         </p:nvSpPr>
         <p:spPr>
           <a:xfrm flipH="1" rot="10800000">
-            <a:off x="1548000" y="6244200"/>
-            <a:ext cx="1081440" cy="1499400"/>
+            <a:off x="2628720" y="7743600"/>
+            <a:ext cx="1081080" cy="1499040"/>
           </a:xfrm>
           <a:custGeom>
             <a:avLst/>
@@ -4870,7 +4485,7 @@
       </p:sp>
       <p:sp>
         <p:nvSpPr>
-          <p:cNvPr id="43" name="PlaceHolder 3"/>
+          <p:cNvPr id="42" name="PlaceHolder 3"/>
           <p:cNvSpPr>
             <a:spLocks noGrp="1"/>
           </p:cNvSpPr>
@@ -4880,80 +4495,32 @@
         </p:nvSpPr>
         <p:spPr>
           <a:xfrm>
-            <a:off x="773640" y="2408760"/>
-            <a:ext cx="7596360" cy="2040480"/>
-          </a:xfrm>
-          <a:prstGeom prst="rect">
-            <a:avLst/>
-          </a:prstGeom>
-        </p:spPr>
-        <p:txBody>
-          <a:bodyPr tIns="91440" bIns="91440" anchor="ctr"/>
-          <a:p>
-            <a:r>
-              <a:rPr b="0" lang="en-US" sz="4200" spc="-1" strike="noStrike">
-                <a:solidFill>
-                  <a:srgbClr val="000000"/>
-                </a:solidFill>
+            <a:off x="457200" y="273600"/>
+            <a:ext cx="8229240" cy="1144800"/>
+          </a:xfrm>
+          <a:prstGeom prst="rect">
+            <a:avLst/>
+          </a:prstGeom>
+        </p:spPr>
+        <p:txBody>
+          <a:bodyPr lIns="0" rIns="0" tIns="0" bIns="0" anchor="ctr"/>
+          <a:p>
+            <a:pPr algn="ctr"/>
+            <a:r>
+              <a:rPr b="0" lang="en-US" sz="4400" spc="-1" strike="noStrike">
                 <a:latin typeface="Arial"/>
               </a:rPr>
               <a:t>Click to edit the title text format</a:t>
             </a:r>
-            <a:endParaRPr b="0" lang="en-US" sz="4200" spc="-1" strike="noStrike">
-              <a:solidFill>
-                <a:srgbClr val="000000"/>
-              </a:solidFill>
-              <a:latin typeface="Arial"/>
-            </a:endParaRPr>
-          </a:p>
-        </p:txBody>
-      </p:sp>
-      <p:sp>
-        <p:nvSpPr>
-          <p:cNvPr id="44" name="PlaceHolder 4"/>
-          <p:cNvSpPr>
-            <a:spLocks noGrp="1"/>
-          </p:cNvSpPr>
-          <p:nvPr>
-            <p:ph type="sldNum"/>
-          </p:nvPr>
-        </p:nvSpPr>
-        <p:spPr>
-          <a:xfrm>
-            <a:off x="8472600" y="6217560"/>
-            <a:ext cx="548280" cy="524520"/>
-          </a:xfrm>
-          <a:prstGeom prst="rect">
-            <a:avLst/>
-          </a:prstGeom>
-        </p:spPr>
-        <p:txBody>
-          <a:bodyPr tIns="91440" bIns="91440" anchor="ctr"/>
-          <a:p>
-            <a:pPr algn="r">
-              <a:lnSpc>
-                <a:spcPct val="100000"/>
-              </a:lnSpc>
-            </a:pPr>
-            <a:fld id="{57510C63-AAE6-45A9-A0A0-53DFC474192D}" type="slidenum">
-              <a:rPr b="0" lang="en-US" sz="1000" spc="-1" strike="noStrike">
-                <a:solidFill>
-                  <a:srgbClr val="000000"/>
-                </a:solidFill>
-                <a:latin typeface="Economica"/>
-                <a:ea typeface="Economica"/>
-              </a:rPr>
-              <a:t>&lt;number&gt;</a:t>
-            </a:fld>
-            <a:endParaRPr b="0" lang="en-US" sz="1000" spc="-1" strike="noStrike">
-              <a:latin typeface="Times New Roman"/>
-            </a:endParaRPr>
-          </a:p>
-        </p:txBody>
-      </p:sp>
-      <p:sp>
-        <p:nvSpPr>
-          <p:cNvPr id="45" name="PlaceHolder 5"/>
+            <a:endParaRPr b="0" lang="en-US" sz="4400" spc="-1" strike="noStrike">
+              <a:latin typeface="Arial"/>
+            </a:endParaRPr>
+          </a:p>
+        </p:txBody>
+      </p:sp>
+      <p:sp>
+        <p:nvSpPr>
+          <p:cNvPr id="43" name="PlaceHolder 4"/>
           <p:cNvSpPr>
             <a:spLocks noGrp="1"/>
           </p:cNvSpPr>
@@ -4987,18 +4554,12 @@
               <a:buChar char=""/>
             </a:pPr>
             <a:r>
-              <a:rPr b="0" lang="en-US" sz="1400" spc="-1" strike="noStrike">
-                <a:solidFill>
-                  <a:srgbClr val="000000"/>
-                </a:solidFill>
+              <a:rPr b="0" lang="en-US" sz="3200" spc="-1" strike="noStrike">
                 <a:latin typeface="Arial"/>
               </a:rPr>
               <a:t>Click to edit the outline text format</a:t>
             </a:r>
-            <a:endParaRPr b="0" lang="en-US" sz="1400" spc="-1" strike="noStrike">
-              <a:solidFill>
-                <a:srgbClr val="000000"/>
-              </a:solidFill>
+            <a:endParaRPr b="0" lang="en-US" sz="3200" spc="-1" strike="noStrike">
               <a:latin typeface="Arial"/>
             </a:endParaRPr>
           </a:p>
@@ -5015,18 +4576,12 @@
               <a:buChar char=""/>
             </a:pPr>
             <a:r>
-              <a:rPr b="0" lang="en-US" sz="1400" spc="-1" strike="noStrike">
-                <a:solidFill>
-                  <a:srgbClr val="000000"/>
-                </a:solidFill>
+              <a:rPr b="0" lang="en-US" sz="2800" spc="-1" strike="noStrike">
                 <a:latin typeface="Arial"/>
               </a:rPr>
               <a:t>Second Outline Level</a:t>
             </a:r>
-            <a:endParaRPr b="0" lang="en-US" sz="1400" spc="-1" strike="noStrike">
-              <a:solidFill>
-                <a:srgbClr val="000000"/>
-              </a:solidFill>
+            <a:endParaRPr b="0" lang="en-US" sz="2800" spc="-1" strike="noStrike">
               <a:latin typeface="Arial"/>
             </a:endParaRPr>
           </a:p>
@@ -5043,18 +4598,12 @@
               <a:buChar char=""/>
             </a:pPr>
             <a:r>
-              <a:rPr b="0" lang="en-US" sz="1400" spc="-1" strike="noStrike">
-                <a:solidFill>
-                  <a:srgbClr val="000000"/>
-                </a:solidFill>
+              <a:rPr b="0" lang="en-US" sz="2400" spc="-1" strike="noStrike">
                 <a:latin typeface="Arial"/>
               </a:rPr>
               <a:t>Third Outline Level</a:t>
             </a:r>
-            <a:endParaRPr b="0" lang="en-US" sz="1400" spc="-1" strike="noStrike">
-              <a:solidFill>
-                <a:srgbClr val="000000"/>
-              </a:solidFill>
+            <a:endParaRPr b="0" lang="en-US" sz="2400" spc="-1" strike="noStrike">
               <a:latin typeface="Arial"/>
             </a:endParaRPr>
           </a:p>
@@ -5071,18 +4620,12 @@
               <a:buChar char=""/>
             </a:pPr>
             <a:r>
-              <a:rPr b="0" lang="en-US" sz="1400" spc="-1" strike="noStrike">
-                <a:solidFill>
-                  <a:srgbClr val="000000"/>
-                </a:solidFill>
+              <a:rPr b="0" lang="en-US" sz="2000" spc="-1" strike="noStrike">
                 <a:latin typeface="Arial"/>
               </a:rPr>
               <a:t>Fourth Outline Level</a:t>
             </a:r>
-            <a:endParaRPr b="0" lang="en-US" sz="1400" spc="-1" strike="noStrike">
-              <a:solidFill>
-                <a:srgbClr val="000000"/>
-              </a:solidFill>
+            <a:endParaRPr b="0" lang="en-US" sz="2000" spc="-1" strike="noStrike">
               <a:latin typeface="Arial"/>
             </a:endParaRPr>
           </a:p>
@@ -5100,17 +4643,11 @@
             </a:pPr>
             <a:r>
               <a:rPr b="0" lang="en-US" sz="2000" spc="-1" strike="noStrike">
-                <a:solidFill>
-                  <a:srgbClr val="000000"/>
-                </a:solidFill>
                 <a:latin typeface="Arial"/>
               </a:rPr>
               <a:t>Fifth Outline Level</a:t>
             </a:r>
             <a:endParaRPr b="0" lang="en-US" sz="2000" spc="-1" strike="noStrike">
-              <a:solidFill>
-                <a:srgbClr val="000000"/>
-              </a:solidFill>
               <a:latin typeface="Arial"/>
             </a:endParaRPr>
           </a:p>
@@ -5128,17 +4665,11 @@
             </a:pPr>
             <a:r>
               <a:rPr b="0" lang="en-US" sz="2000" spc="-1" strike="noStrike">
-                <a:solidFill>
-                  <a:srgbClr val="000000"/>
-                </a:solidFill>
                 <a:latin typeface="Arial"/>
               </a:rPr>
               <a:t>Sixth Outline Level</a:t>
             </a:r>
             <a:endParaRPr b="0" lang="en-US" sz="2000" spc="-1" strike="noStrike">
-              <a:solidFill>
-                <a:srgbClr val="000000"/>
-              </a:solidFill>
               <a:latin typeface="Arial"/>
             </a:endParaRPr>
           </a:p>
@@ -5156,17 +4687,11 @@
             </a:pPr>
             <a:r>
               <a:rPr b="0" lang="en-US" sz="2000" spc="-1" strike="noStrike">
-                <a:solidFill>
-                  <a:srgbClr val="000000"/>
-                </a:solidFill>
                 <a:latin typeface="Arial"/>
               </a:rPr>
               <a:t>Seventh Outline Level</a:t>
             </a:r>
             <a:endParaRPr b="0" lang="en-US" sz="2000" spc="-1" strike="noStrike">
-              <a:solidFill>
-                <a:srgbClr val="000000"/>
-              </a:solidFill>
               <a:latin typeface="Arial"/>
             </a:endParaRPr>
           </a:p>
@@ -5218,14 +4743,14 @@
       </p:grpSpPr>
       <p:sp>
         <p:nvSpPr>
-          <p:cNvPr id="82" name="CustomShape 1"/>
+          <p:cNvPr id="80" name="CustomShape 1"/>
           <p:cNvSpPr/>
           <p:nvPr/>
         </p:nvSpPr>
         <p:spPr>
           <a:xfrm>
             <a:off x="0" y="6727680"/>
-            <a:ext cx="9143640" cy="130320"/>
+            <a:ext cx="9143280" cy="129960"/>
           </a:xfrm>
           <a:prstGeom prst="rect">
             <a:avLst/>
@@ -5246,7 +4771,7 @@
       </p:sp>
       <p:sp>
         <p:nvSpPr>
-          <p:cNvPr id="83" name="PlaceHolder 2"/>
+          <p:cNvPr id="81" name="PlaceHolder 2"/>
           <p:cNvSpPr>
             <a:spLocks noGrp="1"/>
           </p:cNvSpPr>
@@ -5256,37 +4781,31 @@
         </p:nvSpPr>
         <p:spPr>
           <a:xfrm>
-            <a:off x="311760" y="421200"/>
-            <a:ext cx="8520120" cy="1108080"/>
-          </a:xfrm>
-          <a:prstGeom prst="rect">
-            <a:avLst/>
-          </a:prstGeom>
-        </p:spPr>
-        <p:txBody>
-          <a:bodyPr tIns="91440" bIns="91440" anchor="b"/>
-          <a:p>
-            <a:r>
-              <a:rPr b="0" lang="en-US" sz="4200" spc="-1" strike="noStrike">
-                <a:solidFill>
-                  <a:srgbClr val="000000"/>
-                </a:solidFill>
+            <a:off x="3044880" y="1925640"/>
+            <a:ext cx="3053880" cy="2048760"/>
+          </a:xfrm>
+          <a:prstGeom prst="rect">
+            <a:avLst/>
+          </a:prstGeom>
+        </p:spPr>
+        <p:txBody>
+          <a:bodyPr lIns="0" rIns="0" tIns="0" bIns="0" anchor="ctr"/>
+          <a:p>
+            <a:r>
+              <a:rPr b="0" lang="en-US" sz="1800" spc="-1" strike="noStrike">
                 <a:latin typeface="Arial"/>
               </a:rPr>
               <a:t>Click to edit the title text format</a:t>
             </a:r>
-            <a:endParaRPr b="0" lang="en-US" sz="4200" spc="-1" strike="noStrike">
-              <a:solidFill>
-                <a:srgbClr val="000000"/>
-              </a:solidFill>
-              <a:latin typeface="Arial"/>
-            </a:endParaRPr>
-          </a:p>
-        </p:txBody>
-      </p:sp>
-      <p:sp>
-        <p:nvSpPr>
-          <p:cNvPr id="84" name="PlaceHolder 3"/>
+            <a:endParaRPr b="0" lang="en-US" sz="1800" spc="-1" strike="noStrike">
+              <a:latin typeface="Arial"/>
+            </a:endParaRPr>
+          </a:p>
+        </p:txBody>
+      </p:sp>
+      <p:sp>
+        <p:nvSpPr>
+          <p:cNvPr id="82" name="PlaceHolder 3"/>
           <p:cNvSpPr>
             <a:spLocks noGrp="1"/>
           </p:cNvSpPr>
@@ -5296,15 +4815,17 @@
         </p:nvSpPr>
         <p:spPr>
           <a:xfrm>
-            <a:off x="311760" y="1633680"/>
-            <a:ext cx="8520120" cy="4471920"/>
-          </a:xfrm>
-          <a:prstGeom prst="rect">
-            <a:avLst/>
-          </a:prstGeom>
-        </p:spPr>
-        <p:txBody>
-          <a:bodyPr tIns="91440" bIns="91440"/>
+            <a:off x="457200" y="1604520"/>
+            <a:ext cx="8228880" cy="3976920"/>
+          </a:xfrm>
+          <a:prstGeom prst="rect">
+            <a:avLst/>
+          </a:prstGeom>
+        </p:spPr>
+        <p:txBody>
+          <a:bodyPr lIns="0" rIns="0" tIns="0" bIns="0">
+            <a:normAutofit/>
+          </a:bodyPr>
           <a:p>
             <a:pPr marL="432000" indent="-324000">
               <a:spcBef>
@@ -5319,17 +4840,11 @@
             </a:pPr>
             <a:r>
               <a:rPr b="0" lang="en-US" sz="1800" spc="-1" strike="noStrike">
-                <a:solidFill>
-                  <a:srgbClr val="000000"/>
-                </a:solidFill>
                 <a:latin typeface="Arial"/>
               </a:rPr>
               <a:t>Click to edit the outline text format</a:t>
             </a:r>
             <a:endParaRPr b="0" lang="en-US" sz="1800" spc="-1" strike="noStrike">
-              <a:solidFill>
-                <a:srgbClr val="000000"/>
-              </a:solidFill>
               <a:latin typeface="Arial"/>
             </a:endParaRPr>
           </a:p>
@@ -5347,17 +4862,11 @@
             </a:pPr>
             <a:r>
               <a:rPr b="0" lang="en-US" sz="1800" spc="-1" strike="noStrike">
-                <a:solidFill>
-                  <a:srgbClr val="000000"/>
-                </a:solidFill>
                 <a:latin typeface="Arial"/>
               </a:rPr>
               <a:t>Second Outline Level</a:t>
             </a:r>
             <a:endParaRPr b="0" lang="en-US" sz="1800" spc="-1" strike="noStrike">
-              <a:solidFill>
-                <a:srgbClr val="000000"/>
-              </a:solidFill>
               <a:latin typeface="Arial"/>
             </a:endParaRPr>
           </a:p>
@@ -5375,17 +4884,11 @@
             </a:pPr>
             <a:r>
               <a:rPr b="0" lang="en-US" sz="1800" spc="-1" strike="noStrike">
-                <a:solidFill>
-                  <a:srgbClr val="000000"/>
-                </a:solidFill>
                 <a:latin typeface="Arial"/>
               </a:rPr>
               <a:t>Third Outline Level</a:t>
             </a:r>
             <a:endParaRPr b="0" lang="en-US" sz="1800" spc="-1" strike="noStrike">
-              <a:solidFill>
-                <a:srgbClr val="000000"/>
-              </a:solidFill>
               <a:latin typeface="Arial"/>
             </a:endParaRPr>
           </a:p>
@@ -5403,17 +4906,11 @@
             </a:pPr>
             <a:r>
               <a:rPr b="0" lang="en-US" sz="1800" spc="-1" strike="noStrike">
-                <a:solidFill>
-                  <a:srgbClr val="000000"/>
-                </a:solidFill>
                 <a:latin typeface="Arial"/>
               </a:rPr>
               <a:t>Fourth Outline Level</a:t>
             </a:r>
             <a:endParaRPr b="0" lang="en-US" sz="1800" spc="-1" strike="noStrike">
-              <a:solidFill>
-                <a:srgbClr val="000000"/>
-              </a:solidFill>
               <a:latin typeface="Arial"/>
             </a:endParaRPr>
           </a:p>
@@ -5431,17 +4928,11 @@
             </a:pPr>
             <a:r>
               <a:rPr b="0" lang="en-US" sz="1800" spc="-1" strike="noStrike">
-                <a:solidFill>
-                  <a:srgbClr val="000000"/>
-                </a:solidFill>
                 <a:latin typeface="Arial"/>
               </a:rPr>
               <a:t>Fifth Outline Level</a:t>
             </a:r>
             <a:endParaRPr b="0" lang="en-US" sz="1800" spc="-1" strike="noStrike">
-              <a:solidFill>
-                <a:srgbClr val="000000"/>
-              </a:solidFill>
               <a:latin typeface="Arial"/>
             </a:endParaRPr>
           </a:p>
@@ -5459,17 +4950,11 @@
             </a:pPr>
             <a:r>
               <a:rPr b="0" lang="en-US" sz="1800" spc="-1" strike="noStrike">
-                <a:solidFill>
-                  <a:srgbClr val="000000"/>
-                </a:solidFill>
                 <a:latin typeface="Arial"/>
               </a:rPr>
               <a:t>Sixth Outline Level</a:t>
             </a:r>
             <a:endParaRPr b="0" lang="en-US" sz="1800" spc="-1" strike="noStrike">
-              <a:solidFill>
-                <a:srgbClr val="000000"/>
-              </a:solidFill>
               <a:latin typeface="Arial"/>
             </a:endParaRPr>
           </a:p>
@@ -5487,61 +4972,12 @@
             </a:pPr>
             <a:r>
               <a:rPr b="0" lang="en-US" sz="1800" spc="-1" strike="noStrike">
-                <a:solidFill>
-                  <a:srgbClr val="000000"/>
-                </a:solidFill>
                 <a:latin typeface="Arial"/>
               </a:rPr>
               <a:t>Seventh Outline Level</a:t>
             </a:r>
             <a:endParaRPr b="0" lang="en-US" sz="1800" spc="-1" strike="noStrike">
-              <a:solidFill>
-                <a:srgbClr val="000000"/>
-              </a:solidFill>
-              <a:latin typeface="Arial"/>
-            </a:endParaRPr>
-          </a:p>
-        </p:txBody>
-      </p:sp>
-      <p:sp>
-        <p:nvSpPr>
-          <p:cNvPr id="85" name="PlaceHolder 4"/>
-          <p:cNvSpPr>
-            <a:spLocks noGrp="1"/>
-          </p:cNvSpPr>
-          <p:nvPr>
-            <p:ph type="sldNum"/>
-          </p:nvPr>
-        </p:nvSpPr>
-        <p:spPr>
-          <a:xfrm>
-            <a:off x="8472600" y="6217560"/>
-            <a:ext cx="548280" cy="524520"/>
-          </a:xfrm>
-          <a:prstGeom prst="rect">
-            <a:avLst/>
-          </a:prstGeom>
-        </p:spPr>
-        <p:txBody>
-          <a:bodyPr tIns="91440" bIns="91440" anchor="ctr"/>
-          <a:p>
-            <a:pPr algn="r">
-              <a:lnSpc>
-                <a:spcPct val="100000"/>
-              </a:lnSpc>
-            </a:pPr>
-            <a:fld id="{EC4128C6-99AD-4435-9178-355F78EC88BD}" type="slidenum">
-              <a:rPr b="0" lang="en-US" sz="1000" spc="-1" strike="noStrike">
-                <a:solidFill>
-                  <a:srgbClr val="000000"/>
-                </a:solidFill>
-                <a:latin typeface="Economica"/>
-                <a:ea typeface="Economica"/>
-              </a:rPr>
-              <a:t>&lt;number&gt;</a:t>
-            </a:fld>
-            <a:endParaRPr b="0" lang="en-US" sz="1000" spc="-1" strike="noStrike">
-              <a:latin typeface="Times New Roman"/>
+              <a:latin typeface="Arial"/>
             </a:endParaRPr>
           </a:p>
         </p:txBody>
@@ -5585,14 +5021,14 @@
       </p:grpSpPr>
       <p:sp>
         <p:nvSpPr>
-          <p:cNvPr id="122" name="TextShape 1"/>
-          <p:cNvSpPr txBox="1"/>
+          <p:cNvPr id="119" name="CustomShape 1"/>
+          <p:cNvSpPr/>
           <p:nvPr/>
         </p:nvSpPr>
         <p:spPr>
           <a:xfrm>
             <a:off x="3044880" y="1925640"/>
-            <a:ext cx="3054240" cy="2049120"/>
+            <a:ext cx="3053880" cy="2048760"/>
           </a:xfrm>
           <a:prstGeom prst="rect">
             <a:avLst/>
@@ -5602,8 +5038,14 @@
             <a:noFill/>
           </a:ln>
         </p:spPr>
-        <p:txBody>
-          <a:bodyPr tIns="91440" bIns="91440" anchor="b"/>
+        <p:style>
+          <a:lnRef idx="0"/>
+          <a:fillRef idx="0"/>
+          <a:effectRef idx="0"/>
+          <a:fontRef idx="minor"/>
+        </p:style>
+        <p:txBody>
+          <a:bodyPr lIns="90000" rIns="90000" tIns="91440" bIns="91440" anchor="b"/>
           <a:p>
             <a:pPr algn="ctr">
               <a:lnSpc>
@@ -5621,24 +5063,21 @@
               <a:t>Music Player</a:t>
             </a:r>
             <a:endParaRPr b="0" lang="en-US" sz="4200" spc="-1" strike="noStrike">
-              <a:solidFill>
-                <a:srgbClr val="000000"/>
-              </a:solidFill>
-              <a:latin typeface="Arial"/>
-            </a:endParaRPr>
-          </a:p>
-        </p:txBody>
-      </p:sp>
-      <p:sp>
-        <p:nvSpPr>
-          <p:cNvPr id="123" name="TextShape 2"/>
-          <p:cNvSpPr txBox="1"/>
+              <a:latin typeface="Arial"/>
+            </a:endParaRPr>
+          </a:p>
+        </p:txBody>
+      </p:sp>
+      <p:sp>
+        <p:nvSpPr>
+          <p:cNvPr id="120" name="CustomShape 2"/>
+          <p:cNvSpPr/>
           <p:nvPr/>
         </p:nvSpPr>
         <p:spPr>
           <a:xfrm>
             <a:off x="3044880" y="4155480"/>
-            <a:ext cx="3054240" cy="934920"/>
+            <a:ext cx="3053880" cy="934560"/>
           </a:xfrm>
           <a:prstGeom prst="rect">
             <a:avLst/>
@@ -5648,8 +5087,14 @@
             <a:noFill/>
           </a:ln>
         </p:spPr>
-        <p:txBody>
-          <a:bodyPr tIns="91440" bIns="91440"/>
+        <p:style>
+          <a:lnRef idx="0"/>
+          <a:fillRef idx="0"/>
+          <a:effectRef idx="0"/>
+          <a:fontRef idx="minor"/>
+        </p:style>
+        <p:txBody>
+          <a:bodyPr lIns="90000" rIns="90000" tIns="91440" bIns="91440"/>
           <a:p>
             <a:pPr algn="ctr">
               <a:lnSpc>
@@ -5723,14 +5168,14 @@
       </p:grpSpPr>
       <p:sp>
         <p:nvSpPr>
-          <p:cNvPr id="138" name="TextShape 1"/>
-          <p:cNvSpPr txBox="1"/>
+          <p:cNvPr id="135" name="CustomShape 1"/>
+          <p:cNvSpPr/>
           <p:nvPr/>
         </p:nvSpPr>
         <p:spPr>
           <a:xfrm>
             <a:off x="311760" y="421200"/>
-            <a:ext cx="8520120" cy="1108080"/>
+            <a:ext cx="8519760" cy="1107720"/>
           </a:xfrm>
           <a:prstGeom prst="rect">
             <a:avLst/>
@@ -5740,8 +5185,14 @@
             <a:noFill/>
           </a:ln>
         </p:spPr>
-        <p:txBody>
-          <a:bodyPr tIns="91440" bIns="91440" anchor="b"/>
+        <p:style>
+          <a:lnRef idx="0"/>
+          <a:fillRef idx="0"/>
+          <a:effectRef idx="0"/>
+          <a:fontRef idx="minor"/>
+        </p:style>
+        <p:txBody>
+          <a:bodyPr lIns="90000" rIns="90000" tIns="91440" bIns="91440" anchor="b"/>
           <a:p>
             <a:pPr>
               <a:lnSpc>
@@ -5766,27 +5217,24 @@
                 <a:latin typeface="Arial"/>
                 <a:ea typeface="Arial"/>
               </a:rPr>
-              <a:t>MusicPlater</a:t>
+              <a:t>MusicPlayer</a:t>
             </a:r>
             <a:endParaRPr b="0" lang="en-US" sz="4200" spc="-1" strike="noStrike">
-              <a:solidFill>
-                <a:srgbClr val="000000"/>
-              </a:solidFill>
-              <a:latin typeface="Arial"/>
-            </a:endParaRPr>
-          </a:p>
-        </p:txBody>
-      </p:sp>
-      <p:sp>
-        <p:nvSpPr>
-          <p:cNvPr id="139" name="TextShape 2"/>
-          <p:cNvSpPr txBox="1"/>
+              <a:latin typeface="Arial"/>
+            </a:endParaRPr>
+          </a:p>
+        </p:txBody>
+      </p:sp>
+      <p:sp>
+        <p:nvSpPr>
+          <p:cNvPr id="136" name="CustomShape 2"/>
+          <p:cNvSpPr/>
           <p:nvPr/>
         </p:nvSpPr>
         <p:spPr>
           <a:xfrm>
             <a:off x="311760" y="1633680"/>
-            <a:ext cx="8520120" cy="4471920"/>
+            <a:ext cx="8519760" cy="4471560"/>
           </a:xfrm>
           <a:prstGeom prst="rect">
             <a:avLst/>
@@ -5796,8 +5244,14 @@
             <a:noFill/>
           </a:ln>
         </p:spPr>
-        <p:txBody>
-          <a:bodyPr tIns="91440" bIns="91440"/>
+        <p:style>
+          <a:lnRef idx="0"/>
+          <a:fillRef idx="0"/>
+          <a:effectRef idx="0"/>
+          <a:fontRef idx="minor"/>
+        </p:style>
+        <p:txBody>
+          <a:bodyPr lIns="90000" rIns="90000" tIns="91440" bIns="91440"/>
           <a:p>
             <a:pPr>
               <a:lnSpc>
@@ -5815,14 +5269,11 @@
               <a:t>Властивості:</a:t>
             </a:r>
             <a:endParaRPr b="0" lang="en-US" sz="1800" spc="-1" strike="noStrike">
-              <a:solidFill>
-                <a:srgbClr val="000000"/>
-              </a:solidFill>
-              <a:latin typeface="Arial"/>
-            </a:endParaRPr>
-          </a:p>
-          <a:p>
-            <a:pPr marL="457200" indent="-342720">
+              <a:latin typeface="Arial"/>
+            </a:endParaRPr>
+          </a:p>
+          <a:p>
+            <a:pPr marL="457200" indent="-342360">
               <a:lnSpc>
                 <a:spcPct val="100000"/>
               </a:lnSpc>
@@ -5856,14 +5307,11 @@
               <a:t>PlaylistApplication</a:t>
             </a:r>
             <a:endParaRPr b="0" lang="en-US" sz="1800" spc="-1" strike="noStrike">
-              <a:solidFill>
-                <a:srgbClr val="000000"/>
-              </a:solidFill>
-              <a:latin typeface="Arial"/>
-            </a:endParaRPr>
-          </a:p>
-          <a:p>
-            <a:pPr marL="457200" indent="-342720">
+              <a:latin typeface="Arial"/>
+            </a:endParaRPr>
+          </a:p>
+          <a:p>
+            <a:pPr marL="457200" indent="-342360">
               <a:lnSpc>
                 <a:spcPct val="100000"/>
               </a:lnSpc>
@@ -5884,14 +5332,11 @@
               <a:t>Флаг (грати/не грати)</a:t>
             </a:r>
             <a:endParaRPr b="0" lang="en-US" sz="1800" spc="-1" strike="noStrike">
-              <a:solidFill>
-                <a:srgbClr val="000000"/>
-              </a:solidFill>
-              <a:latin typeface="Arial"/>
-            </a:endParaRPr>
-          </a:p>
-          <a:p>
-            <a:pPr marL="457200" indent="-342720">
+              <a:latin typeface="Arial"/>
+            </a:endParaRPr>
+          </a:p>
+          <a:p>
+            <a:pPr marL="457200" indent="-342360">
               <a:lnSpc>
                 <a:spcPct val="100000"/>
               </a:lnSpc>
@@ -5912,9 +5357,6 @@
               <a:t>Потік програвання</a:t>
             </a:r>
             <a:endParaRPr b="0" lang="en-US" sz="1800" spc="-1" strike="noStrike">
-              <a:solidFill>
-                <a:srgbClr val="000000"/>
-              </a:solidFill>
               <a:latin typeface="Arial"/>
             </a:endParaRPr>
           </a:p>
@@ -5938,14 +5380,11 @@
               <a:t>Методи:</a:t>
             </a:r>
             <a:endParaRPr b="0" lang="en-US" sz="1800" spc="-1" strike="noStrike">
-              <a:solidFill>
-                <a:srgbClr val="000000"/>
-              </a:solidFill>
-              <a:latin typeface="Arial"/>
-            </a:endParaRPr>
-          </a:p>
-          <a:p>
-            <a:pPr marL="457200" indent="-342720">
+              <a:latin typeface="Arial"/>
+            </a:endParaRPr>
+          </a:p>
+          <a:p>
+            <a:pPr marL="457200" indent="-342360">
               <a:lnSpc>
                 <a:spcPct val="100000"/>
               </a:lnSpc>
@@ -5969,14 +5408,11 @@
               <a:t>розпочати програвання</a:t>
             </a:r>
             <a:endParaRPr b="0" lang="en-US" sz="1800" spc="-1" strike="noStrike">
-              <a:solidFill>
-                <a:srgbClr val="000000"/>
-              </a:solidFill>
-              <a:latin typeface="Arial"/>
-            </a:endParaRPr>
-          </a:p>
-          <a:p>
-            <a:pPr marL="457200" indent="-342720">
+              <a:latin typeface="Arial"/>
+            </a:endParaRPr>
+          </a:p>
+          <a:p>
+            <a:pPr marL="457200" indent="-342360">
               <a:lnSpc>
                 <a:spcPct val="100000"/>
               </a:lnSpc>
@@ -5997,14 +5433,11 @@
               <a:t>призупинити програвання</a:t>
             </a:r>
             <a:endParaRPr b="0" lang="en-US" sz="1800" spc="-1" strike="noStrike">
-              <a:solidFill>
-                <a:srgbClr val="000000"/>
-              </a:solidFill>
-              <a:latin typeface="Arial"/>
-            </a:endParaRPr>
-          </a:p>
-          <a:p>
-            <a:pPr marL="457200" indent="-342720">
+              <a:latin typeface="Arial"/>
+            </a:endParaRPr>
+          </a:p>
+          <a:p>
+            <a:pPr marL="457200" indent="-342360">
               <a:lnSpc>
                 <a:spcPct val="100000"/>
               </a:lnSpc>
@@ -6025,14 +5458,11 @@
               <a:t>зупинити програвання</a:t>
             </a:r>
             <a:endParaRPr b="0" lang="en-US" sz="1800" spc="-1" strike="noStrike">
-              <a:solidFill>
-                <a:srgbClr val="000000"/>
-              </a:solidFill>
-              <a:latin typeface="Arial"/>
-            </a:endParaRPr>
-          </a:p>
-          <a:p>
-            <a:pPr marL="457200" indent="-342720">
+              <a:latin typeface="Arial"/>
+            </a:endParaRPr>
+          </a:p>
+          <a:p>
+            <a:pPr marL="457200" indent="-342360">
               <a:lnSpc>
                 <a:spcPct val="100000"/>
               </a:lnSpc>
@@ -6053,14 +5483,11 @@
               <a:t>продовжити програвання</a:t>
             </a:r>
             <a:endParaRPr b="0" lang="en-US" sz="1800" spc="-1" strike="noStrike">
-              <a:solidFill>
-                <a:srgbClr val="000000"/>
-              </a:solidFill>
-              <a:latin typeface="Arial"/>
-            </a:endParaRPr>
-          </a:p>
-          <a:p>
-            <a:pPr marL="457200" indent="-342720">
+              <a:latin typeface="Arial"/>
+            </a:endParaRPr>
+          </a:p>
+          <a:p>
+            <a:pPr marL="457200" indent="-342360">
               <a:lnSpc>
                 <a:spcPct val="100000"/>
               </a:lnSpc>
@@ -6081,14 +5508,11 @@
               <a:t>програвати наступну пісню</a:t>
             </a:r>
             <a:endParaRPr b="0" lang="en-US" sz="1800" spc="-1" strike="noStrike">
-              <a:solidFill>
-                <a:srgbClr val="000000"/>
-              </a:solidFill>
-              <a:latin typeface="Arial"/>
-            </a:endParaRPr>
-          </a:p>
-          <a:p>
-            <a:pPr marL="457200" indent="-342720">
+              <a:latin typeface="Arial"/>
+            </a:endParaRPr>
+          </a:p>
+          <a:p>
+            <a:pPr marL="457200" indent="-342360">
               <a:lnSpc>
                 <a:spcPct val="100000"/>
               </a:lnSpc>
@@ -6109,9 +5533,6 @@
               <a:t>програвати попередню пісню</a:t>
             </a:r>
             <a:endParaRPr b="0" lang="en-US" sz="1800" spc="-1" strike="noStrike">
-              <a:solidFill>
-                <a:srgbClr val="000000"/>
-              </a:solidFill>
               <a:latin typeface="Arial"/>
             </a:endParaRPr>
           </a:p>
@@ -6128,9 +5549,6 @@
               </a:spcAft>
             </a:pPr>
             <a:endParaRPr b="0" lang="en-US" sz="1800" spc="-1" strike="noStrike">
-              <a:solidFill>
-                <a:srgbClr val="000000"/>
-              </a:solidFill>
               <a:latin typeface="Arial"/>
             </a:endParaRPr>
           </a:p>
@@ -6187,14 +5605,14 @@
       </p:grpSpPr>
       <p:sp>
         <p:nvSpPr>
-          <p:cNvPr id="140" name="TextShape 1"/>
-          <p:cNvSpPr txBox="1"/>
+          <p:cNvPr id="137" name="CustomShape 1"/>
+          <p:cNvSpPr/>
           <p:nvPr/>
         </p:nvSpPr>
         <p:spPr>
           <a:xfrm>
             <a:off x="311760" y="421200"/>
-            <a:ext cx="8520120" cy="1108080"/>
+            <a:ext cx="8519760" cy="1107720"/>
           </a:xfrm>
           <a:prstGeom prst="rect">
             <a:avLst/>
@@ -6204,8 +5622,14 @@
             <a:noFill/>
           </a:ln>
         </p:spPr>
-        <p:txBody>
-          <a:bodyPr tIns="91440" bIns="91440" anchor="b"/>
+        <p:style>
+          <a:lnRef idx="0"/>
+          <a:fillRef idx="0"/>
+          <a:effectRef idx="0"/>
+          <a:fontRef idx="minor"/>
+        </p:style>
+        <p:txBody>
+          <a:bodyPr lIns="90000" rIns="90000" tIns="91440" bIns="91440" anchor="b"/>
           <a:p>
             <a:pPr>
               <a:lnSpc>
@@ -6233,24 +5657,21 @@
               <a:t>MainWindow</a:t>
             </a:r>
             <a:endParaRPr b="0" lang="en-US" sz="4200" spc="-1" strike="noStrike">
-              <a:solidFill>
-                <a:srgbClr val="000000"/>
-              </a:solidFill>
-              <a:latin typeface="Arial"/>
-            </a:endParaRPr>
-          </a:p>
-        </p:txBody>
-      </p:sp>
-      <p:sp>
-        <p:nvSpPr>
-          <p:cNvPr id="141" name="TextShape 2"/>
-          <p:cNvSpPr txBox="1"/>
+              <a:latin typeface="Arial"/>
+            </a:endParaRPr>
+          </a:p>
+        </p:txBody>
+      </p:sp>
+      <p:sp>
+        <p:nvSpPr>
+          <p:cNvPr id="138" name="CustomShape 2"/>
+          <p:cNvSpPr/>
           <p:nvPr/>
         </p:nvSpPr>
         <p:spPr>
           <a:xfrm>
             <a:off x="311760" y="1633680"/>
-            <a:ext cx="8520120" cy="4471920"/>
+            <a:ext cx="8519760" cy="4471560"/>
           </a:xfrm>
           <a:prstGeom prst="rect">
             <a:avLst/>
@@ -6260,8 +5681,14 @@
             <a:noFill/>
           </a:ln>
         </p:spPr>
-        <p:txBody>
-          <a:bodyPr tIns="91440" bIns="91440"/>
+        <p:style>
+          <a:lnRef idx="0"/>
+          <a:fillRef idx="0"/>
+          <a:effectRef idx="0"/>
+          <a:fontRef idx="minor"/>
+        </p:style>
+        <p:txBody>
+          <a:bodyPr lIns="90000" rIns="90000" tIns="91440" bIns="91440"/>
           <a:p>
             <a:pPr>
               <a:lnSpc>
@@ -6279,14 +5706,11 @@
               <a:t>Властивості:</a:t>
             </a:r>
             <a:endParaRPr b="0" lang="en-US" sz="1800" spc="-1" strike="noStrike">
-              <a:solidFill>
-                <a:srgbClr val="000000"/>
-              </a:solidFill>
-              <a:latin typeface="Arial"/>
-            </a:endParaRPr>
-          </a:p>
-          <a:p>
-            <a:pPr marL="457200" indent="-342720">
+              <a:latin typeface="Arial"/>
+            </a:endParaRPr>
+          </a:p>
+          <a:p>
+            <a:pPr marL="457200" indent="-342360">
               <a:lnSpc>
                 <a:spcPct val="100000"/>
               </a:lnSpc>
@@ -6320,14 +5744,11 @@
               <a:t>PlaylistApplication</a:t>
             </a:r>
             <a:endParaRPr b="0" lang="en-US" sz="1800" spc="-1" strike="noStrike">
-              <a:solidFill>
-                <a:srgbClr val="000000"/>
-              </a:solidFill>
-              <a:latin typeface="Arial"/>
-            </a:endParaRPr>
-          </a:p>
-          <a:p>
-            <a:pPr marL="457200" indent="-342720">
+              <a:latin typeface="Arial"/>
+            </a:endParaRPr>
+          </a:p>
+          <a:p>
+            <a:pPr marL="457200" indent="-342360">
               <a:lnSpc>
                 <a:spcPct val="100000"/>
               </a:lnSpc>
@@ -6368,9 +5789,6 @@
               <a:t> </a:t>
             </a:r>
             <a:endParaRPr b="0" lang="en-US" sz="1800" spc="-1" strike="noStrike">
-              <a:solidFill>
-                <a:srgbClr val="000000"/>
-              </a:solidFill>
               <a:latin typeface="Arial"/>
             </a:endParaRPr>
           </a:p>
@@ -6394,14 +5812,11 @@
               <a:t>Методи:</a:t>
             </a:r>
             <a:endParaRPr b="0" lang="en-US" sz="1800" spc="-1" strike="noStrike">
-              <a:solidFill>
-                <a:srgbClr val="000000"/>
-              </a:solidFill>
-              <a:latin typeface="Arial"/>
-            </a:endParaRPr>
-          </a:p>
-          <a:p>
-            <a:pPr marL="457200" indent="-342720">
+              <a:latin typeface="Arial"/>
+            </a:endParaRPr>
+          </a:p>
+          <a:p>
+            <a:pPr marL="457200" indent="-342360">
               <a:lnSpc>
                 <a:spcPct val="100000"/>
               </a:lnSpc>
@@ -6425,9 +5840,6 @@
               <a:t>методи взаємодії з графічним інтерфейсом</a:t>
             </a:r>
             <a:endParaRPr b="0" lang="en-US" sz="1800" spc="-1" strike="noStrike">
-              <a:solidFill>
-                <a:srgbClr val="000000"/>
-              </a:solidFill>
               <a:latin typeface="Arial"/>
             </a:endParaRPr>
           </a:p>
@@ -6484,14 +5896,14 @@
       </p:grpSpPr>
       <p:sp>
         <p:nvSpPr>
-          <p:cNvPr id="142" name="TextShape 1"/>
-          <p:cNvSpPr txBox="1"/>
+          <p:cNvPr id="139" name="CustomShape 1"/>
+          <p:cNvSpPr/>
           <p:nvPr/>
         </p:nvSpPr>
         <p:spPr>
           <a:xfrm>
             <a:off x="311760" y="421200"/>
-            <a:ext cx="8520120" cy="1108080"/>
+            <a:ext cx="8519760" cy="1107720"/>
           </a:xfrm>
           <a:prstGeom prst="rect">
             <a:avLst/>
@@ -6501,8 +5913,14 @@
             <a:noFill/>
           </a:ln>
         </p:spPr>
-        <p:txBody>
-          <a:bodyPr tIns="91440" bIns="91440" anchor="b"/>
+        <p:style>
+          <a:lnRef idx="0"/>
+          <a:fillRef idx="0"/>
+          <a:effectRef idx="0"/>
+          <a:fontRef idx="minor"/>
+        </p:style>
+        <p:txBody>
+          <a:bodyPr lIns="90000" rIns="90000" tIns="91440" bIns="91440" anchor="b"/>
           <a:p>
             <a:pPr>
               <a:lnSpc>
@@ -6520,9 +5938,6 @@
               <a:t>Демонстрація</a:t>
             </a:r>
             <a:endParaRPr b="0" lang="en-US" sz="4200" spc="-1" strike="noStrike">
-              <a:solidFill>
-                <a:srgbClr val="000000"/>
-              </a:solidFill>
               <a:latin typeface="Arial"/>
             </a:endParaRPr>
           </a:p>
@@ -6530,7 +5945,7 @@
       </p:sp>
       <p:pic>
         <p:nvPicPr>
-          <p:cNvPr id="143" name="Google Shape;127;p24" descr=""/>
+          <p:cNvPr id="140" name="Google Shape;127;p24" descr=""/>
           <p:cNvPicPr/>
           <p:nvPr/>
         </p:nvPicPr>
@@ -6541,7 +5956,7 @@
         <p:spPr>
           <a:xfrm>
             <a:off x="830160" y="1529640"/>
-            <a:ext cx="7483320" cy="5023080"/>
+            <a:ext cx="7482960" cy="5022720"/>
           </a:xfrm>
           <a:prstGeom prst="rect">
             <a:avLst/>
@@ -6602,14 +6017,14 @@
       </p:grpSpPr>
       <p:sp>
         <p:nvSpPr>
-          <p:cNvPr id="144" name="TextShape 1"/>
-          <p:cNvSpPr txBox="1"/>
+          <p:cNvPr id="141" name="CustomShape 1"/>
+          <p:cNvSpPr/>
           <p:nvPr/>
         </p:nvSpPr>
         <p:spPr>
           <a:xfrm>
             <a:off x="3044880" y="1925640"/>
-            <a:ext cx="3054240" cy="2049120"/>
+            <a:ext cx="3053880" cy="2048760"/>
           </a:xfrm>
           <a:prstGeom prst="rect">
             <a:avLst/>
@@ -6619,8 +6034,14 @@
             <a:noFill/>
           </a:ln>
         </p:spPr>
-        <p:txBody>
-          <a:bodyPr tIns="91440" bIns="91440" anchor="b"/>
+        <p:style>
+          <a:lnRef idx="0"/>
+          <a:fillRef idx="0"/>
+          <a:effectRef idx="0"/>
+          <a:fontRef idx="minor"/>
+        </p:style>
+        <p:txBody>
+          <a:bodyPr lIns="90000" rIns="90000" tIns="91440" bIns="91440" anchor="b"/>
           <a:p>
             <a:pPr algn="ctr">
               <a:lnSpc>
@@ -6638,9 +6059,6 @@
               <a:t>Дякую за увагу!</a:t>
             </a:r>
             <a:endParaRPr b="0" lang="en-US" sz="4200" spc="-1" strike="noStrike">
-              <a:solidFill>
-                <a:srgbClr val="000000"/>
-              </a:solidFill>
               <a:latin typeface="Arial"/>
             </a:endParaRPr>
           </a:p>
@@ -6697,14 +6115,14 @@
       </p:grpSpPr>
       <p:sp>
         <p:nvSpPr>
-          <p:cNvPr id="124" name="TextShape 1"/>
-          <p:cNvSpPr txBox="1"/>
+          <p:cNvPr id="121" name="CustomShape 1"/>
+          <p:cNvSpPr/>
           <p:nvPr/>
         </p:nvSpPr>
         <p:spPr>
           <a:xfrm>
             <a:off x="773640" y="2408760"/>
-            <a:ext cx="7596360" cy="2040480"/>
+            <a:ext cx="7596000" cy="2040120"/>
           </a:xfrm>
           <a:prstGeom prst="rect">
             <a:avLst/>
@@ -6714,8 +6132,14 @@
             <a:noFill/>
           </a:ln>
         </p:spPr>
-        <p:txBody>
-          <a:bodyPr tIns="91440" bIns="91440" anchor="ctr"/>
+        <p:style>
+          <a:lnRef idx="0"/>
+          <a:fillRef idx="0"/>
+          <a:effectRef idx="0"/>
+          <a:fontRef idx="minor"/>
+        </p:style>
+        <p:txBody>
+          <a:bodyPr lIns="90000" rIns="90000" tIns="91440" bIns="91440" anchor="ctr"/>
           <a:p>
             <a:pPr algn="ctr">
               <a:lnSpc>
@@ -6733,9 +6157,6 @@
               <a:t>Можливості</a:t>
             </a:r>
             <a:endParaRPr b="0" lang="en-US" sz="4200" spc="-1" strike="noStrike">
-              <a:solidFill>
-                <a:srgbClr val="000000"/>
-              </a:solidFill>
               <a:latin typeface="Arial"/>
             </a:endParaRPr>
           </a:p>
@@ -6792,14 +6213,14 @@
       </p:grpSpPr>
       <p:sp>
         <p:nvSpPr>
-          <p:cNvPr id="125" name="TextShape 1"/>
-          <p:cNvSpPr txBox="1"/>
+          <p:cNvPr id="122" name="CustomShape 1"/>
+          <p:cNvSpPr/>
           <p:nvPr/>
         </p:nvSpPr>
         <p:spPr>
           <a:xfrm>
             <a:off x="311760" y="1633680"/>
-            <a:ext cx="8520120" cy="4471920"/>
+            <a:ext cx="8519760" cy="4471560"/>
           </a:xfrm>
           <a:prstGeom prst="rect">
             <a:avLst/>
@@ -6809,10 +6230,16 @@
             <a:noFill/>
           </a:ln>
         </p:spPr>
-        <p:txBody>
-          <a:bodyPr tIns="91440" bIns="91440"/>
-          <a:p>
-            <a:pPr marL="457200" indent="-342720">
+        <p:style>
+          <a:lnRef idx="0"/>
+          <a:fillRef idx="0"/>
+          <a:effectRef idx="0"/>
+          <a:fontRef idx="minor"/>
+        </p:style>
+        <p:txBody>
+          <a:bodyPr lIns="90000" rIns="90000" tIns="91440" bIns="91440"/>
+          <a:p>
+            <a:pPr marL="457200" indent="-342360">
               <a:lnSpc>
                 <a:spcPct val="200000"/>
               </a:lnSpc>
@@ -6833,14 +6260,11 @@
               <a:t>Стандартні функції програвача</a:t>
             </a:r>
             <a:endParaRPr b="0" lang="en-US" sz="1800" spc="-1" strike="noStrike">
-              <a:solidFill>
-                <a:srgbClr val="000000"/>
-              </a:solidFill>
-              <a:latin typeface="Arial"/>
-            </a:endParaRPr>
-          </a:p>
-          <a:p>
-            <a:pPr marL="457200" indent="-342720">
+              <a:latin typeface="Arial"/>
+            </a:endParaRPr>
+          </a:p>
+          <a:p>
+            <a:pPr marL="457200" indent="-342360">
               <a:lnSpc>
                 <a:spcPct val="200000"/>
               </a:lnSpc>
@@ -6891,14 +6315,11 @@
               <a:t>wav</a:t>
             </a:r>
             <a:endParaRPr b="0" lang="en-US" sz="1800" spc="-1" strike="noStrike">
-              <a:solidFill>
-                <a:srgbClr val="000000"/>
-              </a:solidFill>
-              <a:latin typeface="Arial"/>
-            </a:endParaRPr>
-          </a:p>
-          <a:p>
-            <a:pPr marL="457200" indent="-342720">
+              <a:latin typeface="Arial"/>
+            </a:endParaRPr>
+          </a:p>
+          <a:p>
+            <a:pPr marL="457200" indent="-342360">
               <a:lnSpc>
                 <a:spcPct val="200000"/>
               </a:lnSpc>
@@ -6919,14 +6340,11 @@
               <a:t>Можливості роботи з плейлистом: </a:t>
             </a:r>
             <a:endParaRPr b="0" lang="en-US" sz="1800" spc="-1" strike="noStrike">
-              <a:solidFill>
-                <a:srgbClr val="000000"/>
-              </a:solidFill>
-              <a:latin typeface="Arial"/>
-            </a:endParaRPr>
-          </a:p>
-          <a:p>
-            <a:pPr lvl="1" marL="914400" indent="-317160">
+              <a:latin typeface="Arial"/>
+            </a:endParaRPr>
+          </a:p>
+          <a:p>
+            <a:pPr lvl="1" marL="914400" indent="-316800">
               <a:lnSpc>
                 <a:spcPct val="200000"/>
               </a:lnSpc>
@@ -6947,14 +6365,11 @@
               <a:t>додавання нових пісень.</a:t>
             </a:r>
             <a:endParaRPr b="0" lang="en-US" sz="1400" spc="-1" strike="noStrike">
-              <a:solidFill>
-                <a:srgbClr val="000000"/>
-              </a:solidFill>
-              <a:latin typeface="Arial"/>
-            </a:endParaRPr>
-          </a:p>
-          <a:p>
-            <a:pPr lvl="1" marL="914400" indent="-317160">
+              <a:latin typeface="Arial"/>
+            </a:endParaRPr>
+          </a:p>
+          <a:p>
+            <a:pPr lvl="1" marL="914400" indent="-316800">
               <a:lnSpc>
                 <a:spcPct val="200000"/>
               </a:lnSpc>
@@ -6975,14 +6390,11 @@
               <a:t>рекурсивне сканування папки для пошуку нових пісень.</a:t>
             </a:r>
             <a:endParaRPr b="0" lang="en-US" sz="1400" spc="-1" strike="noStrike">
-              <a:solidFill>
-                <a:srgbClr val="000000"/>
-              </a:solidFill>
-              <a:latin typeface="Arial"/>
-            </a:endParaRPr>
-          </a:p>
-          <a:p>
-            <a:pPr lvl="1" marL="914400" indent="-317160">
+              <a:latin typeface="Arial"/>
+            </a:endParaRPr>
+          </a:p>
+          <a:p>
+            <a:pPr lvl="1" marL="914400" indent="-316800">
               <a:lnSpc>
                 <a:spcPct val="200000"/>
               </a:lnSpc>
@@ -7003,14 +6415,11 @@
               <a:t>видалення пісень.</a:t>
             </a:r>
             <a:endParaRPr b="0" lang="en-US" sz="1400" spc="-1" strike="noStrike">
-              <a:solidFill>
-                <a:srgbClr val="000000"/>
-              </a:solidFill>
-              <a:latin typeface="Arial"/>
-            </a:endParaRPr>
-          </a:p>
-          <a:p>
-            <a:pPr lvl="1" marL="914400" indent="-317160">
+              <a:latin typeface="Arial"/>
+            </a:endParaRPr>
+          </a:p>
+          <a:p>
+            <a:pPr lvl="1" marL="914400" indent="-316800">
               <a:lnSpc>
                 <a:spcPct val="200000"/>
               </a:lnSpc>
@@ -7051,24 +6460,21 @@
               <a:t>).</a:t>
             </a:r>
             <a:endParaRPr b="0" lang="en-US" sz="1400" spc="-1" strike="noStrike">
-              <a:solidFill>
-                <a:srgbClr val="000000"/>
-              </a:solidFill>
-              <a:latin typeface="Arial"/>
-            </a:endParaRPr>
-          </a:p>
-        </p:txBody>
-      </p:sp>
-      <p:sp>
-        <p:nvSpPr>
-          <p:cNvPr id="126" name="TextShape 2"/>
-          <p:cNvSpPr txBox="1"/>
+              <a:latin typeface="Arial"/>
+            </a:endParaRPr>
+          </a:p>
+        </p:txBody>
+      </p:sp>
+      <p:sp>
+        <p:nvSpPr>
+          <p:cNvPr id="123" name="CustomShape 2"/>
+          <p:cNvSpPr/>
           <p:nvPr/>
         </p:nvSpPr>
         <p:spPr>
           <a:xfrm>
             <a:off x="311760" y="421200"/>
-            <a:ext cx="8520120" cy="1108080"/>
+            <a:ext cx="8519760" cy="1107720"/>
           </a:xfrm>
           <a:prstGeom prst="rect">
             <a:avLst/>
@@ -7078,8 +6484,14 @@
             <a:noFill/>
           </a:ln>
         </p:spPr>
-        <p:txBody>
-          <a:bodyPr tIns="91440" bIns="91440" anchor="b"/>
+        <p:style>
+          <a:lnRef idx="0"/>
+          <a:fillRef idx="0"/>
+          <a:effectRef idx="0"/>
+          <a:fontRef idx="minor"/>
+        </p:style>
+        <p:txBody>
+          <a:bodyPr lIns="90000" rIns="90000" tIns="91440" bIns="91440" anchor="b"/>
           <a:p>
             <a:pPr>
               <a:lnSpc>
@@ -7097,9 +6509,6 @@
               <a:t>Можливості</a:t>
             </a:r>
             <a:endParaRPr b="0" lang="en-US" sz="4200" spc="-1" strike="noStrike">
-              <a:solidFill>
-                <a:srgbClr val="000000"/>
-              </a:solidFill>
               <a:latin typeface="Arial"/>
             </a:endParaRPr>
           </a:p>
@@ -7156,14 +6565,14 @@
       </p:grpSpPr>
       <p:sp>
         <p:nvSpPr>
-          <p:cNvPr id="127" name="TextShape 1"/>
-          <p:cNvSpPr txBox="1"/>
+          <p:cNvPr id="124" name="CustomShape 1"/>
+          <p:cNvSpPr/>
           <p:nvPr/>
         </p:nvSpPr>
         <p:spPr>
           <a:xfrm>
             <a:off x="773640" y="2408760"/>
-            <a:ext cx="7596360" cy="2040480"/>
+            <a:ext cx="7596000" cy="2040120"/>
           </a:xfrm>
           <a:prstGeom prst="rect">
             <a:avLst/>
@@ -7173,8 +6582,14 @@
             <a:noFill/>
           </a:ln>
         </p:spPr>
-        <p:txBody>
-          <a:bodyPr tIns="91440" bIns="91440" anchor="ctr"/>
+        <p:style>
+          <a:lnRef idx="0"/>
+          <a:fillRef idx="0"/>
+          <a:effectRef idx="0"/>
+          <a:fontRef idx="minor"/>
+        </p:style>
+        <p:txBody>
+          <a:bodyPr lIns="90000" rIns="90000" tIns="91440" bIns="91440" anchor="ctr"/>
           <a:p>
             <a:pPr algn="ctr">
               <a:lnSpc>
@@ -7192,9 +6607,6 @@
               <a:t>Архітектура</a:t>
             </a:r>
             <a:endParaRPr b="0" lang="en-US" sz="4200" spc="-1" strike="noStrike">
-              <a:solidFill>
-                <a:srgbClr val="000000"/>
-              </a:solidFill>
               <a:latin typeface="Arial"/>
             </a:endParaRPr>
           </a:p>
@@ -7251,14 +6663,14 @@
       </p:grpSpPr>
       <p:sp>
         <p:nvSpPr>
-          <p:cNvPr id="128" name="TextShape 1"/>
-          <p:cNvSpPr txBox="1"/>
+          <p:cNvPr id="125" name="CustomShape 1"/>
+          <p:cNvSpPr/>
           <p:nvPr/>
         </p:nvSpPr>
         <p:spPr>
           <a:xfrm>
             <a:off x="311760" y="421200"/>
-            <a:ext cx="8520120" cy="1108080"/>
+            <a:ext cx="8519760" cy="1107720"/>
           </a:xfrm>
           <a:prstGeom prst="rect">
             <a:avLst/>
@@ -7268,8 +6680,14 @@
             <a:noFill/>
           </a:ln>
         </p:spPr>
-        <p:txBody>
-          <a:bodyPr tIns="91440" bIns="91440" anchor="b"/>
+        <p:style>
+          <a:lnRef idx="0"/>
+          <a:fillRef idx="0"/>
+          <a:effectRef idx="0"/>
+          <a:fontRef idx="minor"/>
+        </p:style>
+        <p:txBody>
+          <a:bodyPr lIns="90000" rIns="90000" tIns="91440" bIns="91440" anchor="b"/>
           <a:p>
             <a:pPr>
               <a:lnSpc>
@@ -7287,24 +6705,21 @@
               <a:t>Модулі</a:t>
             </a:r>
             <a:endParaRPr b="0" lang="en-US" sz="4200" spc="-1" strike="noStrike">
-              <a:solidFill>
-                <a:srgbClr val="000000"/>
-              </a:solidFill>
-              <a:latin typeface="Arial"/>
-            </a:endParaRPr>
-          </a:p>
-        </p:txBody>
-      </p:sp>
-      <p:sp>
-        <p:nvSpPr>
-          <p:cNvPr id="129" name="TextShape 2"/>
-          <p:cNvSpPr txBox="1"/>
+              <a:latin typeface="Arial"/>
+            </a:endParaRPr>
+          </a:p>
+        </p:txBody>
+      </p:sp>
+      <p:sp>
+        <p:nvSpPr>
+          <p:cNvPr id="126" name="CustomShape 2"/>
+          <p:cNvSpPr/>
           <p:nvPr/>
         </p:nvSpPr>
         <p:spPr>
           <a:xfrm>
             <a:off x="311760" y="1633680"/>
-            <a:ext cx="8520120" cy="4471920"/>
+            <a:ext cx="8519760" cy="4471560"/>
           </a:xfrm>
           <a:prstGeom prst="rect">
             <a:avLst/>
@@ -7314,10 +6729,16 @@
             <a:noFill/>
           </a:ln>
         </p:spPr>
-        <p:txBody>
-          <a:bodyPr tIns="91440" bIns="91440"/>
-          <a:p>
-            <a:pPr marL="457200" indent="-342720">
+        <p:style>
+          <a:lnRef idx="0"/>
+          <a:fillRef idx="0"/>
+          <a:effectRef idx="0"/>
+          <a:fontRef idx="minor"/>
+        </p:style>
+        <p:txBody>
+          <a:bodyPr lIns="90000" rIns="90000" tIns="91440" bIns="91440"/>
+          <a:p>
+            <a:pPr marL="457200" indent="-342360">
               <a:lnSpc>
                 <a:spcPct val="200000"/>
               </a:lnSpc>
@@ -7348,14 +6769,11 @@
               <a:t>app.py</a:t>
             </a:r>
             <a:endParaRPr b="0" lang="en-US" sz="1800" spc="-1" strike="noStrike">
-              <a:solidFill>
-                <a:srgbClr val="000000"/>
-              </a:solidFill>
-              <a:latin typeface="Arial"/>
-            </a:endParaRPr>
-          </a:p>
-          <a:p>
-            <a:pPr marL="457200" indent="-342720">
+              <a:latin typeface="Arial"/>
+            </a:endParaRPr>
+          </a:p>
+          <a:p>
+            <a:pPr marL="457200" indent="-342360">
               <a:lnSpc>
                 <a:spcPct val="200000"/>
               </a:lnSpc>
@@ -7386,14 +6804,11 @@
               <a:t>music.py</a:t>
             </a:r>
             <a:endParaRPr b="0" lang="en-US" sz="1800" spc="-1" strike="noStrike">
-              <a:solidFill>
-                <a:srgbClr val="000000"/>
-              </a:solidFill>
-              <a:latin typeface="Arial"/>
-            </a:endParaRPr>
-          </a:p>
-          <a:p>
-            <a:pPr marL="457200" indent="-342720">
+              <a:latin typeface="Arial"/>
+            </a:endParaRPr>
+          </a:p>
+          <a:p>
+            <a:pPr marL="457200" indent="-342360">
               <a:lnSpc>
                 <a:spcPct val="200000"/>
               </a:lnSpc>
@@ -7424,9 +6839,6 @@
               <a:t> mainwindow.py</a:t>
             </a:r>
             <a:endParaRPr b="0" lang="en-US" sz="1800" spc="-1" strike="noStrike">
-              <a:solidFill>
-                <a:srgbClr val="000000"/>
-              </a:solidFill>
               <a:latin typeface="Arial"/>
             </a:endParaRPr>
           </a:p>
@@ -7483,14 +6895,14 @@
       </p:grpSpPr>
       <p:sp>
         <p:nvSpPr>
-          <p:cNvPr id="130" name="TextShape 1"/>
-          <p:cNvSpPr txBox="1"/>
+          <p:cNvPr id="127" name="CustomShape 1"/>
+          <p:cNvSpPr/>
           <p:nvPr/>
         </p:nvSpPr>
         <p:spPr>
           <a:xfrm>
             <a:off x="311760" y="421200"/>
-            <a:ext cx="8520120" cy="1108080"/>
+            <a:ext cx="8519760" cy="1107720"/>
           </a:xfrm>
           <a:prstGeom prst="rect">
             <a:avLst/>
@@ -7500,8 +6912,14 @@
             <a:noFill/>
           </a:ln>
         </p:spPr>
-        <p:txBody>
-          <a:bodyPr tIns="91440" bIns="91440" anchor="b"/>
+        <p:style>
+          <a:lnRef idx="0"/>
+          <a:fillRef idx="0"/>
+          <a:effectRef idx="0"/>
+          <a:fontRef idx="minor"/>
+        </p:style>
+        <p:txBody>
+          <a:bodyPr lIns="90000" rIns="90000" tIns="91440" bIns="91440" anchor="b"/>
           <a:p>
             <a:pPr>
               <a:lnSpc>
@@ -7519,24 +6937,21 @@
               <a:t>Класи</a:t>
             </a:r>
             <a:endParaRPr b="0" lang="en-US" sz="4200" spc="-1" strike="noStrike">
-              <a:solidFill>
-                <a:srgbClr val="000000"/>
-              </a:solidFill>
-              <a:latin typeface="Arial"/>
-            </a:endParaRPr>
-          </a:p>
-        </p:txBody>
-      </p:sp>
-      <p:sp>
-        <p:nvSpPr>
-          <p:cNvPr id="131" name="TextShape 2"/>
-          <p:cNvSpPr txBox="1"/>
+              <a:latin typeface="Arial"/>
+            </a:endParaRPr>
+          </a:p>
+        </p:txBody>
+      </p:sp>
+      <p:sp>
+        <p:nvSpPr>
+          <p:cNvPr id="128" name="CustomShape 2"/>
+          <p:cNvSpPr/>
           <p:nvPr/>
         </p:nvSpPr>
         <p:spPr>
           <a:xfrm>
             <a:off x="311760" y="1633680"/>
-            <a:ext cx="8520120" cy="4471920"/>
+            <a:ext cx="8519760" cy="4471560"/>
           </a:xfrm>
           <a:prstGeom prst="rect">
             <a:avLst/>
@@ -7546,10 +6961,16 @@
             <a:noFill/>
           </a:ln>
         </p:spPr>
-        <p:txBody>
-          <a:bodyPr tIns="91440" bIns="91440"/>
-          <a:p>
-            <a:pPr marL="457200" indent="-342720">
+        <p:style>
+          <a:lnRef idx="0"/>
+          <a:fillRef idx="0"/>
+          <a:effectRef idx="0"/>
+          <a:fontRef idx="minor"/>
+        </p:style>
+        <p:txBody>
+          <a:bodyPr lIns="90000" rIns="90000" tIns="91440" bIns="91440"/>
+          <a:p>
+            <a:pPr marL="457200" indent="-342360">
               <a:lnSpc>
                 <a:spcPct val="200000"/>
               </a:lnSpc>
@@ -7590,14 +7011,11 @@
               <a:t>:</a:t>
             </a:r>
             <a:endParaRPr b="0" lang="en-US" sz="1800" spc="-1" strike="noStrike">
-              <a:solidFill>
-                <a:srgbClr val="000000"/>
-              </a:solidFill>
-              <a:latin typeface="Arial"/>
-            </a:endParaRPr>
-          </a:p>
-          <a:p>
-            <a:pPr lvl="1" marL="914400" indent="-317160">
+              <a:latin typeface="Arial"/>
+            </a:endParaRPr>
+          </a:p>
+          <a:p>
+            <a:pPr lvl="1" marL="914400" indent="-316800">
               <a:lnSpc>
                 <a:spcPct val="200000"/>
               </a:lnSpc>
@@ -7628,14 +7046,11 @@
               <a:t> PlaylistApplication</a:t>
             </a:r>
             <a:endParaRPr b="0" lang="en-US" sz="1800" spc="-1" strike="noStrike">
-              <a:solidFill>
-                <a:srgbClr val="000000"/>
-              </a:solidFill>
-              <a:latin typeface="Arial"/>
-            </a:endParaRPr>
-          </a:p>
-          <a:p>
-            <a:pPr marL="457200" indent="-342720">
+              <a:latin typeface="Arial"/>
+            </a:endParaRPr>
+          </a:p>
+          <a:p>
+            <a:pPr marL="457200" indent="-342360">
               <a:lnSpc>
                 <a:spcPct val="200000"/>
               </a:lnSpc>
@@ -7676,14 +7091,11 @@
               <a:t>:</a:t>
             </a:r>
             <a:endParaRPr b="0" lang="en-US" sz="1800" spc="-1" strike="noStrike">
-              <a:solidFill>
-                <a:srgbClr val="000000"/>
-              </a:solidFill>
-              <a:latin typeface="Arial"/>
-            </a:endParaRPr>
-          </a:p>
-          <a:p>
-            <a:pPr lvl="1" marL="914400" indent="-317160">
+              <a:latin typeface="Arial"/>
+            </a:endParaRPr>
+          </a:p>
+          <a:p>
+            <a:pPr lvl="1" marL="914400" indent="-316800">
               <a:lnSpc>
                 <a:spcPct val="200000"/>
               </a:lnSpc>
@@ -7714,14 +7126,11 @@
               <a:t> PlaylistElement</a:t>
             </a:r>
             <a:endParaRPr b="0" lang="en-US" sz="1800" spc="-1" strike="noStrike">
-              <a:solidFill>
-                <a:srgbClr val="000000"/>
-              </a:solidFill>
-              <a:latin typeface="Arial"/>
-            </a:endParaRPr>
-          </a:p>
-          <a:p>
-            <a:pPr lvl="1" marL="914400" indent="-317160">
+              <a:latin typeface="Arial"/>
+            </a:endParaRPr>
+          </a:p>
+          <a:p>
+            <a:pPr lvl="1" marL="914400" indent="-316800">
               <a:lnSpc>
                 <a:spcPct val="200000"/>
               </a:lnSpc>
@@ -7752,14 +7161,11 @@
               <a:t> Playlist</a:t>
             </a:r>
             <a:endParaRPr b="0" lang="en-US" sz="1800" spc="-1" strike="noStrike">
-              <a:solidFill>
-                <a:srgbClr val="000000"/>
-              </a:solidFill>
-              <a:latin typeface="Arial"/>
-            </a:endParaRPr>
-          </a:p>
-          <a:p>
-            <a:pPr lvl="1" marL="914400" indent="-317160">
+              <a:latin typeface="Arial"/>
+            </a:endParaRPr>
+          </a:p>
+          <a:p>
+            <a:pPr lvl="1" marL="914400" indent="-316800">
               <a:lnSpc>
                 <a:spcPct val="200000"/>
               </a:lnSpc>
@@ -7790,14 +7196,11 @@
               <a:t> MusicPlayer</a:t>
             </a:r>
             <a:endParaRPr b="0" lang="en-US" sz="1800" spc="-1" strike="noStrike">
-              <a:solidFill>
-                <a:srgbClr val="000000"/>
-              </a:solidFill>
-              <a:latin typeface="Arial"/>
-            </a:endParaRPr>
-          </a:p>
-          <a:p>
-            <a:pPr marL="457200" indent="-342720">
+              <a:latin typeface="Arial"/>
+            </a:endParaRPr>
+          </a:p>
+          <a:p>
+            <a:pPr marL="457200" indent="-342360">
               <a:lnSpc>
                 <a:spcPct val="200000"/>
               </a:lnSpc>
@@ -7838,14 +7241,11 @@
               <a:t>:</a:t>
             </a:r>
             <a:endParaRPr b="0" lang="en-US" sz="1800" spc="-1" strike="noStrike">
-              <a:solidFill>
-                <a:srgbClr val="000000"/>
-              </a:solidFill>
-              <a:latin typeface="Arial"/>
-            </a:endParaRPr>
-          </a:p>
-          <a:p>
-            <a:pPr lvl="1" marL="914400" indent="-317160">
+              <a:latin typeface="Arial"/>
+            </a:endParaRPr>
+          </a:p>
+          <a:p>
+            <a:pPr lvl="1" marL="914400" indent="-316800">
               <a:lnSpc>
                 <a:spcPct val="200000"/>
               </a:lnSpc>
@@ -7876,9 +7276,6 @@
               <a:t> MainWindow</a:t>
             </a:r>
             <a:endParaRPr b="0" lang="en-US" sz="1800" spc="-1" strike="noStrike">
-              <a:solidFill>
-                <a:srgbClr val="000000"/>
-              </a:solidFill>
               <a:latin typeface="Arial"/>
             </a:endParaRPr>
           </a:p>
@@ -7935,14 +7332,14 @@
       </p:grpSpPr>
       <p:sp>
         <p:nvSpPr>
-          <p:cNvPr id="132" name="TextShape 1"/>
-          <p:cNvSpPr txBox="1"/>
+          <p:cNvPr id="129" name="CustomShape 1"/>
+          <p:cNvSpPr/>
           <p:nvPr/>
         </p:nvSpPr>
         <p:spPr>
           <a:xfrm>
             <a:off x="311760" y="421200"/>
-            <a:ext cx="8520120" cy="1108080"/>
+            <a:ext cx="8519760" cy="1107720"/>
           </a:xfrm>
           <a:prstGeom prst="rect">
             <a:avLst/>
@@ -7952,8 +7349,14 @@
             <a:noFill/>
           </a:ln>
         </p:spPr>
-        <p:txBody>
-          <a:bodyPr tIns="91440" bIns="91440" anchor="b"/>
+        <p:style>
+          <a:lnRef idx="0"/>
+          <a:fillRef idx="0"/>
+          <a:effectRef idx="0"/>
+          <a:fontRef idx="minor"/>
+        </p:style>
+        <p:txBody>
+          <a:bodyPr lIns="90000" rIns="90000" tIns="91440" bIns="91440" anchor="b"/>
           <a:p>
             <a:pPr>
               <a:lnSpc>
@@ -7981,24 +7384,21 @@
               <a:t>PlaylistApplication</a:t>
             </a:r>
             <a:endParaRPr b="0" lang="en-US" sz="4200" spc="-1" strike="noStrike">
-              <a:solidFill>
-                <a:srgbClr val="000000"/>
-              </a:solidFill>
-              <a:latin typeface="Arial"/>
-            </a:endParaRPr>
-          </a:p>
-        </p:txBody>
-      </p:sp>
-      <p:sp>
-        <p:nvSpPr>
-          <p:cNvPr id="133" name="TextShape 2"/>
-          <p:cNvSpPr txBox="1"/>
+              <a:latin typeface="Arial"/>
+            </a:endParaRPr>
+          </a:p>
+        </p:txBody>
+      </p:sp>
+      <p:sp>
+        <p:nvSpPr>
+          <p:cNvPr id="130" name="CustomShape 2"/>
+          <p:cNvSpPr/>
           <p:nvPr/>
         </p:nvSpPr>
         <p:spPr>
           <a:xfrm>
             <a:off x="311760" y="1633680"/>
-            <a:ext cx="8520120" cy="5024160"/>
+            <a:ext cx="8519760" cy="5023800"/>
           </a:xfrm>
           <a:prstGeom prst="rect">
             <a:avLst/>
@@ -8008,8 +7408,14 @@
             <a:noFill/>
           </a:ln>
         </p:spPr>
-        <p:txBody>
-          <a:bodyPr tIns="91440" bIns="91440"/>
+        <p:style>
+          <a:lnRef idx="0"/>
+          <a:fillRef idx="0"/>
+          <a:effectRef idx="0"/>
+          <a:fontRef idx="minor"/>
+        </p:style>
+        <p:txBody>
+          <a:bodyPr lIns="90000" rIns="90000" tIns="91440" bIns="91440"/>
           <a:p>
             <a:pPr>
               <a:lnSpc>
@@ -8027,14 +7433,11 @@
               <a:t>Властивості:</a:t>
             </a:r>
             <a:endParaRPr b="0" lang="en-US" sz="1800" spc="-1" strike="noStrike">
-              <a:solidFill>
-                <a:srgbClr val="000000"/>
-              </a:solidFill>
-              <a:latin typeface="Arial"/>
-            </a:endParaRPr>
-          </a:p>
-          <a:p>
-            <a:pPr marL="457200" indent="-342720">
+              <a:latin typeface="Arial"/>
+            </a:endParaRPr>
+          </a:p>
+          <a:p>
+            <a:pPr marL="457200" indent="-342360">
               <a:lnSpc>
                 <a:spcPct val="100000"/>
               </a:lnSpc>
@@ -8058,14 +7461,11 @@
               <a:t>Налаштування програвача</a:t>
             </a:r>
             <a:endParaRPr b="0" lang="en-US" sz="1800" spc="-1" strike="noStrike">
-              <a:solidFill>
-                <a:srgbClr val="000000"/>
-              </a:solidFill>
-              <a:latin typeface="Arial"/>
-            </a:endParaRPr>
-          </a:p>
-          <a:p>
-            <a:pPr marL="457200" indent="-342720">
+              <a:latin typeface="Arial"/>
+            </a:endParaRPr>
+          </a:p>
+          <a:p>
+            <a:pPr marL="457200" indent="-342360">
               <a:lnSpc>
                 <a:spcPct val="100000"/>
               </a:lnSpc>
@@ -8096,14 +7496,11 @@
               <a:t>Playlist </a:t>
             </a:r>
             <a:endParaRPr b="0" lang="en-US" sz="1800" spc="-1" strike="noStrike">
-              <a:solidFill>
-                <a:srgbClr val="000000"/>
-              </a:solidFill>
-              <a:latin typeface="Arial"/>
-            </a:endParaRPr>
-          </a:p>
-          <a:p>
-            <a:pPr marL="457200" indent="-342720">
+              <a:latin typeface="Arial"/>
+            </a:endParaRPr>
+          </a:p>
+          <a:p>
+            <a:pPr marL="457200" indent="-342360">
               <a:lnSpc>
                 <a:spcPct val="100000"/>
               </a:lnSpc>
@@ -8134,14 +7531,11 @@
               <a:t>MusicPlayer</a:t>
             </a:r>
             <a:endParaRPr b="0" lang="en-US" sz="1800" spc="-1" strike="noStrike">
-              <a:solidFill>
-                <a:srgbClr val="000000"/>
-              </a:solidFill>
-              <a:latin typeface="Arial"/>
-            </a:endParaRPr>
-          </a:p>
-          <a:p>
-            <a:pPr marL="457200" indent="-342720">
+              <a:latin typeface="Arial"/>
+            </a:endParaRPr>
+          </a:p>
+          <a:p>
+            <a:pPr marL="457200" indent="-342360">
               <a:lnSpc>
                 <a:spcPct val="100000"/>
               </a:lnSpc>
@@ -8172,9 +7566,6 @@
               <a:t>MainWindow </a:t>
             </a:r>
             <a:endParaRPr b="0" lang="en-US" sz="1800" spc="-1" strike="noStrike">
-              <a:solidFill>
-                <a:srgbClr val="000000"/>
-              </a:solidFill>
               <a:latin typeface="Arial"/>
             </a:endParaRPr>
           </a:p>
@@ -8198,14 +7589,11 @@
               <a:t>Методи:</a:t>
             </a:r>
             <a:endParaRPr b="0" lang="en-US" sz="1800" spc="-1" strike="noStrike">
-              <a:solidFill>
-                <a:srgbClr val="000000"/>
-              </a:solidFill>
-              <a:latin typeface="Arial"/>
-            </a:endParaRPr>
-          </a:p>
-          <a:p>
-            <a:pPr marL="457200" indent="-342720">
+              <a:latin typeface="Arial"/>
+            </a:endParaRPr>
+          </a:p>
+          <a:p>
+            <a:pPr marL="457200" indent="-342360">
               <a:lnSpc>
                 <a:spcPct val="100000"/>
               </a:lnSpc>
@@ -8229,14 +7617,11 @@
               <a:t>розпочати програвання</a:t>
             </a:r>
             <a:endParaRPr b="0" lang="en-US" sz="1800" spc="-1" strike="noStrike">
-              <a:solidFill>
-                <a:srgbClr val="000000"/>
-              </a:solidFill>
-              <a:latin typeface="Arial"/>
-            </a:endParaRPr>
-          </a:p>
-          <a:p>
-            <a:pPr marL="457200" indent="-342720">
+              <a:latin typeface="Arial"/>
+            </a:endParaRPr>
+          </a:p>
+          <a:p>
+            <a:pPr marL="457200" indent="-342360">
               <a:lnSpc>
                 <a:spcPct val="100000"/>
               </a:lnSpc>
@@ -8257,14 +7642,11 @@
               <a:t>призупинити програвання</a:t>
             </a:r>
             <a:endParaRPr b="0" lang="en-US" sz="1800" spc="-1" strike="noStrike">
-              <a:solidFill>
-                <a:srgbClr val="000000"/>
-              </a:solidFill>
-              <a:latin typeface="Arial"/>
-            </a:endParaRPr>
-          </a:p>
-          <a:p>
-            <a:pPr marL="457200" indent="-342720">
+              <a:latin typeface="Arial"/>
+            </a:endParaRPr>
+          </a:p>
+          <a:p>
+            <a:pPr marL="457200" indent="-342360">
               <a:lnSpc>
                 <a:spcPct val="100000"/>
               </a:lnSpc>
@@ -8285,14 +7667,11 @@
               <a:t>зупинити програвання</a:t>
             </a:r>
             <a:endParaRPr b="0" lang="en-US" sz="1800" spc="-1" strike="noStrike">
-              <a:solidFill>
-                <a:srgbClr val="000000"/>
-              </a:solidFill>
-              <a:latin typeface="Arial"/>
-            </a:endParaRPr>
-          </a:p>
-          <a:p>
-            <a:pPr marL="457200" indent="-342720">
+              <a:latin typeface="Arial"/>
+            </a:endParaRPr>
+          </a:p>
+          <a:p>
+            <a:pPr marL="457200" indent="-342360">
               <a:lnSpc>
                 <a:spcPct val="100000"/>
               </a:lnSpc>
@@ -8313,14 +7692,11 @@
               <a:t>продовжити програвання</a:t>
             </a:r>
             <a:endParaRPr b="0" lang="en-US" sz="1800" spc="-1" strike="noStrike">
-              <a:solidFill>
-                <a:srgbClr val="000000"/>
-              </a:solidFill>
-              <a:latin typeface="Arial"/>
-            </a:endParaRPr>
-          </a:p>
-          <a:p>
-            <a:pPr marL="457200" indent="-342720">
+              <a:latin typeface="Arial"/>
+            </a:endParaRPr>
+          </a:p>
+          <a:p>
+            <a:pPr marL="457200" indent="-342360">
               <a:lnSpc>
                 <a:spcPct val="100000"/>
               </a:lnSpc>
@@ -8341,14 +7717,11 @@
               <a:t>програвати наступну пісню</a:t>
             </a:r>
             <a:endParaRPr b="0" lang="en-US" sz="1800" spc="-1" strike="noStrike">
-              <a:solidFill>
-                <a:srgbClr val="000000"/>
-              </a:solidFill>
-              <a:latin typeface="Arial"/>
-            </a:endParaRPr>
-          </a:p>
-          <a:p>
-            <a:pPr marL="457200" indent="-342720">
+              <a:latin typeface="Arial"/>
+            </a:endParaRPr>
+          </a:p>
+          <a:p>
+            <a:pPr marL="457200" indent="-342360">
               <a:lnSpc>
                 <a:spcPct val="100000"/>
               </a:lnSpc>
@@ -8369,14 +7742,11 @@
               <a:t>програвати попередню пісню</a:t>
             </a:r>
             <a:endParaRPr b="0" lang="en-US" sz="1800" spc="-1" strike="noStrike">
-              <a:solidFill>
-                <a:srgbClr val="000000"/>
-              </a:solidFill>
-              <a:latin typeface="Arial"/>
-            </a:endParaRPr>
-          </a:p>
-          <a:p>
-            <a:pPr marL="457200" indent="-342720">
+              <a:latin typeface="Arial"/>
+            </a:endParaRPr>
+          </a:p>
+          <a:p>
+            <a:pPr marL="457200" indent="-342360">
               <a:lnSpc>
                 <a:spcPct val="100000"/>
               </a:lnSpc>
@@ -8397,9 +7767,6 @@
               <a:t>методи доступу до налаштувань програвача</a:t>
             </a:r>
             <a:endParaRPr b="0" lang="en-US" sz="1800" spc="-1" strike="noStrike">
-              <a:solidFill>
-                <a:srgbClr val="000000"/>
-              </a:solidFill>
               <a:latin typeface="Arial"/>
             </a:endParaRPr>
           </a:p>
@@ -8413,9 +7780,6 @@
               </a:spcBef>
             </a:pPr>
             <a:endParaRPr b="0" lang="en-US" sz="1800" spc="-1" strike="noStrike">
-              <a:solidFill>
-                <a:srgbClr val="000000"/>
-              </a:solidFill>
               <a:latin typeface="Arial"/>
             </a:endParaRPr>
           </a:p>
@@ -8429,9 +7793,6 @@
               </a:spcBef>
             </a:pPr>
             <a:endParaRPr b="0" lang="en-US" sz="1800" spc="-1" strike="noStrike">
-              <a:solidFill>
-                <a:srgbClr val="000000"/>
-              </a:solidFill>
               <a:latin typeface="Arial"/>
             </a:endParaRPr>
           </a:p>
@@ -8445,9 +7806,6 @@
               </a:spcBef>
             </a:pPr>
             <a:endParaRPr b="0" lang="en-US" sz="1800" spc="-1" strike="noStrike">
-              <a:solidFill>
-                <a:srgbClr val="000000"/>
-              </a:solidFill>
               <a:latin typeface="Arial"/>
             </a:endParaRPr>
           </a:p>
@@ -8464,9 +7822,6 @@
               </a:spcAft>
             </a:pPr>
             <a:endParaRPr b="0" lang="en-US" sz="1800" spc="-1" strike="noStrike">
-              <a:solidFill>
-                <a:srgbClr val="000000"/>
-              </a:solidFill>
               <a:latin typeface="Arial"/>
             </a:endParaRPr>
           </a:p>
@@ -8523,14 +7878,14 @@
       </p:grpSpPr>
       <p:sp>
         <p:nvSpPr>
-          <p:cNvPr id="134" name="TextShape 1"/>
-          <p:cNvSpPr txBox="1"/>
+          <p:cNvPr id="131" name="CustomShape 1"/>
+          <p:cNvSpPr/>
           <p:nvPr/>
         </p:nvSpPr>
         <p:spPr>
           <a:xfrm>
             <a:off x="311760" y="421200"/>
-            <a:ext cx="8520120" cy="1108080"/>
+            <a:ext cx="8519760" cy="1107720"/>
           </a:xfrm>
           <a:prstGeom prst="rect">
             <a:avLst/>
@@ -8540,8 +7895,14 @@
             <a:noFill/>
           </a:ln>
         </p:spPr>
-        <p:txBody>
-          <a:bodyPr tIns="91440" bIns="91440" anchor="b"/>
+        <p:style>
+          <a:lnRef idx="0"/>
+          <a:fillRef idx="0"/>
+          <a:effectRef idx="0"/>
+          <a:fontRef idx="minor"/>
+        </p:style>
+        <p:txBody>
+          <a:bodyPr lIns="90000" rIns="90000" tIns="91440" bIns="91440" anchor="b"/>
           <a:p>
             <a:pPr>
               <a:lnSpc>
@@ -8569,24 +7930,21 @@
               <a:t>PlaylistElement</a:t>
             </a:r>
             <a:endParaRPr b="0" lang="en-US" sz="4200" spc="-1" strike="noStrike">
-              <a:solidFill>
-                <a:srgbClr val="000000"/>
-              </a:solidFill>
-              <a:latin typeface="Arial"/>
-            </a:endParaRPr>
-          </a:p>
-        </p:txBody>
-      </p:sp>
-      <p:sp>
-        <p:nvSpPr>
-          <p:cNvPr id="135" name="TextShape 2"/>
-          <p:cNvSpPr txBox="1"/>
+              <a:latin typeface="Arial"/>
+            </a:endParaRPr>
+          </a:p>
+        </p:txBody>
+      </p:sp>
+      <p:sp>
+        <p:nvSpPr>
+          <p:cNvPr id="132" name="CustomShape 2"/>
+          <p:cNvSpPr/>
           <p:nvPr/>
         </p:nvSpPr>
         <p:spPr>
           <a:xfrm>
             <a:off x="311760" y="1633680"/>
-            <a:ext cx="8520120" cy="4471920"/>
+            <a:ext cx="8519760" cy="4471560"/>
           </a:xfrm>
           <a:prstGeom prst="rect">
             <a:avLst/>
@@ -8596,8 +7954,14 @@
             <a:noFill/>
           </a:ln>
         </p:spPr>
-        <p:txBody>
-          <a:bodyPr tIns="91440" bIns="91440"/>
+        <p:style>
+          <a:lnRef idx="0"/>
+          <a:fillRef idx="0"/>
+          <a:effectRef idx="0"/>
+          <a:fontRef idx="minor"/>
+        </p:style>
+        <p:txBody>
+          <a:bodyPr lIns="90000" rIns="90000" tIns="91440" bIns="91440"/>
           <a:p>
             <a:pPr>
               <a:lnSpc>
@@ -8615,14 +7979,11 @@
               <a:t>Властивості:</a:t>
             </a:r>
             <a:endParaRPr b="0" lang="en-US" sz="1800" spc="-1" strike="noStrike">
-              <a:solidFill>
-                <a:srgbClr val="000000"/>
-              </a:solidFill>
-              <a:latin typeface="Arial"/>
-            </a:endParaRPr>
-          </a:p>
-          <a:p>
-            <a:pPr marL="457200" indent="-342720">
+              <a:latin typeface="Arial"/>
+            </a:endParaRPr>
+          </a:p>
+          <a:p>
+            <a:pPr marL="457200" indent="-342360">
               <a:lnSpc>
                 <a:spcPct val="200000"/>
               </a:lnSpc>
@@ -8646,14 +8007,11 @@
               <a:t>Шлях до файлу</a:t>
             </a:r>
             <a:endParaRPr b="0" lang="en-US" sz="1800" spc="-1" strike="noStrike">
-              <a:solidFill>
-                <a:srgbClr val="000000"/>
-              </a:solidFill>
-              <a:latin typeface="Arial"/>
-            </a:endParaRPr>
-          </a:p>
-          <a:p>
-            <a:pPr marL="457200" indent="-342720">
+              <a:latin typeface="Arial"/>
+            </a:endParaRPr>
+          </a:p>
+          <a:p>
+            <a:pPr marL="457200" indent="-342360">
               <a:lnSpc>
                 <a:spcPct val="200000"/>
               </a:lnSpc>
@@ -8674,14 +8032,11 @@
               <a:t>Назва файлу</a:t>
             </a:r>
             <a:endParaRPr b="0" lang="en-US" sz="1800" spc="-1" strike="noStrike">
-              <a:solidFill>
-                <a:srgbClr val="000000"/>
-              </a:solidFill>
-              <a:latin typeface="Arial"/>
-            </a:endParaRPr>
-          </a:p>
-          <a:p>
-            <a:pPr marL="457200" indent="-342720">
+              <a:latin typeface="Arial"/>
+            </a:endParaRPr>
+          </a:p>
+          <a:p>
+            <a:pPr marL="457200" indent="-342360">
               <a:lnSpc>
                 <a:spcPct val="200000"/>
               </a:lnSpc>
@@ -8702,14 +8057,11 @@
               <a:t>Виконавець</a:t>
             </a:r>
             <a:endParaRPr b="0" lang="en-US" sz="1800" spc="-1" strike="noStrike">
-              <a:solidFill>
-                <a:srgbClr val="000000"/>
-              </a:solidFill>
-              <a:latin typeface="Arial"/>
-            </a:endParaRPr>
-          </a:p>
-          <a:p>
-            <a:pPr marL="457200" indent="-342720">
+              <a:latin typeface="Arial"/>
+            </a:endParaRPr>
+          </a:p>
+          <a:p>
+            <a:pPr marL="457200" indent="-342360">
               <a:lnSpc>
                 <a:spcPct val="200000"/>
               </a:lnSpc>
@@ -8730,14 +8082,11 @@
               <a:t>Назва пісні</a:t>
             </a:r>
             <a:endParaRPr b="0" lang="en-US" sz="1800" spc="-1" strike="noStrike">
-              <a:solidFill>
-                <a:srgbClr val="000000"/>
-              </a:solidFill>
-              <a:latin typeface="Arial"/>
-            </a:endParaRPr>
-          </a:p>
-          <a:p>
-            <a:pPr marL="457200" indent="-342720">
+              <a:latin typeface="Arial"/>
+            </a:endParaRPr>
+          </a:p>
+          <a:p>
+            <a:pPr marL="457200" indent="-342360">
               <a:lnSpc>
                 <a:spcPct val="200000"/>
               </a:lnSpc>
@@ -8758,9 +8107,6 @@
               <a:t>Розширення (формат) файлу</a:t>
             </a:r>
             <a:endParaRPr b="0" lang="en-US" sz="1800" spc="-1" strike="noStrike">
-              <a:solidFill>
-                <a:srgbClr val="000000"/>
-              </a:solidFill>
               <a:latin typeface="Arial"/>
             </a:endParaRPr>
           </a:p>
@@ -8777,9 +8123,6 @@
               </a:spcAft>
             </a:pPr>
             <a:endParaRPr b="0" lang="en-US" sz="1800" spc="-1" strike="noStrike">
-              <a:solidFill>
-                <a:srgbClr val="000000"/>
-              </a:solidFill>
               <a:latin typeface="Arial"/>
             </a:endParaRPr>
           </a:p>
@@ -8836,14 +8179,14 @@
       </p:grpSpPr>
       <p:sp>
         <p:nvSpPr>
-          <p:cNvPr id="136" name="TextShape 1"/>
-          <p:cNvSpPr txBox="1"/>
+          <p:cNvPr id="133" name="CustomShape 1"/>
+          <p:cNvSpPr/>
           <p:nvPr/>
         </p:nvSpPr>
         <p:spPr>
           <a:xfrm>
             <a:off x="311760" y="421200"/>
-            <a:ext cx="8520120" cy="1108080"/>
+            <a:ext cx="8519760" cy="1107720"/>
           </a:xfrm>
           <a:prstGeom prst="rect">
             <a:avLst/>
@@ -8853,8 +8196,14 @@
             <a:noFill/>
           </a:ln>
         </p:spPr>
-        <p:txBody>
-          <a:bodyPr tIns="91440" bIns="91440" anchor="b"/>
+        <p:style>
+          <a:lnRef idx="0"/>
+          <a:fillRef idx="0"/>
+          <a:effectRef idx="0"/>
+          <a:fontRef idx="minor"/>
+        </p:style>
+        <p:txBody>
+          <a:bodyPr lIns="90000" rIns="90000" tIns="91440" bIns="91440" anchor="b"/>
           <a:p>
             <a:pPr>
               <a:lnSpc>
@@ -8882,24 +8231,21 @@
               <a:t>Playlist</a:t>
             </a:r>
             <a:endParaRPr b="0" lang="en-US" sz="4200" spc="-1" strike="noStrike">
-              <a:solidFill>
-                <a:srgbClr val="000000"/>
-              </a:solidFill>
-              <a:latin typeface="Arial"/>
-            </a:endParaRPr>
-          </a:p>
-        </p:txBody>
-      </p:sp>
-      <p:sp>
-        <p:nvSpPr>
-          <p:cNvPr id="137" name="TextShape 2"/>
-          <p:cNvSpPr txBox="1"/>
+              <a:latin typeface="Arial"/>
+            </a:endParaRPr>
+          </a:p>
+        </p:txBody>
+      </p:sp>
+      <p:sp>
+        <p:nvSpPr>
+          <p:cNvPr id="134" name="CustomShape 2"/>
+          <p:cNvSpPr/>
           <p:nvPr/>
         </p:nvSpPr>
         <p:spPr>
           <a:xfrm>
             <a:off x="311760" y="1633680"/>
-            <a:ext cx="8520120" cy="4471920"/>
+            <a:ext cx="8519760" cy="4471560"/>
           </a:xfrm>
           <a:prstGeom prst="rect">
             <a:avLst/>
@@ -8909,8 +8255,14 @@
             <a:noFill/>
           </a:ln>
         </p:spPr>
-        <p:txBody>
-          <a:bodyPr tIns="91440" bIns="91440"/>
+        <p:style>
+          <a:lnRef idx="0"/>
+          <a:fillRef idx="0"/>
+          <a:effectRef idx="0"/>
+          <a:fontRef idx="minor"/>
+        </p:style>
+        <p:txBody>
+          <a:bodyPr lIns="90000" rIns="90000" tIns="91440" bIns="91440"/>
           <a:p>
             <a:pPr>
               <a:lnSpc>
@@ -8928,14 +8280,11 @@
               <a:t>Властивості:</a:t>
             </a:r>
             <a:endParaRPr b="0" lang="en-US" sz="1800" spc="-1" strike="noStrike">
-              <a:solidFill>
-                <a:srgbClr val="000000"/>
-              </a:solidFill>
-              <a:latin typeface="Arial"/>
-            </a:endParaRPr>
-          </a:p>
-          <a:p>
-            <a:pPr marL="457200" indent="-342720">
+              <a:latin typeface="Arial"/>
+            </a:endParaRPr>
+          </a:p>
+          <a:p>
+            <a:pPr marL="457200" indent="-342360">
               <a:lnSpc>
                 <a:spcPct val="100000"/>
               </a:lnSpc>
@@ -8959,14 +8308,11 @@
               <a:t>Назва плейлисту</a:t>
             </a:r>
             <a:endParaRPr b="0" lang="en-US" sz="1800" spc="-1" strike="noStrike">
-              <a:solidFill>
-                <a:srgbClr val="000000"/>
-              </a:solidFill>
-              <a:latin typeface="Arial"/>
-            </a:endParaRPr>
-          </a:p>
-          <a:p>
-            <a:pPr marL="457200" indent="-342720">
+              <a:latin typeface="Arial"/>
+            </a:endParaRPr>
+          </a:p>
+          <a:p>
+            <a:pPr marL="457200" indent="-342360">
               <a:lnSpc>
                 <a:spcPct val="100000"/>
               </a:lnSpc>
@@ -8987,14 +8333,11 @@
               <a:t>Дата створення плейлисту</a:t>
             </a:r>
             <a:endParaRPr b="0" lang="en-US" sz="1800" spc="-1" strike="noStrike">
-              <a:solidFill>
-                <a:srgbClr val="000000"/>
-              </a:solidFill>
-              <a:latin typeface="Arial"/>
-            </a:endParaRPr>
-          </a:p>
-          <a:p>
-            <a:pPr marL="457200" indent="-342720">
+              <a:latin typeface="Arial"/>
+            </a:endParaRPr>
+          </a:p>
+          <a:p>
+            <a:pPr marL="457200" indent="-342360">
               <a:lnSpc>
                 <a:spcPct val="100000"/>
               </a:lnSpc>
@@ -9015,9 +8358,6 @@
               <a:t>Список з піснями</a:t>
             </a:r>
             <a:endParaRPr b="0" lang="en-US" sz="1800" spc="-1" strike="noStrike">
-              <a:solidFill>
-                <a:srgbClr val="000000"/>
-              </a:solidFill>
               <a:latin typeface="Arial"/>
             </a:endParaRPr>
           </a:p>
@@ -9041,14 +8381,11 @@
               <a:t>Методи:</a:t>
             </a:r>
             <a:endParaRPr b="0" lang="en-US" sz="1800" spc="-1" strike="noStrike">
-              <a:solidFill>
-                <a:srgbClr val="000000"/>
-              </a:solidFill>
-              <a:latin typeface="Arial"/>
-            </a:endParaRPr>
-          </a:p>
-          <a:p>
-            <a:pPr marL="457200" indent="-342720">
+              <a:latin typeface="Arial"/>
+            </a:endParaRPr>
+          </a:p>
+          <a:p>
+            <a:pPr marL="457200" indent="-342360">
               <a:lnSpc>
                 <a:spcPct val="100000"/>
               </a:lnSpc>
@@ -9072,14 +8409,11 @@
               <a:t>додати елемент</a:t>
             </a:r>
             <a:endParaRPr b="0" lang="en-US" sz="1800" spc="-1" strike="noStrike">
-              <a:solidFill>
-                <a:srgbClr val="000000"/>
-              </a:solidFill>
-              <a:latin typeface="Arial"/>
-            </a:endParaRPr>
-          </a:p>
-          <a:p>
-            <a:pPr marL="457200" indent="-342720">
+              <a:latin typeface="Arial"/>
+            </a:endParaRPr>
+          </a:p>
+          <a:p>
+            <a:pPr marL="457200" indent="-342360">
               <a:lnSpc>
                 <a:spcPct val="100000"/>
               </a:lnSpc>
@@ -9100,14 +8434,11 @@
               <a:t>рекурсивно знайти та додати всі знайдені файли у вказаній директорії </a:t>
             </a:r>
             <a:endParaRPr b="0" lang="en-US" sz="1800" spc="-1" strike="noStrike">
-              <a:solidFill>
-                <a:srgbClr val="000000"/>
-              </a:solidFill>
-              <a:latin typeface="Arial"/>
-            </a:endParaRPr>
-          </a:p>
-          <a:p>
-            <a:pPr marL="457200" indent="-342720">
+              <a:latin typeface="Arial"/>
+            </a:endParaRPr>
+          </a:p>
+          <a:p>
+            <a:pPr marL="457200" indent="-342360">
               <a:lnSpc>
                 <a:spcPct val="100000"/>
               </a:lnSpc>
@@ -9128,14 +8459,11 @@
               <a:t>видалити елемент</a:t>
             </a:r>
             <a:endParaRPr b="0" lang="en-US" sz="1800" spc="-1" strike="noStrike">
-              <a:solidFill>
-                <a:srgbClr val="000000"/>
-              </a:solidFill>
-              <a:latin typeface="Arial"/>
-            </a:endParaRPr>
-          </a:p>
-          <a:p>
-            <a:pPr marL="457200" indent="-342720">
+              <a:latin typeface="Arial"/>
+            </a:endParaRPr>
+          </a:p>
+          <a:p>
+            <a:pPr marL="457200" indent="-342360">
               <a:lnSpc>
                 <a:spcPct val="100000"/>
               </a:lnSpc>
@@ -9156,14 +8484,11 @@
               <a:t>отримати поточний елемент </a:t>
             </a:r>
             <a:endParaRPr b="0" lang="en-US" sz="1800" spc="-1" strike="noStrike">
-              <a:solidFill>
-                <a:srgbClr val="000000"/>
-              </a:solidFill>
-              <a:latin typeface="Arial"/>
-            </a:endParaRPr>
-          </a:p>
-          <a:p>
-            <a:pPr marL="457200" indent="-342720">
+              <a:latin typeface="Arial"/>
+            </a:endParaRPr>
+          </a:p>
+          <a:p>
+            <a:pPr marL="457200" indent="-342360">
               <a:lnSpc>
                 <a:spcPct val="100000"/>
               </a:lnSpc>
@@ -9184,14 +8509,11 @@
               <a:t>перейти до наступного елементу</a:t>
             </a:r>
             <a:endParaRPr b="0" lang="en-US" sz="1800" spc="-1" strike="noStrike">
-              <a:solidFill>
-                <a:srgbClr val="000000"/>
-              </a:solidFill>
-              <a:latin typeface="Arial"/>
-            </a:endParaRPr>
-          </a:p>
-          <a:p>
-            <a:pPr marL="457200" indent="-342720">
+              <a:latin typeface="Arial"/>
+            </a:endParaRPr>
+          </a:p>
+          <a:p>
+            <a:pPr marL="457200" indent="-342360">
               <a:lnSpc>
                 <a:spcPct val="100000"/>
               </a:lnSpc>
@@ -9212,14 +8534,11 @@
               <a:t>перевірити, чи закінчився список елементів</a:t>
             </a:r>
             <a:endParaRPr b="0" lang="en-US" sz="1800" spc="-1" strike="noStrike">
-              <a:solidFill>
-                <a:srgbClr val="000000"/>
-              </a:solidFill>
-              <a:latin typeface="Arial"/>
-            </a:endParaRPr>
-          </a:p>
-          <a:p>
-            <a:pPr marL="457200" indent="-342720">
+              <a:latin typeface="Arial"/>
+            </a:endParaRPr>
+          </a:p>
+          <a:p>
+            <a:pPr marL="457200" indent="-342360">
               <a:lnSpc>
                 <a:spcPct val="100000"/>
               </a:lnSpc>
@@ -9260,9 +8579,6 @@
               <a:t>файл</a:t>
             </a:r>
             <a:endParaRPr b="0" lang="en-US" sz="1800" spc="-1" strike="noStrike">
-              <a:solidFill>
-                <a:srgbClr val="000000"/>
-              </a:solidFill>
               <a:latin typeface="Arial"/>
             </a:endParaRPr>
           </a:p>
@@ -9279,9 +8595,6 @@
               </a:spcAft>
             </a:pPr>
             <a:endParaRPr b="0" lang="en-US" sz="1800" spc="-1" strike="noStrike">
-              <a:solidFill>
-                <a:srgbClr val="000000"/>
-              </a:solidFill>
               <a:latin typeface="Arial"/>
             </a:endParaRPr>
           </a:p>
